--- a/presentation/presentation.pptx
+++ b/presentation/presentation.pptx
@@ -4588,8 +4588,8 @@
           </a:p>
         </p:txBody>
       </p:sp>
-      <mc:AlternateContent xmlns:mc="http://schemas.openxmlformats.org/markup-compatibility/2006">
-        <mc:Choice xmlns:a14="http://schemas.microsoft.com/office/drawing/2010/main" Requires="a14">
+      <mc:AlternateContent xmlns:mc="http://schemas.openxmlformats.org/markup-compatibility/2006" xmlns:a14="http://schemas.microsoft.com/office/drawing/2010/main">
+        <mc:Choice Requires="a14">
           <p:sp>
             <p:nvSpPr>
               <p:cNvPr id="8" name="Объект 2"/>
@@ -5398,7 +5398,7 @@
             </p:txBody>
           </p:sp>
         </mc:Choice>
-        <mc:Fallback>
+        <mc:Fallback xmlns="">
           <p:sp>
             <p:nvSpPr>
               <p:cNvPr id="8" name="Объект 2"/>
@@ -6229,20 +6229,20 @@
                   </m:oMath>
                 </a14:m>
                 <a:r>
-                  <a:rPr lang="en-US" sz="1800" dirty="0">
+                  <a:rPr lang="ru-RU" sz="2000" dirty="0" smtClean="0">
                     <a:solidFill>
                       <a:schemeClr val="tx1"/>
                     </a:solidFill>
                   </a:rPr>
-                  <a:t> </a:t>
+                  <a:t>                          </a:t>
                 </a:r>
                 <a:r>
-                  <a:rPr lang="ru-RU" sz="1800" dirty="0">
+                  <a:rPr lang="en-US" sz="2000" dirty="0" smtClean="0">
                     <a:solidFill>
                       <a:schemeClr val="tx1"/>
                     </a:solidFill>
                   </a:rPr>
-                  <a:t>Ё	</a:t>
+                  <a:t>(</a:t>
                 </a:r>
                 <a:r>
                   <a:rPr lang="en-US" sz="2000" dirty="0">
@@ -6250,7 +6250,7 @@
                       <a:schemeClr val="tx1"/>
                     </a:solidFill>
                   </a:rPr>
-                  <a:t>	(9)</a:t>
+                  <a:t>9)</a:t>
                 </a:r>
               </a:p>
               <a:p>
@@ -7752,8 +7752,8 @@
           </a:p>
         </p:txBody>
       </p:sp>
-      <mc:AlternateContent xmlns:mc="http://schemas.openxmlformats.org/markup-compatibility/2006">
-        <mc:Choice xmlns:a14="http://schemas.microsoft.com/office/drawing/2010/main" Requires="a14">
+      <mc:AlternateContent xmlns:mc="http://schemas.openxmlformats.org/markup-compatibility/2006" xmlns:a14="http://schemas.microsoft.com/office/drawing/2010/main">
+        <mc:Choice Requires="a14">
           <p:sp>
             <p:nvSpPr>
               <p:cNvPr id="9" name="Объект 4">
@@ -8649,7 +8649,7 @@
             </p:txBody>
           </p:sp>
         </mc:Choice>
-        <mc:Fallback>
+        <mc:Fallback xmlns="">
           <p:sp>
             <p:nvSpPr>
               <p:cNvPr id="9" name="Объект 4">
@@ -9370,8 +9370,8 @@
           </a:p>
         </p:txBody>
       </p:sp>
-      <mc:AlternateContent xmlns:mc="http://schemas.openxmlformats.org/markup-compatibility/2006">
-        <mc:Choice xmlns:a14="http://schemas.microsoft.com/office/drawing/2010/main" Requires="a14">
+      <mc:AlternateContent xmlns:mc="http://schemas.openxmlformats.org/markup-compatibility/2006" xmlns:a14="http://schemas.microsoft.com/office/drawing/2010/main">
+        <mc:Choice Requires="a14">
           <p:sp>
             <p:nvSpPr>
               <p:cNvPr id="12" name="Объект 4">
@@ -10034,7 +10034,7 @@
             </p:txBody>
           </p:sp>
         </mc:Choice>
-        <mc:Fallback>
+        <mc:Fallback xmlns="">
           <p:sp>
             <p:nvSpPr>
               <p:cNvPr id="12" name="Объект 4">
@@ -10241,7 +10241,7 @@
             </p:nvSpPr>
             <p:spPr>
               <a:xfrm>
-                <a:off x="279032" y="5846408"/>
+                <a:off x="251873" y="5783037"/>
                 <a:ext cx="11689649" cy="584775"/>
               </a:xfrm>
               <a:prstGeom prst="rect">
@@ -10343,7 +10343,7 @@
             </p:nvSpPr>
             <p:spPr>
               <a:xfrm>
-                <a:off x="279032" y="5846408"/>
+                <a:off x="251873" y="5783037"/>
                 <a:ext cx="11689649" cy="584775"/>
               </a:xfrm>
               <a:prstGeom prst="rect">
@@ -10849,7 +10849,7 @@
             </p:nvSpPr>
             <p:spPr>
               <a:xfrm>
-                <a:off x="279032" y="5846408"/>
+                <a:off x="251873" y="5783037"/>
                 <a:ext cx="11689649" cy="584775"/>
               </a:xfrm>
               <a:prstGeom prst="rect">
@@ -10951,7 +10951,7 @@
             </p:nvSpPr>
             <p:spPr>
               <a:xfrm>
-                <a:off x="279032" y="5846408"/>
+                <a:off x="251873" y="5783037"/>
                 <a:ext cx="11689649" cy="584775"/>
               </a:xfrm>
               <a:prstGeom prst="rect">

--- a/presentation/presentation.pptx
+++ b/presentation/presentation.pptx
@@ -4553,10 +4553,10 @@
               <a:t>Рис</a:t>
             </a:r>
             <a:r>
-              <a:rPr lang="en-US" sz="1600" dirty="0">
+              <a:rPr lang="en-US" sz="1600" dirty="0" smtClean="0">
                 <a:ea typeface="Times New Roman" panose="02020603050405020304" pitchFamily="18" charset="0"/>
               </a:rPr>
-              <a:t>.1. </a:t>
+              <a:t>.5. </a:t>
             </a:r>
             <a:r>
               <a:rPr lang="ru-RU" sz="1600" dirty="0">
@@ -7322,10 +7322,10 @@
               <a:t>Рис</a:t>
             </a:r>
             <a:r>
-              <a:rPr lang="en-US" sz="1600" dirty="0">
+              <a:rPr lang="en-US" sz="1600" dirty="0" smtClean="0">
                 <a:ea typeface="Times New Roman" panose="02020603050405020304" pitchFamily="18" charset="0"/>
               </a:rPr>
-              <a:t>.2. </a:t>
+              <a:t>.6. </a:t>
             </a:r>
             <a:r>
               <a:rPr lang="ru-RU" sz="1600" dirty="0">
@@ -7621,22 +7621,10 @@
               <a:t>Рис</a:t>
             </a:r>
             <a:r>
-              <a:rPr lang="en-US" sz="1600" dirty="0">
+              <a:rPr lang="en-US" sz="1600" dirty="0" smtClean="0">
                 <a:ea typeface="Times New Roman" panose="02020603050405020304" pitchFamily="18" charset="0"/>
               </a:rPr>
-              <a:t>.</a:t>
-            </a:r>
-            <a:r>
-              <a:rPr lang="ru-RU" sz="1600" dirty="0">
-                <a:ea typeface="Times New Roman" panose="02020603050405020304" pitchFamily="18" charset="0"/>
-              </a:rPr>
-              <a:t>3</a:t>
-            </a:r>
-            <a:r>
-              <a:rPr lang="en-US" sz="1600" dirty="0">
-                <a:ea typeface="Times New Roman" panose="02020603050405020304" pitchFamily="18" charset="0"/>
-              </a:rPr>
-              <a:t>. </a:t>
+              <a:t>.7. </a:t>
             </a:r>
             <a:r>
               <a:rPr lang="ru-RU" sz="1600" dirty="0">
@@ -10269,19 +10257,7 @@
                   <a:rPr lang="en-US" sz="1600" dirty="0" smtClean="0">
                     <a:ea typeface="Times New Roman" panose="02020603050405020304" pitchFamily="18" charset="0"/>
                   </a:rPr>
-                  <a:t>.</a:t>
-                </a:r>
-                <a:r>
-                  <a:rPr lang="ru-RU" sz="1600" dirty="0" smtClean="0">
-                    <a:ea typeface="Times New Roman" panose="02020603050405020304" pitchFamily="18" charset="0"/>
-                  </a:rPr>
-                  <a:t>4</a:t>
-                </a:r>
-                <a:r>
-                  <a:rPr lang="en-US" sz="1600" dirty="0" smtClean="0">
-                    <a:ea typeface="Times New Roman" panose="02020603050405020304" pitchFamily="18" charset="0"/>
-                  </a:rPr>
-                  <a:t>. </a:t>
+                  <a:t>.8. </a:t>
                 </a:r>
                 <a:r>
                   <a:rPr lang="ru-RU" sz="1600" dirty="0" smtClean="0">
@@ -10387,7 +10363,7 @@
         </p:blipFill>
         <p:spPr>
           <a:xfrm>
-            <a:off x="3583917" y="928195"/>
+            <a:off x="3864573" y="928195"/>
             <a:ext cx="3713207" cy="1893922"/>
           </a:xfrm>
           <a:prstGeom prst="rect">
@@ -10497,7 +10473,7 @@
         </p:nvSpPr>
         <p:spPr>
           <a:xfrm>
-            <a:off x="5323857" y="2822117"/>
+            <a:off x="5604513" y="2822117"/>
             <a:ext cx="516721" cy="338554"/>
           </a:xfrm>
           <a:prstGeom prst="rect">
@@ -10543,7 +10519,7 @@
         </p:blipFill>
         <p:spPr>
           <a:xfrm>
-            <a:off x="8008781" y="928195"/>
+            <a:off x="8008781" y="937248"/>
             <a:ext cx="3500680" cy="4450980"/>
           </a:xfrm>
           <a:prstGeom prst="rect">
@@ -10567,7 +10543,7 @@
         </p:blipFill>
         <p:spPr>
           <a:xfrm>
-            <a:off x="3883937" y="3209570"/>
+            <a:off x="4164593" y="3209570"/>
             <a:ext cx="3248025" cy="2343150"/>
           </a:xfrm>
           <a:prstGeom prst="rect">
@@ -10589,7 +10565,7 @@
         </p:nvSpPr>
         <p:spPr>
           <a:xfrm>
-            <a:off x="5323857" y="5465081"/>
+            <a:off x="5604513" y="5465081"/>
             <a:ext cx="516721" cy="338554"/>
           </a:xfrm>
           <a:prstGeom prst="rect">
@@ -10709,7 +10685,7 @@
         </p:blipFill>
         <p:spPr>
           <a:xfrm>
-            <a:off x="8081206" y="956904"/>
+            <a:off x="8081206" y="993116"/>
             <a:ext cx="3425745" cy="4375432"/>
           </a:xfrm>
           <a:prstGeom prst="rect">
@@ -10733,7 +10709,7 @@
         </p:blipFill>
         <p:spPr>
           <a:xfrm>
-            <a:off x="3884850" y="3153685"/>
+            <a:off x="4065914" y="3153685"/>
             <a:ext cx="3400425" cy="2381250"/>
           </a:xfrm>
           <a:prstGeom prst="rect">
@@ -10877,19 +10853,7 @@
                   <a:rPr lang="en-US" sz="1600" dirty="0" smtClean="0">
                     <a:ea typeface="Times New Roman" panose="02020603050405020304" pitchFamily="18" charset="0"/>
                   </a:rPr>
-                  <a:t>.</a:t>
-                </a:r>
-                <a:r>
-                  <a:rPr lang="ru-RU" sz="1600" dirty="0" smtClean="0">
-                    <a:ea typeface="Times New Roman" panose="02020603050405020304" pitchFamily="18" charset="0"/>
-                  </a:rPr>
-                  <a:t>5</a:t>
-                </a:r>
-                <a:r>
-                  <a:rPr lang="en-US" sz="1600" dirty="0" smtClean="0">
-                    <a:ea typeface="Times New Roman" panose="02020603050405020304" pitchFamily="18" charset="0"/>
-                  </a:rPr>
-                  <a:t>. </a:t>
+                  <a:t>.9. </a:t>
                 </a:r>
                 <a:r>
                   <a:rPr lang="ru-RU" sz="1600" dirty="0" smtClean="0">
@@ -11081,7 +11045,7 @@
         </p:nvSpPr>
         <p:spPr>
           <a:xfrm>
-            <a:off x="5323857" y="2822117"/>
+            <a:off x="5504921" y="2822117"/>
             <a:ext cx="516721" cy="338554"/>
           </a:xfrm>
           <a:prstGeom prst="rect">
@@ -11125,7 +11089,7 @@
         </p:nvSpPr>
         <p:spPr>
           <a:xfrm>
-            <a:off x="5323857" y="5465081"/>
+            <a:off x="5504921" y="5465081"/>
             <a:ext cx="516721" cy="338554"/>
           </a:xfrm>
           <a:prstGeom prst="rect">
@@ -11239,7 +11203,7 @@
         </p:blipFill>
         <p:spPr>
           <a:xfrm>
-            <a:off x="3583917" y="985130"/>
+            <a:off x="3764981" y="985130"/>
             <a:ext cx="3683252" cy="1836987"/>
           </a:xfrm>
           <a:prstGeom prst="rect">
@@ -12603,6 +12567,130 @@
           </a:p>
         </p:txBody>
       </p:sp>
+      <p:sp>
+        <p:nvSpPr>
+          <p:cNvPr id="8" name="Прямоугольник 7">
+            <a:extLst>
+              <a:ext uri="{FF2B5EF4-FFF2-40B4-BE49-F238E27FC236}">
+                <a16:creationId xmlns:a16="http://schemas.microsoft.com/office/drawing/2014/main" id="{46203429-B52F-49FB-996A-7C066676FFF5}"/>
+              </a:ext>
+            </a:extLst>
+          </p:cNvPr>
+          <p:cNvSpPr/>
+          <p:nvPr/>
+        </p:nvSpPr>
+        <p:spPr>
+          <a:xfrm>
+            <a:off x="8610600" y="2045190"/>
+            <a:ext cx="2928658" cy="584775"/>
+          </a:xfrm>
+          <a:prstGeom prst="rect">
+            <a:avLst/>
+          </a:prstGeom>
+        </p:spPr>
+        <p:txBody>
+          <a:bodyPr wrap="square">
+            <a:spAutoFit/>
+          </a:bodyPr>
+          <a:lstStyle/>
+          <a:p>
+            <a:pPr>
+              <a:spcAft>
+                <a:spcPts val="0"/>
+              </a:spcAft>
+            </a:pPr>
+            <a:r>
+              <a:rPr lang="ru-RU" sz="1600" dirty="0">
+                <a:ea typeface="Times New Roman" panose="02020603050405020304" pitchFamily="18" charset="0"/>
+              </a:rPr>
+              <a:t>Рис</a:t>
+            </a:r>
+            <a:r>
+              <a:rPr lang="en-US" sz="1600" dirty="0" smtClean="0">
+                <a:ea typeface="Times New Roman" panose="02020603050405020304" pitchFamily="18" charset="0"/>
+              </a:rPr>
+              <a:t>.1. </a:t>
+            </a:r>
+            <a:r>
+              <a:rPr lang="ru-RU" sz="1600" dirty="0" smtClean="0">
+                <a:ea typeface="Times New Roman" panose="02020603050405020304" pitchFamily="18" charset="0"/>
+              </a:rPr>
+              <a:t>Схема архитектуры </a:t>
+            </a:r>
+            <a:r>
+              <a:rPr lang="en-US" sz="1600" dirty="0" smtClean="0">
+                <a:ea typeface="Times New Roman" panose="02020603050405020304" pitchFamily="18" charset="0"/>
+              </a:rPr>
+              <a:t>LeNet5</a:t>
+            </a:r>
+            <a:endParaRPr lang="ru-RU" sz="1600" dirty="0">
+              <a:ea typeface="Times New Roman" panose="02020603050405020304" pitchFamily="18" charset="0"/>
+            </a:endParaRPr>
+          </a:p>
+        </p:txBody>
+      </p:sp>
+      <p:sp>
+        <p:nvSpPr>
+          <p:cNvPr id="10" name="Прямоугольник 9">
+            <a:extLst>
+              <a:ext uri="{FF2B5EF4-FFF2-40B4-BE49-F238E27FC236}">
+                <a16:creationId xmlns:a16="http://schemas.microsoft.com/office/drawing/2014/main" id="{46203429-B52F-49FB-996A-7C066676FFF5}"/>
+              </a:ext>
+            </a:extLst>
+          </p:cNvPr>
+          <p:cNvSpPr/>
+          <p:nvPr/>
+        </p:nvSpPr>
+        <p:spPr>
+          <a:xfrm>
+            <a:off x="8610600" y="4851554"/>
+            <a:ext cx="2928658" cy="584775"/>
+          </a:xfrm>
+          <a:prstGeom prst="rect">
+            <a:avLst/>
+          </a:prstGeom>
+        </p:spPr>
+        <p:txBody>
+          <a:bodyPr wrap="square">
+            <a:spAutoFit/>
+          </a:bodyPr>
+          <a:lstStyle/>
+          <a:p>
+            <a:pPr>
+              <a:spcAft>
+                <a:spcPts val="0"/>
+              </a:spcAft>
+            </a:pPr>
+            <a:r>
+              <a:rPr lang="ru-RU" sz="1600" dirty="0">
+                <a:ea typeface="Times New Roman" panose="02020603050405020304" pitchFamily="18" charset="0"/>
+              </a:rPr>
+              <a:t>Рис</a:t>
+            </a:r>
+            <a:r>
+              <a:rPr lang="en-US" sz="1600" dirty="0" smtClean="0">
+                <a:ea typeface="Times New Roman" panose="02020603050405020304" pitchFamily="18" charset="0"/>
+              </a:rPr>
+              <a:t>.2. </a:t>
+            </a:r>
+            <a:r>
+              <a:rPr lang="ru-RU" sz="1600" dirty="0" smtClean="0">
+                <a:ea typeface="Times New Roman" panose="02020603050405020304" pitchFamily="18" charset="0"/>
+              </a:rPr>
+              <a:t>Схема архитектуры </a:t>
+            </a:r>
+            <a:r>
+              <a:rPr lang="en-US" sz="1600" dirty="0" err="1" smtClean="0">
+                <a:ea typeface="Times New Roman" panose="02020603050405020304" pitchFamily="18" charset="0"/>
+              </a:rPr>
+              <a:t>AlexNet</a:t>
+            </a:r>
+            <a:endParaRPr lang="ru-RU" sz="1600" dirty="0">
+              <a:ea typeface="Times New Roman" panose="02020603050405020304" pitchFamily="18" charset="0"/>
+            </a:endParaRPr>
+          </a:p>
+        </p:txBody>
+      </p:sp>
     </p:spTree>
     <p:extLst>
       <p:ext uri="{BB962C8B-B14F-4D97-AF65-F5344CB8AC3E}">
@@ -13106,6 +13194,130 @@
               <a:t>20</a:t>
             </a:r>
             <a:endParaRPr lang="ru-RU" dirty="0"/>
+          </a:p>
+        </p:txBody>
+      </p:sp>
+      <p:sp>
+        <p:nvSpPr>
+          <p:cNvPr id="8" name="Прямоугольник 7">
+            <a:extLst>
+              <a:ext uri="{FF2B5EF4-FFF2-40B4-BE49-F238E27FC236}">
+                <a16:creationId xmlns:a16="http://schemas.microsoft.com/office/drawing/2014/main" id="{46203429-B52F-49FB-996A-7C066676FFF5}"/>
+              </a:ext>
+            </a:extLst>
+          </p:cNvPr>
+          <p:cNvSpPr/>
+          <p:nvPr/>
+        </p:nvSpPr>
+        <p:spPr>
+          <a:xfrm>
+            <a:off x="9618639" y="1481614"/>
+            <a:ext cx="1920619" cy="830997"/>
+          </a:xfrm>
+          <a:prstGeom prst="rect">
+            <a:avLst/>
+          </a:prstGeom>
+        </p:spPr>
+        <p:txBody>
+          <a:bodyPr wrap="square">
+            <a:spAutoFit/>
+          </a:bodyPr>
+          <a:lstStyle/>
+          <a:p>
+            <a:pPr>
+              <a:spcAft>
+                <a:spcPts val="0"/>
+              </a:spcAft>
+            </a:pPr>
+            <a:r>
+              <a:rPr lang="ru-RU" sz="1600" dirty="0">
+                <a:ea typeface="Times New Roman" panose="02020603050405020304" pitchFamily="18" charset="0"/>
+              </a:rPr>
+              <a:t>Рис</a:t>
+            </a:r>
+            <a:r>
+              <a:rPr lang="en-US" sz="1600" dirty="0" smtClean="0">
+                <a:ea typeface="Times New Roman" panose="02020603050405020304" pitchFamily="18" charset="0"/>
+              </a:rPr>
+              <a:t>.3. </a:t>
+            </a:r>
+            <a:r>
+              <a:rPr lang="ru-RU" sz="1600" dirty="0" smtClean="0">
+                <a:ea typeface="Times New Roman" panose="02020603050405020304" pitchFamily="18" charset="0"/>
+              </a:rPr>
+              <a:t>Схема архитектуры </a:t>
+            </a:r>
+            <a:r>
+              <a:rPr lang="en-US" sz="1600" dirty="0" err="1" smtClean="0">
+                <a:ea typeface="Times New Roman" panose="02020603050405020304" pitchFamily="18" charset="0"/>
+              </a:rPr>
+              <a:t>ResNet</a:t>
+            </a:r>
+            <a:endParaRPr lang="ru-RU" sz="1600" dirty="0">
+              <a:ea typeface="Times New Roman" panose="02020603050405020304" pitchFamily="18" charset="0"/>
+            </a:endParaRPr>
+          </a:p>
+        </p:txBody>
+      </p:sp>
+      <p:sp>
+        <p:nvSpPr>
+          <p:cNvPr id="10" name="Прямоугольник 9">
+            <a:extLst>
+              <a:ext uri="{FF2B5EF4-FFF2-40B4-BE49-F238E27FC236}">
+                <a16:creationId xmlns:a16="http://schemas.microsoft.com/office/drawing/2014/main" id="{46203429-B52F-49FB-996A-7C066676FFF5}"/>
+              </a:ext>
+            </a:extLst>
+          </p:cNvPr>
+          <p:cNvSpPr/>
+          <p:nvPr/>
+        </p:nvSpPr>
+        <p:spPr>
+          <a:xfrm>
+            <a:off x="9618639" y="4426252"/>
+            <a:ext cx="1920619" cy="830997"/>
+          </a:xfrm>
+          <a:prstGeom prst="rect">
+            <a:avLst/>
+          </a:prstGeom>
+        </p:spPr>
+        <p:txBody>
+          <a:bodyPr wrap="square">
+            <a:spAutoFit/>
+          </a:bodyPr>
+          <a:lstStyle/>
+          <a:p>
+            <a:pPr>
+              <a:spcAft>
+                <a:spcPts val="0"/>
+              </a:spcAft>
+            </a:pPr>
+            <a:r>
+              <a:rPr lang="ru-RU" sz="1600" dirty="0">
+                <a:ea typeface="Times New Roman" panose="02020603050405020304" pitchFamily="18" charset="0"/>
+              </a:rPr>
+              <a:t>Рис</a:t>
+            </a:r>
+            <a:r>
+              <a:rPr lang="en-US" sz="1600" dirty="0" smtClean="0">
+                <a:ea typeface="Times New Roman" panose="02020603050405020304" pitchFamily="18" charset="0"/>
+              </a:rPr>
+              <a:t>.4. </a:t>
+            </a:r>
+            <a:r>
+              <a:rPr lang="ru-RU" sz="1600" dirty="0" smtClean="0">
+                <a:ea typeface="Times New Roman" panose="02020603050405020304" pitchFamily="18" charset="0"/>
+              </a:rPr>
+              <a:t>Схема архитектуры </a:t>
+            </a:r>
+            <a:r>
+              <a:rPr lang="en-US" sz="1600" dirty="0" err="1" smtClean="0">
+                <a:ea typeface="Times New Roman" panose="02020603050405020304" pitchFamily="18" charset="0"/>
+              </a:rPr>
+              <a:t>MobileNet</a:t>
+            </a:r>
+            <a:endParaRPr lang="ru-RU" sz="1600" dirty="0">
+              <a:ea typeface="Times New Roman" panose="02020603050405020304" pitchFamily="18" charset="0"/>
+            </a:endParaRPr>
           </a:p>
         </p:txBody>
       </p:sp>

--- a/presentation/presentation.pptx
+++ b/presentation/presentation.pptx
@@ -5,7 +5,7 @@
     <p:sldMasterId id="2147483910" r:id="rId1"/>
   </p:sldMasterIdLst>
   <p:notesMasterIdLst>
-    <p:notesMasterId r:id="rId17"/>
+    <p:notesMasterId r:id="rId21"/>
   </p:notesMasterIdLst>
   <p:sldIdLst>
     <p:sldId id="256" r:id="rId2"/>
@@ -23,6 +23,10 @@
     <p:sldId id="270" r:id="rId14"/>
     <p:sldId id="271" r:id="rId15"/>
     <p:sldId id="272" r:id="rId16"/>
+    <p:sldId id="276" r:id="rId17"/>
+    <p:sldId id="273" r:id="rId18"/>
+    <p:sldId id="275" r:id="rId19"/>
+    <p:sldId id="274" r:id="rId20"/>
   </p:sldIdLst>
   <p:sldSz cx="12192000" cy="6858000"/>
   <p:notesSz cx="6858000" cy="9144000"/>
@@ -223,7 +227,7 @@
           <a:p>
             <a:fld id="{BD38AF1A-F700-477F-9701-3425B6DD9F89}" type="datetimeFigureOut">
               <a:rPr lang="ru-RU" smtClean="0"/>
-              <a:t>20.05.2022</a:t>
+              <a:t>21.05.2022</a:t>
             </a:fld>
             <a:endParaRPr lang="ru-RU"/>
           </a:p>
@@ -868,7 +872,7 @@
           <a:p>
             <a:fld id="{D964624D-D642-40FE-8217-9836CE1C07F6}" type="datetime1">
               <a:rPr lang="ru-RU" smtClean="0"/>
-              <a:t>20.05.2022</a:t>
+              <a:t>21.05.2022</a:t>
             </a:fld>
             <a:endParaRPr lang="ru-RU"/>
           </a:p>
@@ -1133,7 +1137,7 @@
           <a:p>
             <a:fld id="{8BC66FCF-5770-4E43-8093-1BC16AC05A37}" type="datetime1">
               <a:rPr lang="ru-RU" smtClean="0"/>
-              <a:t>20.05.2022</a:t>
+              <a:t>21.05.2022</a:t>
             </a:fld>
             <a:endParaRPr lang="ru-RU"/>
           </a:p>
@@ -1352,7 +1356,7 @@
           <a:p>
             <a:fld id="{AAD0150B-7E10-4F61-9E1C-16A2C05E1C73}" type="datetime1">
               <a:rPr lang="ru-RU" smtClean="0"/>
-              <a:t>20.05.2022</a:t>
+              <a:t>21.05.2022</a:t>
             </a:fld>
             <a:endParaRPr lang="ru-RU"/>
           </a:p>
@@ -1571,7 +1575,7 @@
           <a:p>
             <a:fld id="{A9094B30-0C85-4D71-A967-AFDCA616C8E5}" type="datetime1">
               <a:rPr lang="ru-RU" smtClean="0"/>
-              <a:t>20.05.2022</a:t>
+              <a:t>21.05.2022</a:t>
             </a:fld>
             <a:endParaRPr lang="ru-RU" dirty="0"/>
           </a:p>
@@ -2199,7 +2203,7 @@
           <a:p>
             <a:fld id="{6023883E-06BA-4349-963A-5BB9B245AA21}" type="datetime1">
               <a:rPr lang="ru-RU" smtClean="0"/>
-              <a:t>20.05.2022</a:t>
+              <a:t>21.05.2022</a:t>
             </a:fld>
             <a:endParaRPr lang="ru-RU"/>
           </a:p>
@@ -2676,7 +2680,7 @@
           <a:p>
             <a:fld id="{1042B335-8CB8-4CF0-B468-FCC8095C47BF}" type="datetime1">
               <a:rPr lang="ru-RU" smtClean="0"/>
-              <a:t>20.05.2022</a:t>
+              <a:t>21.05.2022</a:t>
             </a:fld>
             <a:endParaRPr lang="ru-RU"/>
           </a:p>
@@ -2835,7 +2839,7 @@
           <a:p>
             <a:fld id="{5133D046-C9A7-43AC-9D0C-09F3216B5A40}" type="datetime1">
               <a:rPr lang="ru-RU" smtClean="0"/>
-              <a:t>20.05.2022</a:t>
+              <a:t>21.05.2022</a:t>
             </a:fld>
             <a:endParaRPr lang="ru-RU"/>
           </a:p>
@@ -2963,7 +2967,7 @@
           <a:p>
             <a:fld id="{134425A0-5DAB-40A3-98AB-78A1DE8E4EF8}" type="datetime1">
               <a:rPr lang="ru-RU" smtClean="0"/>
-              <a:t>20.05.2022</a:t>
+              <a:t>21.05.2022</a:t>
             </a:fld>
             <a:endParaRPr lang="ru-RU"/>
           </a:p>
@@ -3295,7 +3299,7 @@
           <a:p>
             <a:fld id="{1A3FCD05-5FFF-44F2-9030-18DE05BCC82B}" type="datetime1">
               <a:rPr lang="ru-RU" smtClean="0"/>
-              <a:t>20.05.2022</a:t>
+              <a:t>21.05.2022</a:t>
             </a:fld>
             <a:endParaRPr lang="ru-RU"/>
           </a:p>
@@ -3609,7 +3613,7 @@
           <a:p>
             <a:fld id="{10964509-C4CF-44DF-AF94-81A42AD10F92}" type="datetime1">
               <a:rPr lang="ru-RU" smtClean="0"/>
-              <a:t>20.05.2022</a:t>
+              <a:t>21.05.2022</a:t>
             </a:fld>
             <a:endParaRPr lang="ru-RU"/>
           </a:p>
@@ -4235,7 +4239,23 @@
           <a:p>
             <a:r>
               <a:rPr lang="ru-RU" sz="2400" dirty="0"/>
-              <a:t>Научный руководитель: к.т.н., старший преподаватель, Шаронов И.О.</a:t>
+              <a:t>Научный руководитель: к.т.н., </a:t>
+            </a:r>
+            <a:r>
+              <a:rPr lang="ru-RU" sz="2400" dirty="0" err="1" smtClean="0"/>
+              <a:t>ст</a:t>
+            </a:r>
+            <a:r>
+              <a:rPr lang="en-US" sz="2400" dirty="0"/>
+              <a:t>.</a:t>
+            </a:r>
+            <a:r>
+              <a:rPr lang="ru-RU" sz="2400" dirty="0" smtClean="0"/>
+              <a:t> </a:t>
+            </a:r>
+            <a:r>
+              <a:rPr lang="ru-RU" sz="2400" dirty="0"/>
+              <a:t>преподаватель, Шаронов И.О.</a:t>
             </a:r>
           </a:p>
           <a:p>
@@ -7739,8 +7759,8 @@
           </a:p>
         </p:txBody>
       </p:sp>
-      <mc:AlternateContent xmlns:mc="http://schemas.openxmlformats.org/markup-compatibility/2006" xmlns:a14="http://schemas.microsoft.com/office/drawing/2010/main">
-        <mc:Choice Requires="a14">
+      <mc:AlternateContent xmlns:mc="http://schemas.openxmlformats.org/markup-compatibility/2006">
+        <mc:Choice xmlns:a14="http://schemas.microsoft.com/office/drawing/2010/main" Requires="a14">
           <p:sp>
             <p:nvSpPr>
               <p:cNvPr id="9" name="Объект 4">
@@ -8017,13 +8037,73 @@
                   <a:t>нейросети</a:t>
                 </a:r>
                 <a:r>
-                  <a:rPr lang="ru-RU" sz="2000" u="sng" dirty="0">
+                  <a:rPr lang="ru-RU" sz="2000" u="sng" dirty="0" smtClean="0">
                     <a:solidFill>
                       <a:schemeClr val="tx1"/>
                     </a:solidFill>
                   </a:rPr>
                   <a:t>:</a:t>
                 </a:r>
+              </a:p>
+              <a:p>
+                <a:pPr>
+                  <a:lnSpc>
+                    <a:spcPct val="100000"/>
+                  </a:lnSpc>
+                  <a:spcBef>
+                    <a:spcPts val="600"/>
+                  </a:spcBef>
+                </a:pPr>
+                <a:r>
+                  <a:rPr lang="ru-RU" sz="2000" dirty="0" smtClean="0">
+                    <a:solidFill>
+                      <a:schemeClr val="tx1"/>
+                    </a:solidFill>
+                  </a:rPr>
+                  <a:t>Функция активации скрытых слоев – </a:t>
+                </a:r>
+                <a:r>
+                  <a:rPr lang="en-US" sz="2000" dirty="0" err="1" smtClean="0">
+                    <a:solidFill>
+                      <a:schemeClr val="tx1"/>
+                    </a:solidFill>
+                  </a:rPr>
+                  <a:t>ReLU</a:t>
+                </a:r>
+                <a:r>
+                  <a:rPr lang="ru-RU" sz="2000" dirty="0" smtClean="0">
+                    <a:solidFill>
+                      <a:schemeClr val="tx1"/>
+                    </a:solidFill>
+                  </a:rPr>
+                  <a:t>, количество узлов - </a:t>
+                </a:r>
+                <a14:m>
+                  <m:oMath xmlns:m="http://schemas.openxmlformats.org/officeDocument/2006/math">
+                    <m:r>
+                      <a:rPr lang="ru-RU" sz="2000" i="1" dirty="0" smtClean="0">
+                        <a:solidFill>
+                          <a:schemeClr val="tx1"/>
+                        </a:solidFill>
+                        <a:latin typeface="Cambria Math" panose="02040503050406030204" pitchFamily="18" charset="0"/>
+                      </a:rPr>
+                      <m:t>512</m:t>
+                    </m:r>
+                  </m:oMath>
+                </a14:m>
+                <a:r>
+                  <a:rPr lang="en-US" sz="2000" dirty="0" smtClean="0">
+                    <a:solidFill>
+                      <a:schemeClr val="tx1"/>
+                    </a:solidFill>
+                  </a:rPr>
+                  <a:t>;</a:t>
+                </a:r>
+                <a:endParaRPr lang="ru-RU" sz="2000" dirty="0">
+                  <a:solidFill>
+                    <a:schemeClr val="tx1"/>
+                  </a:solidFill>
+                </a:endParaRPr>
               </a:p>
               <a:p>
                 <a:pPr>
@@ -8498,7 +8578,7 @@
             </p:txBody>
           </p:sp>
         </mc:Choice>
-        <mc:Fallback xmlns="">
+        <mc:Fallback>
           <p:sp>
             <p:nvSpPr>
               <p:cNvPr id="9" name="Объект 4">
@@ -8524,7 +8604,7 @@
               <a:blipFill>
                 <a:blip r:embed="rId3"/>
                 <a:stretch>
-                  <a:fillRect l="-279" t="-1073" r="-931" b="-4292"/>
+                  <a:fillRect l="-279" t="-1073" r="-931" b="-28541"/>
                 </a:stretch>
               </a:blipFill>
             </p:spPr>
@@ -8543,8 +8623,8 @@
           </p:sp>
         </mc:Fallback>
       </mc:AlternateContent>
-      <mc:AlternateContent xmlns:mc="http://schemas.openxmlformats.org/markup-compatibility/2006" xmlns:a14="http://schemas.microsoft.com/office/drawing/2010/main">
-        <mc:Choice Requires="a14">
+      <mc:AlternateContent xmlns:mc="http://schemas.openxmlformats.org/markup-compatibility/2006">
+        <mc:Choice xmlns:a14="http://schemas.microsoft.com/office/drawing/2010/main" Requires="a14">
           <p:sp>
             <p:nvSpPr>
               <p:cNvPr id="6" name="Прямоугольник 5"/>
@@ -8553,7 +8633,7 @@
             </p:nvSpPr>
             <p:spPr>
               <a:xfrm>
-                <a:off x="731303" y="3588898"/>
+                <a:off x="731303" y="4315068"/>
                 <a:ext cx="10902400" cy="1223605"/>
               </a:xfrm>
               <a:prstGeom prst="rect">
@@ -8918,7 +8998,7 @@
             </p:txBody>
           </p:sp>
         </mc:Choice>
-        <mc:Fallback xmlns="">
+        <mc:Fallback>
           <p:sp>
             <p:nvSpPr>
               <p:cNvPr id="6" name="Прямоугольник 5"/>
@@ -8929,7 +9009,7 @@
             </p:nvSpPr>
             <p:spPr>
               <a:xfrm>
-                <a:off x="731303" y="3588898"/>
+                <a:off x="731303" y="4315068"/>
                 <a:ext cx="10902400" cy="1223605"/>
               </a:xfrm>
               <a:prstGeom prst="rect">
@@ -8938,7 +9018,7 @@
               <a:blipFill>
                 <a:blip r:embed="rId4"/>
                 <a:stretch>
-                  <a:fillRect l="-503" t="-3000" r="-447" b="-22500"/>
+                  <a:fillRect l="-503" t="-2985" r="-447" b="-21891"/>
                 </a:stretch>
               </a:blipFill>
             </p:spPr>
@@ -9059,8 +9139,8 @@
           </a:p>
         </p:txBody>
       </p:sp>
-      <mc:AlternateContent xmlns:mc="http://schemas.openxmlformats.org/markup-compatibility/2006" xmlns:a14="http://schemas.microsoft.com/office/drawing/2010/main">
-        <mc:Choice Requires="a14">
+      <mc:AlternateContent xmlns:mc="http://schemas.openxmlformats.org/markup-compatibility/2006">
+        <mc:Choice xmlns:a14="http://schemas.microsoft.com/office/drawing/2010/main" Requires="a14">
           <p:sp>
             <p:nvSpPr>
               <p:cNvPr id="12" name="Объект 4">
@@ -9668,23 +9748,7 @@
                       <a:schemeClr val="tx1"/>
                     </a:solidFill>
                   </a:rPr>
-                  <a:t>1</a:t>
-                </a:r>
-                <a:r>
-                  <a:rPr lang="en-US" sz="2000" dirty="0" smtClean="0">
-                    <a:solidFill>
-                      <a:schemeClr val="tx1"/>
-                    </a:solidFill>
-                  </a:rPr>
-                  <a:t>6</a:t>
-                </a:r>
-                <a:r>
-                  <a:rPr lang="ru-RU" sz="2000" dirty="0" smtClean="0">
-                    <a:solidFill>
-                      <a:schemeClr val="tx1"/>
-                    </a:solidFill>
-                  </a:rPr>
-                  <a:t>)</a:t>
+                  <a:t>17)</a:t>
                 </a:r>
                 <a:endParaRPr lang="ru-RU" sz="2000" dirty="0">
                   <a:solidFill>
@@ -9809,7 +9873,7 @@
             </p:txBody>
           </p:sp>
         </mc:Choice>
-        <mc:Fallback xmlns="">
+        <mc:Fallback>
           <p:sp>
             <p:nvSpPr>
               <p:cNvPr id="12" name="Объект 4">
@@ -9835,7 +9899,7 @@
               <a:blipFill>
                 <a:blip r:embed="rId2"/>
                 <a:stretch>
-                  <a:fillRect l="-116" t="-2088" r="-464" b="-1044"/>
+                  <a:fillRect l="-116" t="-2088" r="-174" b="-1044"/>
                 </a:stretch>
               </a:blipFill>
             </p:spPr>
@@ -9916,8 +9980,21 @@
                   <a:schemeClr val="tx1"/>
                 </a:solidFill>
               </a:rPr>
-              <a:t> – спектрограммы, полученные из спектра сигнала;</a:t>
-            </a:r>
+              <a:t> – спектрограммы, полученные из спектра </a:t>
+            </a:r>
+            <a:r>
+              <a:rPr lang="ru-RU" sz="2000" dirty="0" smtClean="0">
+                <a:solidFill>
+                  <a:schemeClr val="tx1"/>
+                </a:solidFill>
+              </a:rPr>
+              <a:t>сигнала (модель 1);</a:t>
+            </a:r>
+            <a:endParaRPr lang="ru-RU" sz="2000" dirty="0">
+              <a:solidFill>
+                <a:schemeClr val="tx1"/>
+              </a:solidFill>
+            </a:endParaRPr>
           </a:p>
           <a:p>
             <a:pPr marL="45720" indent="0">
@@ -9964,7 +10041,7 @@
                   <a:schemeClr val="tx1"/>
                 </a:solidFill>
               </a:rPr>
-              <a:t>.</a:t>
+              <a:t> (модель 2).</a:t>
             </a:r>
             <a:endParaRPr lang="ru-RU" sz="2000" dirty="0">
               <a:solidFill>
@@ -10054,7 +10131,11 @@
           <a:p>
             <a:r>
               <a:rPr lang="ru-RU" sz="3200" dirty="0"/>
-              <a:t>Реализация. Результаты первого подхода.</a:t>
+              <a:t>Реализация. Результаты </a:t>
+            </a:r>
+            <a:r>
+              <a:rPr lang="ru-RU" sz="3200" dirty="0" smtClean="0"/>
+              <a:t>для модели 1.</a:t>
             </a:r>
             <a:endParaRPr lang="ru-RU" sz="4800" dirty="0"/>
           </a:p>
@@ -10710,7 +10791,11 @@
           <a:p>
             <a:r>
               <a:rPr lang="ru-RU" sz="3200" dirty="0"/>
-              <a:t>Реализация. Результаты второго подхода.</a:t>
+              <a:t>Реализация. Результаты </a:t>
+            </a:r>
+            <a:r>
+              <a:rPr lang="ru-RU" sz="3200" dirty="0" smtClean="0"/>
+              <a:t>для модели 2.</a:t>
             </a:r>
             <a:endParaRPr lang="ru-RU" sz="4800" dirty="0"/>
           </a:p>
@@ -11160,6 +11245,883 @@
     <p:extLst>
       <p:ext uri="{BB962C8B-B14F-4D97-AF65-F5344CB8AC3E}">
         <p14:creationId xmlns:p14="http://schemas.microsoft.com/office/powerpoint/2010/main" val="4112701935"/>
+      </p:ext>
+    </p:extLst>
+  </p:cSld>
+  <p:clrMapOvr>
+    <a:masterClrMapping/>
+  </p:clrMapOvr>
+</p:sld>
+</file>
+
+<file path=ppt/slides/slide16.xml><?xml version="1.0" encoding="utf-8"?>
+<p:sld xmlns:a="http://schemas.openxmlformats.org/drawingml/2006/main" xmlns:r="http://schemas.openxmlformats.org/officeDocument/2006/relationships" xmlns:p="http://schemas.openxmlformats.org/presentationml/2006/main">
+  <p:cSld>
+    <p:spTree>
+      <p:nvGrpSpPr>
+        <p:cNvPr id="1" name=""/>
+        <p:cNvGrpSpPr/>
+        <p:nvPr/>
+      </p:nvGrpSpPr>
+      <p:grpSpPr>
+        <a:xfrm>
+          <a:off x="0" y="0"/>
+          <a:ext cx="0" cy="0"/>
+          <a:chOff x="0" y="0"/>
+          <a:chExt cx="0" cy="0"/>
+        </a:xfrm>
+      </p:grpSpPr>
+      <p:sp>
+        <p:nvSpPr>
+          <p:cNvPr id="2" name="Заголовок 1"/>
+          <p:cNvSpPr>
+            <a:spLocks noGrp="1"/>
+          </p:cNvSpPr>
+          <p:nvPr>
+            <p:ph type="title"/>
+          </p:nvPr>
+        </p:nvSpPr>
+        <p:spPr>
+          <a:xfrm>
+            <a:off x="838200" y="365126"/>
+            <a:ext cx="10515600" cy="514106"/>
+          </a:xfrm>
+        </p:spPr>
+        <p:txBody>
+          <a:bodyPr>
+            <a:noAutofit/>
+          </a:bodyPr>
+          <a:lstStyle/>
+          <a:p>
+            <a:r>
+              <a:rPr lang="ru-RU" sz="3200" dirty="0" smtClean="0"/>
+              <a:t>Демонстрационный пример</a:t>
+            </a:r>
+            <a:endParaRPr lang="ru-RU" sz="4800" dirty="0"/>
+          </a:p>
+        </p:txBody>
+      </p:sp>
+      <p:sp>
+        <p:nvSpPr>
+          <p:cNvPr id="11" name="Номер слайда 10">
+            <a:extLst>
+              <a:ext uri="{FF2B5EF4-FFF2-40B4-BE49-F238E27FC236}">
+                <a16:creationId xmlns:a16="http://schemas.microsoft.com/office/drawing/2014/main" id="{3A91D745-9CA6-414C-AEAB-25A55984B29C}"/>
+              </a:ext>
+            </a:extLst>
+          </p:cNvPr>
+          <p:cNvSpPr>
+            <a:spLocks noGrp="1"/>
+          </p:cNvSpPr>
+          <p:nvPr>
+            <p:ph type="sldNum" sz="quarter" idx="12"/>
+          </p:nvPr>
+        </p:nvSpPr>
+        <p:spPr/>
+        <p:txBody>
+          <a:bodyPr/>
+          <a:lstStyle/>
+          <a:p>
+            <a:fld id="{871F4C9F-061D-468D-90C1-298C9849AF70}" type="slidenum">
+              <a:rPr lang="ru-RU" smtClean="0"/>
+              <a:pPr/>
+              <a:t>16</a:t>
+            </a:fld>
+            <a:r>
+              <a:rPr lang="en-US"/>
+              <a:t>/</a:t>
+            </a:r>
+            <a:r>
+              <a:rPr lang="ru-RU"/>
+              <a:t>20</a:t>
+            </a:r>
+            <a:endParaRPr lang="ru-RU" dirty="0"/>
+          </a:p>
+        </p:txBody>
+      </p:sp>
+      <p:pic>
+        <p:nvPicPr>
+          <p:cNvPr id="4" name="Рисунок 3"/>
+          <p:cNvPicPr>
+            <a:picLocks noChangeAspect="1"/>
+          </p:cNvPicPr>
+          <p:nvPr/>
+        </p:nvPicPr>
+        <p:blipFill>
+          <a:blip r:embed="rId2"/>
+          <a:stretch>
+            <a:fillRect/>
+          </a:stretch>
+        </p:blipFill>
+        <p:spPr>
+          <a:xfrm>
+            <a:off x="601717" y="1166918"/>
+            <a:ext cx="5231816" cy="3553836"/>
+          </a:xfrm>
+          <a:prstGeom prst="rect">
+            <a:avLst/>
+          </a:prstGeom>
+        </p:spPr>
+      </p:pic>
+      <p:sp>
+        <p:nvSpPr>
+          <p:cNvPr id="8" name="Прямоугольник 7">
+            <a:extLst>
+              <a:ext uri="{FF2B5EF4-FFF2-40B4-BE49-F238E27FC236}">
+                <a16:creationId xmlns:a16="http://schemas.microsoft.com/office/drawing/2014/main" id="{7C1103C7-41C2-4629-B25D-2C4B9CCE1563}"/>
+              </a:ext>
+            </a:extLst>
+          </p:cNvPr>
+          <p:cNvSpPr/>
+          <p:nvPr/>
+        </p:nvSpPr>
+        <p:spPr>
+          <a:xfrm>
+            <a:off x="3085388" y="4748087"/>
+            <a:ext cx="516721" cy="338554"/>
+          </a:xfrm>
+          <a:prstGeom prst="rect">
+            <a:avLst/>
+          </a:prstGeom>
+        </p:spPr>
+        <p:txBody>
+          <a:bodyPr wrap="square">
+            <a:spAutoFit/>
+          </a:bodyPr>
+          <a:lstStyle/>
+          <a:p>
+            <a:pPr algn="ctr">
+              <a:spcAft>
+                <a:spcPts val="0"/>
+              </a:spcAft>
+            </a:pPr>
+            <a:r>
+              <a:rPr lang="ru-RU" sz="1600" dirty="0">
+                <a:ea typeface="Times New Roman" panose="02020603050405020304" pitchFamily="18" charset="0"/>
+              </a:rPr>
+              <a:t>(а)</a:t>
+            </a:r>
+          </a:p>
+        </p:txBody>
+      </p:sp>
+      <mc:AlternateContent xmlns:mc="http://schemas.openxmlformats.org/markup-compatibility/2006">
+        <mc:Choice xmlns:a14="http://schemas.microsoft.com/office/drawing/2010/main" Requires="a14">
+          <p:sp>
+            <p:nvSpPr>
+              <p:cNvPr id="9" name="Прямоугольник 8">
+                <a:extLst>
+                  <a:ext uri="{FF2B5EF4-FFF2-40B4-BE49-F238E27FC236}">
+                    <a16:creationId xmlns:a16="http://schemas.microsoft.com/office/drawing/2014/main" id="{7C1103C7-41C2-4629-B25D-2C4B9CCE1563}"/>
+                  </a:ext>
+                </a:extLst>
+              </p:cNvPr>
+              <p:cNvSpPr/>
+              <p:nvPr/>
+            </p:nvSpPr>
+            <p:spPr>
+              <a:xfrm>
+                <a:off x="251175" y="5505782"/>
+                <a:ext cx="11689649" cy="338554"/>
+              </a:xfrm>
+              <a:prstGeom prst="rect">
+                <a:avLst/>
+              </a:prstGeom>
+            </p:spPr>
+            <p:txBody>
+              <a:bodyPr wrap="square">
+                <a:spAutoFit/>
+              </a:bodyPr>
+              <a:lstStyle/>
+              <a:p>
+                <a:pPr algn="ctr">
+                  <a:spcAft>
+                    <a:spcPts val="0"/>
+                  </a:spcAft>
+                </a:pPr>
+                <a:r>
+                  <a:rPr lang="ru-RU" sz="1600" dirty="0" smtClean="0">
+                    <a:ea typeface="Times New Roman" panose="02020603050405020304" pitchFamily="18" charset="0"/>
+                  </a:rPr>
+                  <a:t>Рис</a:t>
+                </a:r>
+                <a:r>
+                  <a:rPr lang="en-US" sz="1600" dirty="0" smtClean="0">
+                    <a:ea typeface="Times New Roman" panose="02020603050405020304" pitchFamily="18" charset="0"/>
+                  </a:rPr>
+                  <a:t>.</a:t>
+                </a:r>
+                <a:r>
+                  <a:rPr lang="ru-RU" sz="1600" dirty="0" smtClean="0">
+                    <a:ea typeface="Times New Roman" panose="02020603050405020304" pitchFamily="18" charset="0"/>
+                  </a:rPr>
+                  <a:t>7</a:t>
+                </a:r>
+                <a:r>
+                  <a:rPr lang="en-US" sz="1600" dirty="0" smtClean="0">
+                    <a:ea typeface="Times New Roman" panose="02020603050405020304" pitchFamily="18" charset="0"/>
+                  </a:rPr>
+                  <a:t>. </a:t>
+                </a:r>
+                <a:r>
+                  <a:rPr lang="ru-RU" sz="1600" dirty="0">
+                    <a:ea typeface="Times New Roman" panose="02020603050405020304" pitchFamily="18" charset="0"/>
+                  </a:rPr>
+                  <a:t>Результаты </a:t>
+                </a:r>
+                <a:r>
+                  <a:rPr lang="ru-RU" sz="1600" dirty="0" smtClean="0">
+                    <a:ea typeface="Times New Roman" panose="02020603050405020304" pitchFamily="18" charset="0"/>
+                  </a:rPr>
+                  <a:t>для демонстрационного файла. (</a:t>
+                </a:r>
+                <a:r>
+                  <a:rPr lang="ru-RU" sz="1600" dirty="0">
+                    <a:ea typeface="Times New Roman" panose="02020603050405020304" pitchFamily="18" charset="0"/>
+                  </a:rPr>
+                  <a:t>а) – </a:t>
+                </a:r>
+                <a:r>
+                  <a:rPr lang="ru-RU" sz="1600" dirty="0" smtClean="0">
+                    <a:ea typeface="Times New Roman" panose="02020603050405020304" pitchFamily="18" charset="0"/>
+                  </a:rPr>
+                  <a:t>модель 1, точность –</a:t>
+                </a:r>
+                <a14:m>
+                  <m:oMath xmlns:m="http://schemas.openxmlformats.org/officeDocument/2006/math">
+                    <m:r>
+                      <a:rPr lang="en-US" sz="1600" i="1" dirty="0" smtClean="0">
+                        <a:latin typeface="Cambria Math" panose="02040503050406030204" pitchFamily="18" charset="0"/>
+                        <a:ea typeface="Times New Roman" panose="02020603050405020304" pitchFamily="18" charset="0"/>
+                      </a:rPr>
+                      <m:t>43.75%</m:t>
+                    </m:r>
+                  </m:oMath>
+                </a14:m>
+                <a:r>
+                  <a:rPr lang="ru-RU" sz="1600" dirty="0" smtClean="0">
+                    <a:ea typeface="Times New Roman" panose="02020603050405020304" pitchFamily="18" charset="0"/>
+                  </a:rPr>
+                  <a:t>. </a:t>
+                </a:r>
+                <a:r>
+                  <a:rPr lang="ru-RU" sz="1600" dirty="0">
+                    <a:ea typeface="Times New Roman" panose="02020603050405020304" pitchFamily="18" charset="0"/>
+                  </a:rPr>
+                  <a:t>(б) </a:t>
+                </a:r>
+                <a:r>
+                  <a:rPr lang="ru-RU" sz="1600" dirty="0" smtClean="0">
+                    <a:ea typeface="Times New Roman" panose="02020603050405020304" pitchFamily="18" charset="0"/>
+                  </a:rPr>
+                  <a:t> - модель 2, точность - </a:t>
+                </a:r>
+                <a14:m>
+                  <m:oMath xmlns:m="http://schemas.openxmlformats.org/officeDocument/2006/math">
+                    <m:r>
+                      <a:rPr lang="en-US" sz="1600" b="0" i="1" smtClean="0">
+                        <a:latin typeface="Cambria Math" panose="02040503050406030204" pitchFamily="18" charset="0"/>
+                        <a:ea typeface="Times New Roman" panose="02020603050405020304" pitchFamily="18" charset="0"/>
+                      </a:rPr>
+                      <m:t>21.88%</m:t>
+                    </m:r>
+                  </m:oMath>
+                </a14:m>
+                <a:r>
+                  <a:rPr lang="ru-RU" sz="1600" dirty="0" smtClean="0">
+                    <a:ea typeface="Times New Roman" panose="02020603050405020304" pitchFamily="18" charset="0"/>
+                  </a:rPr>
+                  <a:t>. </a:t>
+                </a:r>
+                <a:endParaRPr lang="ru-RU" sz="1600" dirty="0">
+                  <a:ea typeface="Times New Roman" panose="02020603050405020304" pitchFamily="18" charset="0"/>
+                </a:endParaRPr>
+              </a:p>
+            </p:txBody>
+          </p:sp>
+        </mc:Choice>
+        <mc:Fallback>
+          <p:sp>
+            <p:nvSpPr>
+              <p:cNvPr id="9" name="Прямоугольник 8">
+                <a:extLst>
+                  <a:ext uri="{FF2B5EF4-FFF2-40B4-BE49-F238E27FC236}">
+                    <a16:creationId xmlns:a16="http://schemas.microsoft.com/office/drawing/2014/main" id="{7C1103C7-41C2-4629-B25D-2C4B9CCE1563}"/>
+                  </a:ext>
+                </a:extLst>
+              </p:cNvPr>
+              <p:cNvSpPr>
+                <a:spLocks noRot="1" noChangeAspect="1" noMove="1" noResize="1" noEditPoints="1" noAdjustHandles="1" noChangeArrowheads="1" noChangeShapeType="1" noTextEdit="1"/>
+              </p:cNvSpPr>
+              <p:nvPr/>
+            </p:nvSpPr>
+            <p:spPr>
+              <a:xfrm>
+                <a:off x="251175" y="5505782"/>
+                <a:ext cx="11689649" cy="338554"/>
+              </a:xfrm>
+              <a:prstGeom prst="rect">
+                <a:avLst/>
+              </a:prstGeom>
+              <a:blipFill>
+                <a:blip r:embed="rId3"/>
+                <a:stretch>
+                  <a:fillRect t="-5357" b="-21429"/>
+                </a:stretch>
+              </a:blipFill>
+            </p:spPr>
+            <p:txBody>
+              <a:bodyPr/>
+              <a:lstStyle/>
+              <a:p>
+                <a:r>
+                  <a:rPr lang="ru-RU">
+                    <a:noFill/>
+                  </a:rPr>
+                  <a:t> </a:t>
+                </a:r>
+              </a:p>
+            </p:txBody>
+          </p:sp>
+        </mc:Fallback>
+      </mc:AlternateContent>
+      <p:pic>
+        <p:nvPicPr>
+          <p:cNvPr id="6" name="Рисунок 5"/>
+          <p:cNvPicPr>
+            <a:picLocks noChangeAspect="1"/>
+          </p:cNvPicPr>
+          <p:nvPr/>
+        </p:nvPicPr>
+        <p:blipFill>
+          <a:blip r:embed="rId4"/>
+          <a:stretch>
+            <a:fillRect/>
+          </a:stretch>
+        </p:blipFill>
+        <p:spPr>
+          <a:xfrm>
+            <a:off x="6322265" y="1166918"/>
+            <a:ext cx="5187966" cy="3553836"/>
+          </a:xfrm>
+          <a:prstGeom prst="rect">
+            <a:avLst/>
+          </a:prstGeom>
+        </p:spPr>
+      </p:pic>
+      <p:sp>
+        <p:nvSpPr>
+          <p:cNvPr id="13" name="Прямоугольник 12">
+            <a:extLst>
+              <a:ext uri="{FF2B5EF4-FFF2-40B4-BE49-F238E27FC236}">
+                <a16:creationId xmlns:a16="http://schemas.microsoft.com/office/drawing/2014/main" id="{7C1103C7-41C2-4629-B25D-2C4B9CCE1563}"/>
+              </a:ext>
+            </a:extLst>
+          </p:cNvPr>
+          <p:cNvSpPr/>
+          <p:nvPr/>
+        </p:nvSpPr>
+        <p:spPr>
+          <a:xfrm>
+            <a:off x="8876523" y="4720754"/>
+            <a:ext cx="516721" cy="338554"/>
+          </a:xfrm>
+          <a:prstGeom prst="rect">
+            <a:avLst/>
+          </a:prstGeom>
+        </p:spPr>
+        <p:txBody>
+          <a:bodyPr wrap="square">
+            <a:spAutoFit/>
+          </a:bodyPr>
+          <a:lstStyle/>
+          <a:p>
+            <a:pPr algn="ctr">
+              <a:spcAft>
+                <a:spcPts val="0"/>
+              </a:spcAft>
+            </a:pPr>
+            <a:r>
+              <a:rPr lang="ru-RU" sz="1600" dirty="0" smtClean="0">
+                <a:ea typeface="Times New Roman" panose="02020603050405020304" pitchFamily="18" charset="0"/>
+              </a:rPr>
+              <a:t>(б)</a:t>
+            </a:r>
+            <a:endParaRPr lang="ru-RU" sz="1600" dirty="0">
+              <a:ea typeface="Times New Roman" panose="02020603050405020304" pitchFamily="18" charset="0"/>
+            </a:endParaRPr>
+          </a:p>
+        </p:txBody>
+      </p:sp>
+    </p:spTree>
+    <p:extLst>
+      <p:ext uri="{BB962C8B-B14F-4D97-AF65-F5344CB8AC3E}">
+        <p14:creationId xmlns:p14="http://schemas.microsoft.com/office/powerpoint/2010/main" val="3972199236"/>
+      </p:ext>
+    </p:extLst>
+  </p:cSld>
+  <p:clrMapOvr>
+    <a:masterClrMapping/>
+  </p:clrMapOvr>
+</p:sld>
+</file>
+
+<file path=ppt/slides/slide17.xml><?xml version="1.0" encoding="utf-8"?>
+<p:sld xmlns:a="http://schemas.openxmlformats.org/drawingml/2006/main" xmlns:r="http://schemas.openxmlformats.org/officeDocument/2006/relationships" xmlns:p="http://schemas.openxmlformats.org/presentationml/2006/main">
+  <p:cSld>
+    <p:spTree>
+      <p:nvGrpSpPr>
+        <p:cNvPr id="1" name=""/>
+        <p:cNvGrpSpPr/>
+        <p:nvPr/>
+      </p:nvGrpSpPr>
+      <p:grpSpPr>
+        <a:xfrm>
+          <a:off x="0" y="0"/>
+          <a:ext cx="0" cy="0"/>
+          <a:chOff x="0" y="0"/>
+          <a:chExt cx="0" cy="0"/>
+        </a:xfrm>
+      </p:grpSpPr>
+      <p:sp>
+        <p:nvSpPr>
+          <p:cNvPr id="2" name="Заголовок 1"/>
+          <p:cNvSpPr>
+            <a:spLocks noGrp="1"/>
+          </p:cNvSpPr>
+          <p:nvPr>
+            <p:ph type="title"/>
+          </p:nvPr>
+        </p:nvSpPr>
+        <p:spPr>
+          <a:xfrm>
+            <a:off x="838200" y="365125"/>
+            <a:ext cx="10515600" cy="760673"/>
+          </a:xfrm>
+        </p:spPr>
+        <p:txBody>
+          <a:bodyPr>
+            <a:noAutofit/>
+          </a:bodyPr>
+          <a:lstStyle/>
+          <a:p>
+            <a:r>
+              <a:rPr lang="ru-RU" sz="3200" dirty="0" smtClean="0"/>
+              <a:t>Выводы по промежуточным результатам и дальнейшая работа</a:t>
+            </a:r>
+            <a:endParaRPr lang="ru-RU" sz="4800" dirty="0"/>
+          </a:p>
+        </p:txBody>
+      </p:sp>
+      <p:sp>
+        <p:nvSpPr>
+          <p:cNvPr id="11" name="Номер слайда 10">
+            <a:extLst>
+              <a:ext uri="{FF2B5EF4-FFF2-40B4-BE49-F238E27FC236}">
+                <a16:creationId xmlns:a16="http://schemas.microsoft.com/office/drawing/2014/main" id="{3A91D745-9CA6-414C-AEAB-25A55984B29C}"/>
+              </a:ext>
+            </a:extLst>
+          </p:cNvPr>
+          <p:cNvSpPr>
+            <a:spLocks noGrp="1"/>
+          </p:cNvSpPr>
+          <p:nvPr>
+            <p:ph type="sldNum" sz="quarter" idx="12"/>
+          </p:nvPr>
+        </p:nvSpPr>
+        <p:spPr/>
+        <p:txBody>
+          <a:bodyPr/>
+          <a:lstStyle/>
+          <a:p>
+            <a:fld id="{871F4C9F-061D-468D-90C1-298C9849AF70}" type="slidenum">
+              <a:rPr lang="ru-RU" smtClean="0"/>
+              <a:pPr/>
+              <a:t>17</a:t>
+            </a:fld>
+            <a:r>
+              <a:rPr lang="en-US"/>
+              <a:t>/</a:t>
+            </a:r>
+            <a:r>
+              <a:rPr lang="ru-RU"/>
+              <a:t>20</a:t>
+            </a:r>
+            <a:endParaRPr lang="ru-RU" dirty="0"/>
+          </a:p>
+        </p:txBody>
+      </p:sp>
+      <p:sp>
+        <p:nvSpPr>
+          <p:cNvPr id="7" name="Объект 4">
+            <a:extLst>
+              <a:ext uri="{FF2B5EF4-FFF2-40B4-BE49-F238E27FC236}">
+                <a16:creationId xmlns:a16="http://schemas.microsoft.com/office/drawing/2014/main" id="{CECBFFEE-5029-4E7A-AB57-EE46E254E3E1}"/>
+              </a:ext>
+            </a:extLst>
+          </p:cNvPr>
+          <p:cNvSpPr>
+            <a:spLocks noGrp="1"/>
+          </p:cNvSpPr>
+          <p:nvPr>
+            <p:ph idx="1"/>
+          </p:nvPr>
+        </p:nvSpPr>
+        <p:spPr>
+          <a:xfrm>
+            <a:off x="838200" y="1466193"/>
+            <a:ext cx="10515599" cy="3342290"/>
+          </a:xfrm>
+        </p:spPr>
+        <p:txBody>
+          <a:bodyPr/>
+          <a:lstStyle/>
+          <a:p>
+            <a:pPr marL="45720" indent="0">
+              <a:buNone/>
+            </a:pPr>
+            <a:r>
+              <a:rPr lang="ru-RU" sz="2000" dirty="0" smtClean="0">
+                <a:solidFill>
+                  <a:schemeClr val="tx1"/>
+                </a:solidFill>
+              </a:rPr>
+              <a:t>Выводы:</a:t>
+            </a:r>
+          </a:p>
+          <a:p>
+            <a:r>
+              <a:rPr lang="ru-RU" sz="2000" dirty="0">
+                <a:solidFill>
+                  <a:schemeClr val="tx1"/>
+                </a:solidFill>
+              </a:rPr>
+              <a:t>Оба </a:t>
+            </a:r>
+            <a:r>
+              <a:rPr lang="ru-RU" sz="2000" dirty="0">
+                <a:solidFill>
+                  <a:schemeClr val="tx1"/>
+                </a:solidFill>
+              </a:rPr>
+              <a:t>подхода дают неплохую точность распознавания нот при обучении, но при демонстрации их точность довольно низкая</a:t>
+            </a:r>
+            <a:r>
+              <a:rPr lang="ru-RU" sz="2000" dirty="0">
+                <a:solidFill>
+                  <a:schemeClr val="tx1"/>
+                </a:solidFill>
+              </a:rPr>
+              <a:t>;</a:t>
+            </a:r>
+          </a:p>
+          <a:p>
+            <a:r>
+              <a:rPr lang="ru-RU" sz="2000" dirty="0" smtClean="0">
+                <a:solidFill>
+                  <a:schemeClr val="tx1"/>
+                </a:solidFill>
+              </a:rPr>
+              <a:t>При использовании обоих подходов присутствует переобучение.</a:t>
+            </a:r>
+          </a:p>
+          <a:p>
+            <a:pPr marL="45720" indent="0">
+              <a:buNone/>
+            </a:pPr>
+            <a:r>
+              <a:rPr lang="ru-RU" sz="2000" dirty="0" smtClean="0">
+                <a:solidFill>
+                  <a:schemeClr val="tx1"/>
+                </a:solidFill>
+              </a:rPr>
+              <a:t>Следующие шаги исследования для модели 2:</a:t>
+            </a:r>
+          </a:p>
+          <a:p>
+            <a:pPr marL="502920" indent="-457200">
+              <a:buFont typeface="+mj-lt"/>
+              <a:buAutoNum type="arabicPeriod"/>
+            </a:pPr>
+            <a:r>
+              <a:rPr lang="ru-RU" sz="2000" dirty="0" smtClean="0">
+                <a:solidFill>
+                  <a:schemeClr val="tx1"/>
+                </a:solidFill>
+              </a:rPr>
+              <a:t>Изменение шага окна;</a:t>
+            </a:r>
+          </a:p>
+          <a:p>
+            <a:pPr marL="502920" indent="-457200">
+              <a:buFont typeface="+mj-lt"/>
+              <a:buAutoNum type="arabicPeriod"/>
+            </a:pPr>
+            <a:r>
+              <a:rPr lang="ru-RU" sz="2000" dirty="0" smtClean="0">
+                <a:solidFill>
+                  <a:schemeClr val="tx1"/>
+                </a:solidFill>
+              </a:rPr>
+              <a:t>Изменение количества кадров, подаваемых на вход </a:t>
+            </a:r>
+            <a:r>
+              <a:rPr lang="ru-RU" sz="2000" dirty="0" err="1" smtClean="0">
+                <a:solidFill>
+                  <a:schemeClr val="tx1"/>
+                </a:solidFill>
+              </a:rPr>
+              <a:t>нейросети</a:t>
+            </a:r>
+            <a:r>
+              <a:rPr lang="ru-RU" sz="2000" dirty="0" smtClean="0">
+                <a:solidFill>
+                  <a:schemeClr val="tx1"/>
+                </a:solidFill>
+              </a:rPr>
+              <a:t>;</a:t>
+            </a:r>
+          </a:p>
+          <a:p>
+            <a:pPr marL="502920" indent="-457200">
+              <a:buFont typeface="+mj-lt"/>
+              <a:buAutoNum type="arabicPeriod"/>
+            </a:pPr>
+            <a:r>
+              <a:rPr lang="ru-RU" sz="2000" dirty="0" smtClean="0">
+                <a:solidFill>
+                  <a:schemeClr val="tx1"/>
+                </a:solidFill>
+              </a:rPr>
+              <a:t>Борьба с переобучением.</a:t>
+            </a:r>
+          </a:p>
+          <a:p>
+            <a:pPr marL="502920" indent="-457200">
+              <a:buFont typeface="+mj-lt"/>
+              <a:buAutoNum type="arabicPeriod"/>
+            </a:pPr>
+            <a:endParaRPr lang="ru-RU" sz="2000" dirty="0" smtClean="0">
+              <a:solidFill>
+                <a:schemeClr val="tx1"/>
+              </a:solidFill>
+            </a:endParaRPr>
+          </a:p>
+          <a:p>
+            <a:pPr marL="45720" indent="0">
+              <a:buNone/>
+            </a:pPr>
+            <a:endParaRPr lang="en-US" sz="2000" dirty="0">
+              <a:solidFill>
+                <a:schemeClr val="tx1"/>
+              </a:solidFill>
+            </a:endParaRPr>
+          </a:p>
+        </p:txBody>
+      </p:sp>
+    </p:spTree>
+    <p:extLst>
+      <p:ext uri="{BB962C8B-B14F-4D97-AF65-F5344CB8AC3E}">
+        <p14:creationId xmlns:p14="http://schemas.microsoft.com/office/powerpoint/2010/main" val="460937769"/>
+      </p:ext>
+    </p:extLst>
+  </p:cSld>
+  <p:clrMapOvr>
+    <a:masterClrMapping/>
+  </p:clrMapOvr>
+</p:sld>
+</file>
+
+<file path=ppt/slides/slide18.xml><?xml version="1.0" encoding="utf-8"?>
+<p:sld xmlns:a="http://schemas.openxmlformats.org/drawingml/2006/main" xmlns:r="http://schemas.openxmlformats.org/officeDocument/2006/relationships" xmlns:p="http://schemas.openxmlformats.org/presentationml/2006/main">
+  <p:cSld>
+    <p:spTree>
+      <p:nvGrpSpPr>
+        <p:cNvPr id="1" name=""/>
+        <p:cNvGrpSpPr/>
+        <p:nvPr/>
+      </p:nvGrpSpPr>
+      <p:grpSpPr>
+        <a:xfrm>
+          <a:off x="0" y="0"/>
+          <a:ext cx="0" cy="0"/>
+          <a:chOff x="0" y="0"/>
+          <a:chExt cx="0" cy="0"/>
+        </a:xfrm>
+      </p:grpSpPr>
+      <p:sp>
+        <p:nvSpPr>
+          <p:cNvPr id="2" name="Заголовок 1"/>
+          <p:cNvSpPr>
+            <a:spLocks noGrp="1"/>
+          </p:cNvSpPr>
+          <p:nvPr>
+            <p:ph type="title"/>
+          </p:nvPr>
+        </p:nvSpPr>
+        <p:spPr>
+          <a:xfrm>
+            <a:off x="838200" y="365125"/>
+            <a:ext cx="10515600" cy="760673"/>
+          </a:xfrm>
+        </p:spPr>
+        <p:txBody>
+          <a:bodyPr>
+            <a:noAutofit/>
+          </a:bodyPr>
+          <a:lstStyle/>
+          <a:p>
+            <a:r>
+              <a:rPr lang="ru-RU" sz="3200" dirty="0" smtClean="0"/>
+              <a:t>Заключение</a:t>
+            </a:r>
+            <a:endParaRPr lang="ru-RU" sz="4800" dirty="0"/>
+          </a:p>
+        </p:txBody>
+      </p:sp>
+      <p:sp>
+        <p:nvSpPr>
+          <p:cNvPr id="11" name="Номер слайда 10">
+            <a:extLst>
+              <a:ext uri="{FF2B5EF4-FFF2-40B4-BE49-F238E27FC236}">
+                <a16:creationId xmlns:a16="http://schemas.microsoft.com/office/drawing/2014/main" id="{3A91D745-9CA6-414C-AEAB-25A55984B29C}"/>
+              </a:ext>
+            </a:extLst>
+          </p:cNvPr>
+          <p:cNvSpPr>
+            <a:spLocks noGrp="1"/>
+          </p:cNvSpPr>
+          <p:nvPr>
+            <p:ph type="sldNum" sz="quarter" idx="12"/>
+          </p:nvPr>
+        </p:nvSpPr>
+        <p:spPr/>
+        <p:txBody>
+          <a:bodyPr/>
+          <a:lstStyle/>
+          <a:p>
+            <a:fld id="{871F4C9F-061D-468D-90C1-298C9849AF70}" type="slidenum">
+              <a:rPr lang="ru-RU" smtClean="0"/>
+              <a:pPr/>
+              <a:t>18</a:t>
+            </a:fld>
+            <a:r>
+              <a:rPr lang="en-US"/>
+              <a:t>/</a:t>
+            </a:r>
+            <a:r>
+              <a:rPr lang="ru-RU"/>
+              <a:t>20</a:t>
+            </a:r>
+            <a:endParaRPr lang="ru-RU" dirty="0"/>
+          </a:p>
+        </p:txBody>
+      </p:sp>
+      <p:sp>
+        <p:nvSpPr>
+          <p:cNvPr id="7" name="Объект 4">
+            <a:extLst>
+              <a:ext uri="{FF2B5EF4-FFF2-40B4-BE49-F238E27FC236}">
+                <a16:creationId xmlns:a16="http://schemas.microsoft.com/office/drawing/2014/main" id="{CECBFFEE-5029-4E7A-AB57-EE46E254E3E1}"/>
+              </a:ext>
+            </a:extLst>
+          </p:cNvPr>
+          <p:cNvSpPr>
+            <a:spLocks noGrp="1"/>
+          </p:cNvSpPr>
+          <p:nvPr>
+            <p:ph idx="1"/>
+          </p:nvPr>
+        </p:nvSpPr>
+        <p:spPr>
+          <a:xfrm>
+            <a:off x="838200" y="1125798"/>
+            <a:ext cx="10515599" cy="3682685"/>
+          </a:xfrm>
+        </p:spPr>
+        <p:txBody>
+          <a:bodyPr/>
+          <a:lstStyle/>
+          <a:p>
+            <a:pPr marL="45720" indent="0">
+              <a:buNone/>
+            </a:pPr>
+            <a:endParaRPr lang="ru-RU" sz="2000" dirty="0" smtClean="0">
+              <a:solidFill>
+                <a:schemeClr val="tx1"/>
+              </a:solidFill>
+            </a:endParaRPr>
+          </a:p>
+          <a:p>
+            <a:pPr marL="45720" indent="0">
+              <a:buNone/>
+            </a:pPr>
+            <a:endParaRPr lang="en-US" sz="2000" dirty="0">
+              <a:solidFill>
+                <a:schemeClr val="tx1"/>
+              </a:solidFill>
+            </a:endParaRPr>
+          </a:p>
+        </p:txBody>
+      </p:sp>
+    </p:spTree>
+    <p:extLst>
+      <p:ext uri="{BB962C8B-B14F-4D97-AF65-F5344CB8AC3E}">
+        <p14:creationId xmlns:p14="http://schemas.microsoft.com/office/powerpoint/2010/main" val="1450583172"/>
+      </p:ext>
+    </p:extLst>
+  </p:cSld>
+  <p:clrMapOvr>
+    <a:masterClrMapping/>
+  </p:clrMapOvr>
+</p:sld>
+</file>
+
+<file path=ppt/slides/slide19.xml><?xml version="1.0" encoding="utf-8"?>
+<p:sld xmlns:a="http://schemas.openxmlformats.org/drawingml/2006/main" xmlns:r="http://schemas.openxmlformats.org/officeDocument/2006/relationships" xmlns:p="http://schemas.openxmlformats.org/presentationml/2006/main">
+  <p:cSld>
+    <p:spTree>
+      <p:nvGrpSpPr>
+        <p:cNvPr id="1" name=""/>
+        <p:cNvGrpSpPr/>
+        <p:nvPr/>
+      </p:nvGrpSpPr>
+      <p:grpSpPr>
+        <a:xfrm>
+          <a:off x="0" y="0"/>
+          <a:ext cx="0" cy="0"/>
+          <a:chOff x="0" y="0"/>
+          <a:chExt cx="0" cy="0"/>
+        </a:xfrm>
+      </p:grpSpPr>
+      <p:sp>
+        <p:nvSpPr>
+          <p:cNvPr id="2" name="Заголовок 1"/>
+          <p:cNvSpPr>
+            <a:spLocks noGrp="1"/>
+          </p:cNvSpPr>
+          <p:nvPr>
+            <p:ph type="ctrTitle"/>
+          </p:nvPr>
+        </p:nvSpPr>
+        <p:spPr/>
+        <p:txBody>
+          <a:bodyPr>
+            <a:normAutofit/>
+          </a:bodyPr>
+          <a:lstStyle/>
+          <a:p>
+            <a:r>
+              <a:rPr lang="ru-RU" sz="4400" dirty="0" smtClean="0"/>
+              <a:t>Спасибо за внимание! </a:t>
+            </a:r>
+            <a:endParaRPr lang="ru-RU" sz="4400" dirty="0"/>
+          </a:p>
+        </p:txBody>
+      </p:sp>
+    </p:spTree>
+    <p:extLst>
+      <p:ext uri="{BB962C8B-B14F-4D97-AF65-F5344CB8AC3E}">
+        <p14:creationId xmlns:p14="http://schemas.microsoft.com/office/powerpoint/2010/main" val="4173907562"/>
       </p:ext>
     </p:extLst>
   </p:cSld>

--- a/presentation/presentation.pptx
+++ b/presentation/presentation.pptx
@@ -227,7 +227,7 @@
           <a:p>
             <a:fld id="{BD38AF1A-F700-477F-9701-3425B6DD9F89}" type="datetimeFigureOut">
               <a:rPr lang="ru-RU" smtClean="0"/>
-              <a:t>21.05.2022</a:t>
+              <a:t>23.05.2022</a:t>
             </a:fld>
             <a:endParaRPr lang="ru-RU"/>
           </a:p>
@@ -872,7 +872,7 @@
           <a:p>
             <a:fld id="{D964624D-D642-40FE-8217-9836CE1C07F6}" type="datetime1">
               <a:rPr lang="ru-RU" smtClean="0"/>
-              <a:t>21.05.2022</a:t>
+              <a:t>23.05.2022</a:t>
             </a:fld>
             <a:endParaRPr lang="ru-RU"/>
           </a:p>
@@ -1137,7 +1137,7 @@
           <a:p>
             <a:fld id="{8BC66FCF-5770-4E43-8093-1BC16AC05A37}" type="datetime1">
               <a:rPr lang="ru-RU" smtClean="0"/>
-              <a:t>21.05.2022</a:t>
+              <a:t>23.05.2022</a:t>
             </a:fld>
             <a:endParaRPr lang="ru-RU"/>
           </a:p>
@@ -1356,7 +1356,7 @@
           <a:p>
             <a:fld id="{AAD0150B-7E10-4F61-9E1C-16A2C05E1C73}" type="datetime1">
               <a:rPr lang="ru-RU" smtClean="0"/>
-              <a:t>21.05.2022</a:t>
+              <a:t>23.05.2022</a:t>
             </a:fld>
             <a:endParaRPr lang="ru-RU"/>
           </a:p>
@@ -1575,7 +1575,7 @@
           <a:p>
             <a:fld id="{A9094B30-0C85-4D71-A967-AFDCA616C8E5}" type="datetime1">
               <a:rPr lang="ru-RU" smtClean="0"/>
-              <a:t>21.05.2022</a:t>
+              <a:t>23.05.2022</a:t>
             </a:fld>
             <a:endParaRPr lang="ru-RU" dirty="0"/>
           </a:p>
@@ -2203,7 +2203,7 @@
           <a:p>
             <a:fld id="{6023883E-06BA-4349-963A-5BB9B245AA21}" type="datetime1">
               <a:rPr lang="ru-RU" smtClean="0"/>
-              <a:t>21.05.2022</a:t>
+              <a:t>23.05.2022</a:t>
             </a:fld>
             <a:endParaRPr lang="ru-RU"/>
           </a:p>
@@ -2680,7 +2680,7 @@
           <a:p>
             <a:fld id="{1042B335-8CB8-4CF0-B468-FCC8095C47BF}" type="datetime1">
               <a:rPr lang="ru-RU" smtClean="0"/>
-              <a:t>21.05.2022</a:t>
+              <a:t>23.05.2022</a:t>
             </a:fld>
             <a:endParaRPr lang="ru-RU"/>
           </a:p>
@@ -2839,7 +2839,7 @@
           <a:p>
             <a:fld id="{5133D046-C9A7-43AC-9D0C-09F3216B5A40}" type="datetime1">
               <a:rPr lang="ru-RU" smtClean="0"/>
-              <a:t>21.05.2022</a:t>
+              <a:t>23.05.2022</a:t>
             </a:fld>
             <a:endParaRPr lang="ru-RU"/>
           </a:p>
@@ -2967,7 +2967,7 @@
           <a:p>
             <a:fld id="{134425A0-5DAB-40A3-98AB-78A1DE8E4EF8}" type="datetime1">
               <a:rPr lang="ru-RU" smtClean="0"/>
-              <a:t>21.05.2022</a:t>
+              <a:t>23.05.2022</a:t>
             </a:fld>
             <a:endParaRPr lang="ru-RU"/>
           </a:p>
@@ -3299,7 +3299,7 @@
           <a:p>
             <a:fld id="{1A3FCD05-5FFF-44F2-9030-18DE05BCC82B}" type="datetime1">
               <a:rPr lang="ru-RU" smtClean="0"/>
-              <a:t>21.05.2022</a:t>
+              <a:t>23.05.2022</a:t>
             </a:fld>
             <a:endParaRPr lang="ru-RU"/>
           </a:p>
@@ -3613,7 +3613,7 @@
           <a:p>
             <a:fld id="{10964509-C4CF-44DF-AF94-81A42AD10F92}" type="datetime1">
               <a:rPr lang="ru-RU" smtClean="0"/>
-              <a:t>21.05.2022</a:t>
+              <a:t>23.05.2022</a:t>
             </a:fld>
             <a:endParaRPr lang="ru-RU"/>
           </a:p>
@@ -7759,8 +7759,8 @@
           </a:p>
         </p:txBody>
       </p:sp>
-      <mc:AlternateContent xmlns:mc="http://schemas.openxmlformats.org/markup-compatibility/2006">
-        <mc:Choice xmlns:a14="http://schemas.microsoft.com/office/drawing/2010/main" Requires="a14">
+      <mc:AlternateContent xmlns:mc="http://schemas.openxmlformats.org/markup-compatibility/2006" xmlns:a14="http://schemas.microsoft.com/office/drawing/2010/main">
+        <mc:Choice Requires="a14">
           <p:sp>
             <p:nvSpPr>
               <p:cNvPr id="9" name="Объект 4">
@@ -8578,7 +8578,7 @@
             </p:txBody>
           </p:sp>
         </mc:Choice>
-        <mc:Fallback>
+        <mc:Fallback xmlns="">
           <p:sp>
             <p:nvSpPr>
               <p:cNvPr id="9" name="Объект 4">
@@ -8623,8 +8623,8 @@
           </p:sp>
         </mc:Fallback>
       </mc:AlternateContent>
-      <mc:AlternateContent xmlns:mc="http://schemas.openxmlformats.org/markup-compatibility/2006">
-        <mc:Choice xmlns:a14="http://schemas.microsoft.com/office/drawing/2010/main" Requires="a14">
+      <mc:AlternateContent xmlns:mc="http://schemas.openxmlformats.org/markup-compatibility/2006" xmlns:a14="http://schemas.microsoft.com/office/drawing/2010/main">
+        <mc:Choice Requires="a14">
           <p:sp>
             <p:nvSpPr>
               <p:cNvPr id="6" name="Прямоугольник 5"/>
@@ -8998,7 +8998,7 @@
             </p:txBody>
           </p:sp>
         </mc:Choice>
-        <mc:Fallback>
+        <mc:Fallback xmlns="">
           <p:sp>
             <p:nvSpPr>
               <p:cNvPr id="6" name="Прямоугольник 5"/>
@@ -9139,8 +9139,8 @@
           </a:p>
         </p:txBody>
       </p:sp>
-      <mc:AlternateContent xmlns:mc="http://schemas.openxmlformats.org/markup-compatibility/2006">
-        <mc:Choice xmlns:a14="http://schemas.microsoft.com/office/drawing/2010/main" Requires="a14">
+      <mc:AlternateContent xmlns:mc="http://schemas.openxmlformats.org/markup-compatibility/2006" xmlns:a14="http://schemas.microsoft.com/office/drawing/2010/main">
+        <mc:Choice Requires="a14">
           <p:sp>
             <p:nvSpPr>
               <p:cNvPr id="12" name="Объект 4">
@@ -9873,7 +9873,7 @@
             </p:txBody>
           </p:sp>
         </mc:Choice>
-        <mc:Fallback>
+        <mc:Fallback xmlns="">
           <p:sp>
             <p:nvSpPr>
               <p:cNvPr id="12" name="Объект 4">
@@ -11339,30 +11339,6 @@
           </a:p>
         </p:txBody>
       </p:sp>
-      <p:pic>
-        <p:nvPicPr>
-          <p:cNvPr id="4" name="Рисунок 3"/>
-          <p:cNvPicPr>
-            <a:picLocks noChangeAspect="1"/>
-          </p:cNvPicPr>
-          <p:nvPr/>
-        </p:nvPicPr>
-        <p:blipFill>
-          <a:blip r:embed="rId2"/>
-          <a:stretch>
-            <a:fillRect/>
-          </a:stretch>
-        </p:blipFill>
-        <p:spPr>
-          <a:xfrm>
-            <a:off x="601717" y="1166918"/>
-            <a:ext cx="5231816" cy="3553836"/>
-          </a:xfrm>
-          <a:prstGeom prst="rect">
-            <a:avLst/>
-          </a:prstGeom>
-        </p:spPr>
-      </p:pic>
       <p:sp>
         <p:nvSpPr>
           <p:cNvPr id="8" name="Прямоугольник 7">
@@ -11404,8 +11380,8 @@
           </a:p>
         </p:txBody>
       </p:sp>
-      <mc:AlternateContent xmlns:mc="http://schemas.openxmlformats.org/markup-compatibility/2006">
-        <mc:Choice xmlns:a14="http://schemas.microsoft.com/office/drawing/2010/main" Requires="a14">
+      <mc:AlternateContent xmlns:mc="http://schemas.openxmlformats.org/markup-compatibility/2006" xmlns:a14="http://schemas.microsoft.com/office/drawing/2010/main">
+        <mc:Choice Requires="a14">
           <p:sp>
             <p:nvSpPr>
               <p:cNvPr id="9" name="Прямоугольник 8">
@@ -11539,7 +11515,7 @@
             </p:txBody>
           </p:sp>
         </mc:Choice>
-        <mc:Fallback>
+        <mc:Fallback xmlns="">
           <p:sp>
             <p:nvSpPr>
               <p:cNvPr id="9" name="Прямоугольник 8">
@@ -11584,30 +11560,6 @@
           </p:sp>
         </mc:Fallback>
       </mc:AlternateContent>
-      <p:pic>
-        <p:nvPicPr>
-          <p:cNvPr id="6" name="Рисунок 5"/>
-          <p:cNvPicPr>
-            <a:picLocks noChangeAspect="1"/>
-          </p:cNvPicPr>
-          <p:nvPr/>
-        </p:nvPicPr>
-        <p:blipFill>
-          <a:blip r:embed="rId4"/>
-          <a:stretch>
-            <a:fillRect/>
-          </a:stretch>
-        </p:blipFill>
-        <p:spPr>
-          <a:xfrm>
-            <a:off x="6322265" y="1166918"/>
-            <a:ext cx="5187966" cy="3553836"/>
-          </a:xfrm>
-          <a:prstGeom prst="rect">
-            <a:avLst/>
-          </a:prstGeom>
-        </p:spPr>
-      </p:pic>
       <p:sp>
         <p:nvSpPr>
           <p:cNvPr id="13" name="Прямоугольник 12">
@@ -11652,6 +11604,54 @@
           </a:p>
         </p:txBody>
       </p:sp>
+      <p:pic>
+        <p:nvPicPr>
+          <p:cNvPr id="3" name="Рисунок 2"/>
+          <p:cNvPicPr>
+            <a:picLocks noChangeAspect="1"/>
+          </p:cNvPicPr>
+          <p:nvPr/>
+        </p:nvPicPr>
+        <p:blipFill>
+          <a:blip r:embed="rId4"/>
+          <a:stretch>
+            <a:fillRect/>
+          </a:stretch>
+        </p:blipFill>
+        <p:spPr>
+          <a:xfrm>
+            <a:off x="6365317" y="1141280"/>
+            <a:ext cx="5291091" cy="3553836"/>
+          </a:xfrm>
+          <a:prstGeom prst="rect">
+            <a:avLst/>
+          </a:prstGeom>
+        </p:spPr>
+      </p:pic>
+      <p:pic>
+        <p:nvPicPr>
+          <p:cNvPr id="5" name="Рисунок 4"/>
+          <p:cNvPicPr>
+            <a:picLocks noChangeAspect="1"/>
+          </p:cNvPicPr>
+          <p:nvPr/>
+        </p:nvPicPr>
+        <p:blipFill>
+          <a:blip r:embed="rId5"/>
+          <a:stretch>
+            <a:fillRect/>
+          </a:stretch>
+        </p:blipFill>
+        <p:spPr>
+          <a:xfrm>
+            <a:off x="641820" y="1151255"/>
+            <a:ext cx="5403856" cy="3599910"/>
+          </a:xfrm>
+          <a:prstGeom prst="rect">
+            <a:avLst/>
+          </a:prstGeom>
+        </p:spPr>
+      </p:pic>
     </p:spTree>
     <p:extLst>
       <p:ext uri="{BB962C8B-B14F-4D97-AF65-F5344CB8AC3E}">
@@ -11795,23 +11795,7 @@
                   <a:schemeClr val="tx1"/>
                 </a:solidFill>
               </a:rPr>
-              <a:t>Оба </a:t>
-            </a:r>
-            <a:r>
-              <a:rPr lang="ru-RU" sz="2000" dirty="0">
-                <a:solidFill>
-                  <a:schemeClr val="tx1"/>
-                </a:solidFill>
-              </a:rPr>
-              <a:t>подхода дают неплохую точность распознавания нот при обучении, но при демонстрации их точность довольно низкая</a:t>
-            </a:r>
-            <a:r>
-              <a:rPr lang="ru-RU" sz="2000" dirty="0">
-                <a:solidFill>
-                  <a:schemeClr val="tx1"/>
-                </a:solidFill>
-              </a:rPr>
-              <a:t>;</a:t>
+              <a:t>Оба подхода дают неплохую точность распознавания нот при обучении, но при демонстрации их точность довольно низкая;</a:t>
             </a:r>
           </a:p>
           <a:p>

--- a/presentation/presentation.pptx
+++ b/presentation/presentation.pptx
@@ -1,6 +1,6 @@
 
 <file path=ppt/presentation.xml><?xml version="1.0" encoding="utf-8"?>
-<p:presentation xmlns:a="http://schemas.openxmlformats.org/drawingml/2006/main" xmlns:r="http://schemas.openxmlformats.org/officeDocument/2006/relationships" xmlns:p="http://schemas.openxmlformats.org/presentationml/2006/main" showSpecialPlsOnTitleSld="0" saveSubsetFonts="1">
+<p:presentation xmlns:a="http://schemas.openxmlformats.org/drawingml/2006/main" xmlns:r="http://schemas.openxmlformats.org/officeDocument/2006/relationships" xmlns:p="http://schemas.openxmlformats.org/presentationml/2006/main" saveSubsetFonts="1">
   <p:sldMasterIdLst>
     <p:sldMasterId id="2147483910" r:id="rId1"/>
   </p:sldMasterIdLst>
@@ -20,12 +20,12 @@
     <p:sldId id="265" r:id="rId11"/>
     <p:sldId id="268" r:id="rId12"/>
     <p:sldId id="269" r:id="rId13"/>
-    <p:sldId id="270" r:id="rId14"/>
-    <p:sldId id="271" r:id="rId15"/>
-    <p:sldId id="272" r:id="rId16"/>
-    <p:sldId id="276" r:id="rId17"/>
-    <p:sldId id="273" r:id="rId18"/>
-    <p:sldId id="275" r:id="rId19"/>
+    <p:sldId id="277" r:id="rId14"/>
+    <p:sldId id="270" r:id="rId15"/>
+    <p:sldId id="271" r:id="rId16"/>
+    <p:sldId id="272" r:id="rId17"/>
+    <p:sldId id="276" r:id="rId18"/>
+    <p:sldId id="273" r:id="rId19"/>
     <p:sldId id="274" r:id="rId20"/>
   </p:sldIdLst>
   <p:sldSz cx="12192000" cy="6858000"/>
@@ -227,7 +227,7 @@
           <a:p>
             <a:fld id="{BD38AF1A-F700-477F-9701-3425B6DD9F89}" type="datetimeFigureOut">
               <a:rPr lang="ru-RU" smtClean="0"/>
-              <a:t>23.05.2022</a:t>
+              <a:t>30.05.2022</a:t>
             </a:fld>
             <a:endParaRPr lang="ru-RU"/>
           </a:p>
@@ -559,7 +559,7 @@
           <a:p>
             <a:fld id="{C2B2341E-66A9-48EE-8FDC-23270E4EB91D}" type="slidenum">
               <a:rPr lang="ru-RU" smtClean="0"/>
-              <a:t>14</a:t>
+              <a:t>15</a:t>
             </a:fld>
             <a:endParaRPr lang="ru-RU"/>
           </a:p>
@@ -643,7 +643,7 @@
           <a:p>
             <a:fld id="{C2B2341E-66A9-48EE-8FDC-23270E4EB91D}" type="slidenum">
               <a:rPr lang="ru-RU" smtClean="0"/>
-              <a:t>15</a:t>
+              <a:t>16</a:t>
             </a:fld>
             <a:endParaRPr lang="ru-RU"/>
           </a:p>
@@ -870,9 +870,9 @@
             </a:lvl1pPr>
           </a:lstStyle>
           <a:p>
-            <a:fld id="{D964624D-D642-40FE-8217-9836CE1C07F6}" type="datetime1">
+            <a:fld id="{2DB895FC-884B-49C2-89BD-BA607574D26C}" type="datetime1">
               <a:rPr lang="ru-RU" smtClean="0"/>
-              <a:t>23.05.2022</a:t>
+              <a:t>30.05.2022</a:t>
             </a:fld>
             <a:endParaRPr lang="ru-RU"/>
           </a:p>
@@ -947,12 +947,9 @@
             </a:fld>
             <a:r>
               <a:rPr lang="en-US" dirty="0"/>
-              <a:t>/</a:t>
-            </a:r>
-            <a:r>
-              <a:rPr lang="ru-RU" dirty="0"/>
-              <a:t>20</a:t>
-            </a:r>
+              <a:t>/18</a:t>
+            </a:r>
+            <a:endParaRPr lang="ru-RU" dirty="0"/>
           </a:p>
         </p:txBody>
       </p:sp>
@@ -1135,9 +1132,9 @@
           <a:bodyPr/>
           <a:lstStyle/>
           <a:p>
-            <a:fld id="{8BC66FCF-5770-4E43-8093-1BC16AC05A37}" type="datetime1">
+            <a:fld id="{C7D9785C-6E6B-4237-95D6-33471F70AF7C}" type="datetime1">
               <a:rPr lang="ru-RU" smtClean="0"/>
-              <a:t>23.05.2022</a:t>
+              <a:t>30.05.2022</a:t>
             </a:fld>
             <a:endParaRPr lang="ru-RU"/>
           </a:p>
@@ -1354,9 +1351,9 @@
           <a:bodyPr/>
           <a:lstStyle/>
           <a:p>
-            <a:fld id="{AAD0150B-7E10-4F61-9E1C-16A2C05E1C73}" type="datetime1">
+            <a:fld id="{7779CB6E-D566-42D4-AFE7-977F96386A9A}" type="datetime1">
               <a:rPr lang="ru-RU" smtClean="0"/>
-              <a:t>23.05.2022</a:t>
+              <a:t>30.05.2022</a:t>
             </a:fld>
             <a:endParaRPr lang="ru-RU"/>
           </a:p>
@@ -1573,9 +1570,9 @@
           <a:bodyPr/>
           <a:lstStyle/>
           <a:p>
-            <a:fld id="{A9094B30-0C85-4D71-A967-AFDCA616C8E5}" type="datetime1">
+            <a:fld id="{2F6F0783-E505-4856-86D4-58037FE86FEA}" type="datetime1">
               <a:rPr lang="ru-RU" smtClean="0"/>
-              <a:t>23.05.2022</a:t>
+              <a:t>30.05.2022</a:t>
             </a:fld>
             <a:endParaRPr lang="ru-RU" dirty="0"/>
           </a:p>
@@ -1634,12 +1631,9 @@
             </a:fld>
             <a:r>
               <a:rPr lang="en-US" dirty="0"/>
-              <a:t>/</a:t>
-            </a:r>
-            <a:r>
-              <a:rPr lang="ru-RU" dirty="0"/>
-              <a:t>20</a:t>
-            </a:r>
+              <a:t>/18</a:t>
+            </a:r>
+            <a:endParaRPr lang="ru-RU" dirty="0"/>
           </a:p>
         </p:txBody>
       </p:sp>
@@ -1706,7 +1700,7 @@
           </a:lstStyle>
           <a:p>
             <a:r>
-              <a:rPr lang="ru-RU"/>
+              <a:rPr lang="ru-RU" dirty="0"/>
               <a:t>Образец заголовка</a:t>
             </a:r>
             <a:endParaRPr lang="en-US" dirty="0"/>
@@ -1892,15 +1886,7 @@
             </a:fld>
             <a:r>
               <a:rPr lang="en-US" dirty="0"/>
-              <a:t>/</a:t>
-            </a:r>
-            <a:r>
-              <a:rPr lang="ru-RU" dirty="0"/>
-              <a:t>2</a:t>
-            </a:r>
-            <a:r>
-              <a:rPr lang="en-US" dirty="0"/>
-              <a:t>0</a:t>
+              <a:t>/18</a:t>
             </a:r>
             <a:endParaRPr lang="ru-RU" dirty="0"/>
           </a:p>
@@ -2201,9 +2187,9 @@
           <a:bodyPr/>
           <a:lstStyle/>
           <a:p>
-            <a:fld id="{6023883E-06BA-4349-963A-5BB9B245AA21}" type="datetime1">
+            <a:fld id="{4F0F0577-170B-4C8D-8CE9-2A8FFC707320}" type="datetime1">
               <a:rPr lang="ru-RU" smtClean="0"/>
-              <a:t>23.05.2022</a:t>
+              <a:t>30.05.2022</a:t>
             </a:fld>
             <a:endParaRPr lang="ru-RU"/>
           </a:p>
@@ -2678,9 +2664,9 @@
           <a:bodyPr/>
           <a:lstStyle/>
           <a:p>
-            <a:fld id="{1042B335-8CB8-4CF0-B468-FCC8095C47BF}" type="datetime1">
+            <a:fld id="{3F680283-BFED-495D-AA3E-811638732320}" type="datetime1">
               <a:rPr lang="ru-RU" smtClean="0"/>
-              <a:t>23.05.2022</a:t>
+              <a:t>30.05.2022</a:t>
             </a:fld>
             <a:endParaRPr lang="ru-RU"/>
           </a:p>
@@ -2837,9 +2823,9 @@
           <a:bodyPr/>
           <a:lstStyle/>
           <a:p>
-            <a:fld id="{5133D046-C9A7-43AC-9D0C-09F3216B5A40}" type="datetime1">
+            <a:fld id="{9C8497CF-C765-4E64-A178-6013F5CC2880}" type="datetime1">
               <a:rPr lang="ru-RU" smtClean="0"/>
-              <a:t>23.05.2022</a:t>
+              <a:t>30.05.2022</a:t>
             </a:fld>
             <a:endParaRPr lang="ru-RU"/>
           </a:p>
@@ -2965,9 +2951,9 @@
           <a:bodyPr/>
           <a:lstStyle/>
           <a:p>
-            <a:fld id="{134425A0-5DAB-40A3-98AB-78A1DE8E4EF8}" type="datetime1">
+            <a:fld id="{D8DF55BE-AD8F-4250-BBBD-669940FCAB0B}" type="datetime1">
               <a:rPr lang="ru-RU" smtClean="0"/>
-              <a:t>23.05.2022</a:t>
+              <a:t>30.05.2022</a:t>
             </a:fld>
             <a:endParaRPr lang="ru-RU"/>
           </a:p>
@@ -3297,9 +3283,9 @@
           <a:bodyPr/>
           <a:lstStyle/>
           <a:p>
-            <a:fld id="{1A3FCD05-5FFF-44F2-9030-18DE05BCC82B}" type="datetime1">
+            <a:fld id="{8DC4F666-2FDB-48B6-BDE3-2A124FCEDA07}" type="datetime1">
               <a:rPr lang="ru-RU" smtClean="0"/>
-              <a:t>23.05.2022</a:t>
+              <a:t>30.05.2022</a:t>
             </a:fld>
             <a:endParaRPr lang="ru-RU"/>
           </a:p>
@@ -3611,9 +3597,9 @@
           <a:bodyPr/>
           <a:lstStyle/>
           <a:p>
-            <a:fld id="{10964509-C4CF-44DF-AF94-81A42AD10F92}" type="datetime1">
+            <a:fld id="{305259AE-84EC-4503-AA79-953DA7C4D9ED}" type="datetime1">
               <a:rPr lang="ru-RU" smtClean="0"/>
-              <a:t>23.05.2022</a:t>
+              <a:t>30.05.2022</a:t>
             </a:fld>
             <a:endParaRPr lang="ru-RU"/>
           </a:p>
@@ -3797,7 +3783,7 @@
           <a:p>
             <a:r>
               <a:rPr lang="en-US" dirty="0"/>
-              <a:t>&lt;#&gt;/20</a:t>
+              <a:t>&lt;#&gt;/18</a:t>
             </a:r>
             <a:endParaRPr lang="ru-RU" dirty="0"/>
           </a:p>
@@ -4233,7 +4219,7 @@
           <a:p>
             <a:r>
               <a:rPr lang="ru-RU" sz="2400" dirty="0"/>
-              <a:t>Студентка: Белаш М.В.,</a:t>
+              <a:t>Студентка: Белаш М.В.</a:t>
             </a:r>
           </a:p>
           <a:p>
@@ -4242,7 +4228,7 @@
               <a:t>Научный руководитель: к.т.н., </a:t>
             </a:r>
             <a:r>
-              <a:rPr lang="ru-RU" sz="2400" dirty="0" err="1" smtClean="0"/>
+              <a:rPr lang="ru-RU" sz="2400" dirty="0" err="1"/>
               <a:t>ст</a:t>
             </a:r>
             <a:r>
@@ -4250,12 +4236,8 @@
               <a:t>.</a:t>
             </a:r>
             <a:r>
-              <a:rPr lang="ru-RU" sz="2400" dirty="0" smtClean="0"/>
-              <a:t> </a:t>
-            </a:r>
-            <a:r>
               <a:rPr lang="ru-RU" sz="2400" dirty="0"/>
-              <a:t>преподаватель, Шаронов И.О.</a:t>
+              <a:t> преподаватель, Шаронов И.О.</a:t>
             </a:r>
           </a:p>
           <a:p>
@@ -4373,7 +4355,7 @@
                       <a:schemeClr val="tx1"/>
                     </a:solidFill>
                   </a:rPr>
-                  <a:t> — изображение, показывающее зависимость спектральной плотности мощности сигнала от времени. Спектрограмма – это матрица </a:t>
+                  <a:t> — графическое изображение звука. Спектрограмма – это матрица </a:t>
                 </a:r>
                 <a14:m>
                   <m:oMath xmlns:m="http://schemas.openxmlformats.org/officeDocument/2006/math">
@@ -4410,13 +4392,13 @@
                           <m:t>𝑁</m:t>
                         </m:r>
                         <m:r>
-                          <a:rPr lang="ru-RU" sz="2000" i="1">
+                          <a:rPr lang="en-US" sz="2000" b="0" i="1" smtClean="0">
                             <a:solidFill>
                               <a:schemeClr val="tx1"/>
                             </a:solidFill>
                             <a:latin typeface="Cambria Math" panose="02040503050406030204" pitchFamily="18" charset="0"/>
                           </a:rPr>
-                          <m:t>∗</m:t>
+                          <m:t>×</m:t>
                         </m:r>
                         <m:r>
                           <a:rPr lang="ru-RU" sz="2000" i="1">
@@ -4578,19 +4560,19 @@
               <a:t>Рис</a:t>
             </a:r>
             <a:r>
-              <a:rPr lang="en-US" sz="1600" dirty="0" smtClean="0">
+              <a:rPr lang="en-US" sz="1600" dirty="0">
                 <a:ea typeface="Times New Roman" panose="02020603050405020304" pitchFamily="18" charset="0"/>
               </a:rPr>
               <a:t>.</a:t>
             </a:r>
             <a:r>
-              <a:rPr lang="ru-RU" sz="1600" dirty="0" smtClean="0">
+              <a:rPr lang="ru-RU" sz="1600" dirty="0">
                 <a:ea typeface="Times New Roman" panose="02020603050405020304" pitchFamily="18" charset="0"/>
               </a:rPr>
               <a:t>2</a:t>
             </a:r>
             <a:r>
-              <a:rPr lang="en-US" sz="1600" dirty="0" smtClean="0">
+              <a:rPr lang="en-US" sz="1600" dirty="0">
                 <a:ea typeface="Times New Roman" panose="02020603050405020304" pitchFamily="18" charset="0"/>
               </a:rPr>
               <a:t>. </a:t>
@@ -4625,8 +4607,8 @@
           </a:p>
         </p:txBody>
       </p:sp>
-      <mc:AlternateContent xmlns:mc="http://schemas.openxmlformats.org/markup-compatibility/2006" xmlns:a14="http://schemas.microsoft.com/office/drawing/2010/main">
-        <mc:Choice Requires="a14">
+      <mc:AlternateContent xmlns:mc="http://schemas.openxmlformats.org/markup-compatibility/2006">
+        <mc:Choice xmlns:a14="http://schemas.microsoft.com/office/drawing/2010/main" Requires="a14">
           <p:sp>
             <p:nvSpPr>
               <p:cNvPr id="8" name="Объект 2"/>
@@ -4821,8 +4803,8 @@
                   <a:buNone/>
                 </a:pPr>
                 <a:r>
-                  <a:rPr lang="ru-RU" sz="2000" i="1" dirty="0"/>
-                  <a:t>Оконное (кратковременное) преобразование Фурье (</a:t>
+                  <a:rPr lang="ru-RU" sz="2000" i="1" dirty="0" smtClean="0"/>
+                  <a:t>Оконное преобразование Фурье (</a:t>
                 </a:r>
                 <a:r>
                   <a:rPr lang="en-US" sz="2000" i="1" dirty="0"/>
@@ -5187,10 +5169,9 @@
                   <a:t>	</a:t>
                 </a:r>
                 <a:r>
-                  <a:rPr lang="ru-RU" sz="2000" dirty="0" smtClean="0"/>
+                  <a:rPr lang="ru-RU" sz="2000" dirty="0"/>
                   <a:t>(10)</a:t>
                 </a:r>
-                <a:endParaRPr lang="ru-RU" sz="2000" dirty="0"/>
               </a:p>
               <a:p>
                 <a:pPr marL="0" indent="0">
@@ -5322,40 +5303,70 @@
                         </m:r>
                       </m:fName>
                       <m:e>
-                        <m:r>
-                          <a:rPr lang="en-US" sz="2000" b="0" i="1" smtClean="0">
-                            <a:latin typeface="Cambria Math" panose="02040503050406030204" pitchFamily="18" charset="0"/>
-                          </a:rPr>
-                          <m:t>(2</m:t>
-                        </m:r>
-                        <m:r>
-                          <a:rPr lang="en-US" sz="2000" b="0" i="1" smtClean="0">
-                            <a:latin typeface="Cambria Math" panose="02040503050406030204" pitchFamily="18" charset="0"/>
-                          </a:rPr>
-                          <m:t>𝜋</m:t>
-                        </m:r>
-                        <m:r>
-                          <a:rPr lang="en-US" sz="2000" b="0" i="1" smtClean="0">
-                            <a:latin typeface="Cambria Math" panose="02040503050406030204" pitchFamily="18" charset="0"/>
-                          </a:rPr>
-                          <m:t>𝑛𝑁</m:t>
-                        </m:r>
-                        <m:r>
-                          <a:rPr lang="en-US" sz="2000" b="0" i="1" smtClean="0">
-                            <a:latin typeface="Cambria Math" panose="02040503050406030204" pitchFamily="18" charset="0"/>
-                          </a:rPr>
-                          <m:t>−1)</m:t>
-                        </m:r>
+                        <m:d>
+                          <m:dPr>
+                            <m:ctrlPr>
+                              <a:rPr lang="en-US" sz="2000" b="0" i="1" smtClean="0">
+                                <a:latin typeface="Cambria Math" panose="02040503050406030204" pitchFamily="18" charset="0"/>
+                              </a:rPr>
+                            </m:ctrlPr>
+                          </m:dPr>
+                          <m:e>
+                            <m:f>
+                              <m:fPr>
+                                <m:ctrlPr>
+                                  <a:rPr lang="en-US" sz="2000" i="1">
+                                    <a:latin typeface="Cambria Math" panose="02040503050406030204" pitchFamily="18" charset="0"/>
+                                  </a:rPr>
+                                </m:ctrlPr>
+                              </m:fPr>
+                              <m:num>
+                                <m:r>
+                                  <a:rPr lang="en-US" sz="2000" i="1">
+                                    <a:latin typeface="Cambria Math" panose="02040503050406030204" pitchFamily="18" charset="0"/>
+                                  </a:rPr>
+                                  <m:t>2</m:t>
+                                </m:r>
+                                <m:r>
+                                  <a:rPr lang="en-US" sz="2000" i="1">
+                                    <a:latin typeface="Cambria Math" panose="02040503050406030204" pitchFamily="18" charset="0"/>
+                                  </a:rPr>
+                                  <m:t>𝜋</m:t>
+                                </m:r>
+                                <m:r>
+                                  <a:rPr lang="en-US" sz="2000" i="1">
+                                    <a:latin typeface="Cambria Math" panose="02040503050406030204" pitchFamily="18" charset="0"/>
+                                  </a:rPr>
+                                  <m:t>𝑛</m:t>
+                                </m:r>
+                              </m:num>
+                              <m:den>
+                                <m:r>
+                                  <a:rPr lang="en-US" sz="2000" i="1">
+                                    <a:latin typeface="Cambria Math" panose="02040503050406030204" pitchFamily="18" charset="0"/>
+                                  </a:rPr>
+                                  <m:t>𝑁</m:t>
+                                </m:r>
+                                <m:r>
+                                  <a:rPr lang="en-US" sz="2000" i="1">
+                                    <a:latin typeface="Cambria Math" panose="02040503050406030204" pitchFamily="18" charset="0"/>
+                                  </a:rPr>
+                                  <m:t>−1</m:t>
+                                </m:r>
+                              </m:den>
+                            </m:f>
+                          </m:e>
+                        </m:d>
                       </m:e>
                     </m:func>
                   </m:oMath>
                 </a14:m>
                 <a:r>
-                  <a:rPr lang="en-US" sz="2000" dirty="0" smtClean="0"/>
+                  <a:rPr lang="en-US" sz="2000" dirty="0"/>
                   <a:t>,</a:t>
                 </a:r>
                 <a:r>
-                  <a:rPr lang="ru-RU" sz="2000" dirty="0" smtClean="0"/>
+                  <a:rPr lang="ru-RU" sz="2000" dirty="0"/>
                   <a:t>      (11)</a:t>
                 </a:r>
                 <a:endParaRPr lang="en-US" sz="2000" dirty="0"/>
@@ -5441,7 +5452,7 @@
             </p:txBody>
           </p:sp>
         </mc:Choice>
-        <mc:Fallback xmlns="">
+        <mc:Fallback>
           <p:sp>
             <p:nvSpPr>
               <p:cNvPr id="8" name="Объект 2"/>
@@ -5461,7 +5472,7 @@
               <a:blipFill>
                 <a:blip r:embed="rId4"/>
                 <a:stretch>
-                  <a:fillRect l="-984" t="-518" r="-984" b="-1036"/>
+                  <a:fillRect l="-984" t="-518" r="-984" b="-5872"/>
                 </a:stretch>
               </a:blipFill>
             </p:spPr>
@@ -5482,13 +5493,7 @@
       </mc:AlternateContent>
       <p:sp>
         <p:nvSpPr>
-          <p:cNvPr id="11" name="Номер слайда 10">
-            <a:extLst>
-              <a:ext uri="{FF2B5EF4-FFF2-40B4-BE49-F238E27FC236}">
-                <a16:creationId xmlns:a16="http://schemas.microsoft.com/office/drawing/2014/main" id="{3A91D745-9CA6-414C-AEAB-25A55984B29C}"/>
-              </a:ext>
-            </a:extLst>
-          </p:cNvPr>
+          <p:cNvPr id="4" name="Номер слайда 3"/>
           <p:cNvSpPr>
             <a:spLocks noGrp="1"/>
           </p:cNvSpPr>
@@ -5508,11 +5513,7 @@
             </a:fld>
             <a:r>
               <a:rPr lang="en-US"/>
-              <a:t>/</a:t>
-            </a:r>
-            <a:r>
-              <a:rPr lang="ru-RU"/>
-              <a:t>20</a:t>
+              <a:t>/18</a:t>
             </a:r>
             <a:endParaRPr lang="ru-RU" dirty="0"/>
           </a:p>
@@ -5575,44 +5576,6 @@
               <a:t>Треугольные фильтры</a:t>
             </a:r>
             <a:endParaRPr lang="ru-RU" sz="4800" dirty="0"/>
-          </a:p>
-        </p:txBody>
-      </p:sp>
-      <p:sp>
-        <p:nvSpPr>
-          <p:cNvPr id="11" name="Номер слайда 10">
-            <a:extLst>
-              <a:ext uri="{FF2B5EF4-FFF2-40B4-BE49-F238E27FC236}">
-                <a16:creationId xmlns:a16="http://schemas.microsoft.com/office/drawing/2014/main" id="{3A91D745-9CA6-414C-AEAB-25A55984B29C}"/>
-              </a:ext>
-            </a:extLst>
-          </p:cNvPr>
-          <p:cNvSpPr>
-            <a:spLocks noGrp="1"/>
-          </p:cNvSpPr>
-          <p:nvPr>
-            <p:ph type="sldNum" sz="quarter" idx="12"/>
-          </p:nvPr>
-        </p:nvSpPr>
-        <p:spPr/>
-        <p:txBody>
-          <a:bodyPr/>
-          <a:lstStyle/>
-          <a:p>
-            <a:fld id="{871F4C9F-061D-468D-90C1-298C9849AF70}" type="slidenum">
-              <a:rPr lang="ru-RU" smtClean="0"/>
-              <a:pPr/>
-              <a:t>11</a:t>
-            </a:fld>
-            <a:r>
-              <a:rPr lang="en-US"/>
-              <a:t>/</a:t>
-            </a:r>
-            <a:r>
-              <a:rPr lang="ru-RU"/>
-              <a:t>20</a:t>
-            </a:r>
-            <a:endParaRPr lang="ru-RU" dirty="0"/>
           </a:p>
         </p:txBody>
       </p:sp>
@@ -6013,7 +5976,7 @@
                   <a:t>         </a:t>
                 </a:r>
                 <a:r>
-                  <a:rPr lang="en-US" sz="2000" dirty="0" smtClean="0">
+                  <a:rPr lang="en-US" sz="2000" dirty="0">
                     <a:solidFill>
                       <a:schemeClr val="tx1"/>
                     </a:solidFill>
@@ -6021,7 +5984,7 @@
                   <a:t>(</a:t>
                 </a:r>
                 <a:r>
-                  <a:rPr lang="ru-RU" sz="2000" dirty="0" smtClean="0">
+                  <a:rPr lang="ru-RU" sz="2000" dirty="0">
                     <a:solidFill>
                       <a:schemeClr val="tx1"/>
                     </a:solidFill>
@@ -6029,18 +5992,13 @@
                   <a:t>12</a:t>
                 </a:r>
                 <a:r>
-                  <a:rPr lang="en-US" sz="2000" dirty="0" smtClean="0">
+                  <a:rPr lang="en-US" sz="2000" dirty="0">
                     <a:solidFill>
                       <a:schemeClr val="tx1"/>
                     </a:solidFill>
                   </a:rPr>
                   <a:t>)</a:t>
                 </a:r>
-                <a:endParaRPr lang="en-US" sz="2000" dirty="0">
-                  <a:solidFill>
-                    <a:schemeClr val="tx1"/>
-                  </a:solidFill>
-                </a:endParaRPr>
               </a:p>
               <a:p>
                 <a:pPr marL="45720" indent="0" algn="r">
@@ -6298,45 +6256,32 @@
                       <a:schemeClr val="tx1"/>
                     </a:solidFill>
                   </a:rPr>
-                  <a:t>       </a:t>
-                </a:r>
-                <a:r>
-                  <a:rPr lang="ru-RU" sz="2000" dirty="0" smtClean="0">
+                  <a:t>                         </a:t>
+                </a:r>
+                <a:r>
+                  <a:rPr lang="en-US" sz="2000" dirty="0">
                     <a:solidFill>
                       <a:schemeClr val="tx1"/>
                     </a:solidFill>
                   </a:rPr>
-                  <a:t>                  </a:t>
-                </a:r>
-                <a:r>
-                  <a:rPr lang="en-US" sz="2000" dirty="0" smtClean="0">
+                  <a:t>(</a:t>
+                </a:r>
+                <a:r>
+                  <a:rPr lang="ru-RU" sz="2000" dirty="0">
                     <a:solidFill>
                       <a:schemeClr val="tx1"/>
                     </a:solidFill>
                   </a:rPr>
-                  <a:t>(</a:t>
-                </a:r>
-                <a:r>
-                  <a:rPr lang="ru-RU" sz="2000" dirty="0" smtClean="0">
+                  <a:t>13</a:t>
+                </a:r>
+                <a:r>
+                  <a:rPr lang="en-US" sz="2000" dirty="0">
                     <a:solidFill>
                       <a:schemeClr val="tx1"/>
                     </a:solidFill>
                   </a:rPr>
-                  <a:t>13</a:t>
-                </a:r>
-                <a:r>
-                  <a:rPr lang="en-US" sz="2000" dirty="0" smtClean="0">
-                    <a:solidFill>
-                      <a:schemeClr val="tx1"/>
-                    </a:solidFill>
-                  </a:rPr>
                   <a:t>)</a:t>
                 </a:r>
-                <a:endParaRPr lang="en-US" sz="2000" dirty="0">
-                  <a:solidFill>
-                    <a:schemeClr val="tx1"/>
-                  </a:solidFill>
-                </a:endParaRPr>
               </a:p>
               <a:p>
                 <a:pPr marL="45720" indent="0">
@@ -7181,26 +7126,18 @@
                       <a:schemeClr val="tx1"/>
                     </a:solidFill>
                   </a:rPr>
-                  <a:t>	(</a:t>
-                </a:r>
-                <a:r>
-                  <a:rPr lang="en-US" sz="2000" dirty="0" smtClean="0">
+                  <a:t>	(1</a:t>
+                </a:r>
+                <a:r>
+                  <a:rPr lang="ru-RU" sz="2000" dirty="0">
                     <a:solidFill>
                       <a:schemeClr val="tx1"/>
                     </a:solidFill>
                   </a:rPr>
-                  <a:t>1</a:t>
-                </a:r>
-                <a:r>
-                  <a:rPr lang="ru-RU" sz="2000" dirty="0">
-                    <a:solidFill>
-                      <a:schemeClr val="tx1"/>
-                    </a:solidFill>
-                  </a:rPr>
                   <a:t>4</a:t>
                 </a:r>
                 <a:r>
-                  <a:rPr lang="en-US" sz="2000" dirty="0" smtClean="0">
+                  <a:rPr lang="en-US" sz="2000" dirty="0">
                     <a:solidFill>
                       <a:schemeClr val="tx1"/>
                     </a:solidFill>
@@ -7431,19 +7368,19 @@
               <a:t>Рис</a:t>
             </a:r>
             <a:r>
-              <a:rPr lang="en-US" sz="1600" dirty="0" smtClean="0">
+              <a:rPr lang="en-US" sz="1600" dirty="0">
                 <a:ea typeface="Times New Roman" panose="02020603050405020304" pitchFamily="18" charset="0"/>
               </a:rPr>
               <a:t>.</a:t>
             </a:r>
             <a:r>
-              <a:rPr lang="ru-RU" sz="1600" dirty="0" smtClean="0">
+              <a:rPr lang="ru-RU" sz="1600" dirty="0">
                 <a:ea typeface="Times New Roman" panose="02020603050405020304" pitchFamily="18" charset="0"/>
               </a:rPr>
               <a:t>3</a:t>
             </a:r>
             <a:r>
-              <a:rPr lang="en-US" sz="1600" dirty="0" smtClean="0">
+              <a:rPr lang="en-US" sz="1600" dirty="0">
                 <a:ea typeface="Times New Roman" panose="02020603050405020304" pitchFamily="18" charset="0"/>
               </a:rPr>
               <a:t>. </a:t>
@@ -7454,6 +7391,34 @@
               </a:rPr>
               <a:t>Пример банка треугольных фильтров</a:t>
             </a:r>
+          </a:p>
+        </p:txBody>
+      </p:sp>
+      <p:sp>
+        <p:nvSpPr>
+          <p:cNvPr id="3" name="Номер слайда 2"/>
+          <p:cNvSpPr>
+            <a:spLocks noGrp="1"/>
+          </p:cNvSpPr>
+          <p:nvPr>
+            <p:ph type="sldNum" sz="quarter" idx="12"/>
+          </p:nvPr>
+        </p:nvSpPr>
+        <p:spPr/>
+        <p:txBody>
+          <a:bodyPr/>
+          <a:lstStyle/>
+          <a:p>
+            <a:fld id="{871F4C9F-061D-468D-90C1-298C9849AF70}" type="slidenum">
+              <a:rPr lang="ru-RU" smtClean="0"/>
+              <a:pPr/>
+              <a:t>11</a:t>
+            </a:fld>
+            <a:r>
+              <a:rPr lang="en-US"/>
+              <a:t>/18</a:t>
+            </a:r>
+            <a:endParaRPr lang="ru-RU" dirty="0"/>
           </a:p>
         </p:txBody>
       </p:sp>
@@ -7511,51 +7476,9 @@
           <a:p>
             <a:r>
               <a:rPr lang="ru-RU" sz="3200" dirty="0"/>
-              <a:t>Архитектура нейронной </a:t>
-            </a:r>
-            <a:r>
-              <a:rPr lang="ru-RU" sz="3200" dirty="0" smtClean="0"/>
-              <a:t>сети</a:t>
+              <a:t>Архитектура нейронной сети</a:t>
             </a:r>
             <a:endParaRPr lang="ru-RU" sz="4800" dirty="0"/>
-          </a:p>
-        </p:txBody>
-      </p:sp>
-      <p:sp>
-        <p:nvSpPr>
-          <p:cNvPr id="11" name="Номер слайда 10">
-            <a:extLst>
-              <a:ext uri="{FF2B5EF4-FFF2-40B4-BE49-F238E27FC236}">
-                <a16:creationId xmlns:a16="http://schemas.microsoft.com/office/drawing/2014/main" id="{3A91D745-9CA6-414C-AEAB-25A55984B29C}"/>
-              </a:ext>
-            </a:extLst>
-          </p:cNvPr>
-          <p:cNvSpPr>
-            <a:spLocks noGrp="1"/>
-          </p:cNvSpPr>
-          <p:nvPr>
-            <p:ph type="sldNum" sz="quarter" idx="12"/>
-          </p:nvPr>
-        </p:nvSpPr>
-        <p:spPr/>
-        <p:txBody>
-          <a:bodyPr/>
-          <a:lstStyle/>
-          <a:p>
-            <a:fld id="{871F4C9F-061D-468D-90C1-298C9849AF70}" type="slidenum">
-              <a:rPr lang="ru-RU" smtClean="0"/>
-              <a:pPr/>
-              <a:t>12</a:t>
-            </a:fld>
-            <a:r>
-              <a:rPr lang="en-US"/>
-              <a:t>/</a:t>
-            </a:r>
-            <a:r>
-              <a:rPr lang="ru-RU"/>
-              <a:t>20</a:t>
-            </a:r>
-            <a:endParaRPr lang="ru-RU" dirty="0"/>
           </a:p>
         </p:txBody>
       </p:sp>
@@ -7628,19 +7551,19 @@
               <a:t>Рис</a:t>
             </a:r>
             <a:r>
-              <a:rPr lang="en-US" sz="1600" dirty="0" smtClean="0">
+              <a:rPr lang="en-US" sz="1600" dirty="0">
                 <a:ea typeface="Times New Roman" panose="02020603050405020304" pitchFamily="18" charset="0"/>
               </a:rPr>
               <a:t>.</a:t>
             </a:r>
             <a:r>
-              <a:rPr lang="ru-RU" sz="1600" dirty="0" smtClean="0">
+              <a:rPr lang="ru-RU" sz="1600" dirty="0">
                 <a:ea typeface="Times New Roman" panose="02020603050405020304" pitchFamily="18" charset="0"/>
               </a:rPr>
               <a:t>4</a:t>
             </a:r>
             <a:r>
-              <a:rPr lang="en-US" sz="1600" dirty="0" smtClean="0">
+              <a:rPr lang="en-US" sz="1600" dirty="0">
                 <a:ea typeface="Times New Roman" panose="02020603050405020304" pitchFamily="18" charset="0"/>
               </a:rPr>
               <a:t>. </a:t>
@@ -7690,72 +7613,6 @@
               </a:rPr>
               <a:t>) </a:t>
             </a:r>
-          </a:p>
-        </p:txBody>
-      </p:sp>
-      <p:sp>
-        <p:nvSpPr>
-          <p:cNvPr id="3" name="Нижний колонтитул 2">
-            <a:extLst>
-              <a:ext uri="{FF2B5EF4-FFF2-40B4-BE49-F238E27FC236}">
-                <a16:creationId xmlns:a16="http://schemas.microsoft.com/office/drawing/2014/main" id="{6796438B-5476-4472-AD3B-0BFF8B3CFC2F}"/>
-              </a:ext>
-            </a:extLst>
-          </p:cNvPr>
-          <p:cNvSpPr>
-            <a:spLocks noGrp="1"/>
-          </p:cNvSpPr>
-          <p:nvPr>
-            <p:ph type="ftr" sz="quarter" idx="11"/>
-          </p:nvPr>
-        </p:nvSpPr>
-        <p:spPr>
-          <a:xfrm>
-            <a:off x="838199" y="6223828"/>
-            <a:ext cx="9695689" cy="365125"/>
-          </a:xfrm>
-        </p:spPr>
-        <p:txBody>
-          <a:bodyPr/>
-          <a:lstStyle/>
-          <a:p>
-            <a:r>
-              <a:rPr lang="en-US" sz="1200" dirty="0">
-                <a:solidFill>
-                  <a:schemeClr val="accent1">
-                    <a:lumMod val="75000"/>
-                  </a:schemeClr>
-                </a:solidFill>
-              </a:rPr>
-              <a:t>[3] F. </a:t>
-            </a:r>
-            <a:r>
-              <a:rPr lang="en-US" sz="1200" dirty="0" err="1">
-                <a:solidFill>
-                  <a:schemeClr val="accent1">
-                    <a:lumMod val="75000"/>
-                  </a:schemeClr>
-                </a:solidFill>
-              </a:rPr>
-              <a:t>Korzeniowski</a:t>
-            </a:r>
-            <a:r>
-              <a:rPr lang="en-US" sz="1200" dirty="0">
-                <a:solidFill>
-                  <a:schemeClr val="accent1">
-                    <a:lumMod val="75000"/>
-                  </a:schemeClr>
-                </a:solidFill>
-              </a:rPr>
-              <a:t>. Harmonic Analysis of Musical Audio using Deep Neural Networks // Linz, September 2018.</a:t>
-            </a:r>
-            <a:endParaRPr lang="ru-RU" sz="1200" dirty="0">
-              <a:solidFill>
-                <a:schemeClr val="accent1">
-                  <a:lumMod val="75000"/>
-                </a:schemeClr>
-              </a:solidFill>
-            </a:endParaRPr>
           </a:p>
         </p:txBody>
       </p:sp>
@@ -8021,7 +7878,7 @@
                   <a:buNone/>
                 </a:pPr>
                 <a:r>
-                  <a:rPr lang="ru-RU" sz="2000" u="sng" dirty="0" smtClean="0">
+                  <a:rPr lang="ru-RU" sz="2000" u="sng" dirty="0">
                     <a:solidFill>
                       <a:schemeClr val="tx1"/>
                     </a:solidFill>
@@ -8037,7 +7894,7 @@
                   <a:t>нейросети</a:t>
                 </a:r>
                 <a:r>
-                  <a:rPr lang="ru-RU" sz="2000" u="sng" dirty="0" smtClean="0">
+                  <a:rPr lang="ru-RU" sz="2000" u="sng" dirty="0">
                     <a:solidFill>
                       <a:schemeClr val="tx1"/>
                     </a:solidFill>
@@ -8055,7 +7912,7 @@
                   </a:spcBef>
                 </a:pPr>
                 <a:r>
-                  <a:rPr lang="ru-RU" sz="2000" dirty="0" smtClean="0">
+                  <a:rPr lang="ru-RU" sz="2000" dirty="0">
                     <a:solidFill>
                       <a:schemeClr val="tx1"/>
                     </a:solidFill>
@@ -8063,7 +7920,7 @@
                   <a:t>Функция активации скрытых слоев – </a:t>
                 </a:r>
                 <a:r>
-                  <a:rPr lang="en-US" sz="2000" dirty="0" err="1" smtClean="0">
+                  <a:rPr lang="en-US" sz="2000" dirty="0" err="1">
                     <a:solidFill>
                       <a:schemeClr val="tx1"/>
                     </a:solidFill>
@@ -8071,7 +7928,7 @@
                   <a:t>ReLU</a:t>
                 </a:r>
                 <a:r>
-                  <a:rPr lang="ru-RU" sz="2000" dirty="0" smtClean="0">
+                  <a:rPr lang="ru-RU" sz="2000" dirty="0">
                     <a:solidFill>
                       <a:schemeClr val="tx1"/>
                     </a:solidFill>
@@ -8092,7 +7949,7 @@
                   </m:oMath>
                 </a14:m>
                 <a:r>
-                  <a:rPr lang="en-US" sz="2000" dirty="0" smtClean="0">
+                  <a:rPr lang="en-US" sz="2000" dirty="0">
                     <a:solidFill>
                       <a:schemeClr val="tx1"/>
                     </a:solidFill>
@@ -8130,6 +7987,27 @@
                   </a:rPr>
                   <a:t>softmax</a:t>
                 </a:r>
+                <a:r>
+                  <a:rPr lang="ru-RU" sz="2000" dirty="0">
+                    <a:solidFill>
+                      <a:schemeClr val="tx1"/>
+                    </a:solidFill>
+                  </a:rPr>
+                  <a:t>, количество узлов - </a:t>
+                </a:r>
+                <a14:m>
+                  <m:oMath xmlns:m="http://schemas.openxmlformats.org/officeDocument/2006/math">
+                    <m:r>
+                      <a:rPr lang="ru-RU" sz="2000" i="1" dirty="0" smtClean="0">
+                        <a:solidFill>
+                          <a:schemeClr val="tx1"/>
+                        </a:solidFill>
+                        <a:latin typeface="Cambria Math" panose="02040503050406030204" pitchFamily="18" charset="0"/>
+                      </a:rPr>
+                      <m:t>12</m:t>
+                    </m:r>
+                  </m:oMath>
+                </a14:m>
                 <a:r>
                   <a:rPr lang="en-US" sz="2000" dirty="0">
                     <a:solidFill>
@@ -8426,33 +8304,25 @@
                       <a:schemeClr val="tx1"/>
                     </a:solidFill>
                   </a:rPr>
-                  <a:t>, </a:t>
-                </a:r>
-                <a:r>
-                  <a:rPr lang="en-US" sz="2000" dirty="0" smtClean="0">
+                  <a:t>, 		(1</a:t>
+                </a:r>
+                <a:r>
+                  <a:rPr lang="ru-RU" sz="2000" dirty="0">
                     <a:solidFill>
                       <a:schemeClr val="tx1"/>
                     </a:solidFill>
                   </a:rPr>
-                  <a:t>		(1</a:t>
-                </a:r>
-                <a:r>
-                  <a:rPr lang="ru-RU" sz="2000" dirty="0" smtClean="0">
+                  <a:t>5</a:t>
+                </a:r>
+                <a:r>
+                  <a:rPr lang="en-US" sz="2000" dirty="0">
                     <a:solidFill>
                       <a:schemeClr val="tx1"/>
                     </a:solidFill>
                   </a:rPr>
-                  <a:t>5</a:t>
-                </a:r>
-                <a:r>
-                  <a:rPr lang="en-US" sz="2000" dirty="0" smtClean="0">
-                    <a:solidFill>
-                      <a:schemeClr val="tx1"/>
-                    </a:solidFill>
-                  </a:rPr>
                   <a:t>)</a:t>
                 </a:r>
-                <a:endParaRPr lang="ru-RU" sz="2000" dirty="0" smtClean="0">
+                <a:endParaRPr lang="ru-RU" sz="2000" dirty="0">
                   <a:solidFill>
                     <a:schemeClr val="tx1"/>
                   </a:solidFill>
@@ -8469,7 +8339,7 @@
                   <a:buNone/>
                 </a:pPr>
                 <a:r>
-                  <a:rPr lang="ru-RU" sz="2000" dirty="0" smtClean="0">
+                  <a:rPr lang="ru-RU" sz="2000" dirty="0">
                     <a:solidFill>
                       <a:schemeClr val="tx1"/>
                     </a:solidFill>
@@ -8562,7 +8432,7 @@
                   <a:t>softmax</a:t>
                 </a:r>
                 <a:r>
-                  <a:rPr lang="en-US" sz="2000" dirty="0" smtClean="0">
+                  <a:rPr lang="en-US" sz="2000" dirty="0">
                     <a:solidFill>
                       <a:schemeClr val="tx1"/>
                     </a:solidFill>
@@ -8634,7 +8504,7 @@
             <p:spPr>
               <a:xfrm>
                 <a:off x="731303" y="4315068"/>
-                <a:ext cx="10902400" cy="1223605"/>
+                <a:ext cx="10902400" cy="1297984"/>
               </a:xfrm>
               <a:prstGeom prst="rect">
                 <a:avLst/>
@@ -8664,14 +8534,13 @@
                   <a:t>Метрика – </a:t>
                 </a:r>
                 <a:r>
-                  <a:rPr lang="en-US" sz="2000" dirty="0" smtClean="0"/>
+                  <a:rPr lang="en-US" sz="2000" dirty="0"/>
                   <a:t>accuracy</a:t>
                 </a:r>
                 <a:r>
-                  <a:rPr lang="ru-RU" sz="2000" dirty="0" smtClean="0"/>
+                  <a:rPr lang="ru-RU" sz="2000" dirty="0"/>
                   <a:t>:</a:t>
                 </a:r>
-                <a:endParaRPr lang="ru-RU" sz="2000" dirty="0"/>
               </a:p>
               <a:p>
                 <a:pPr marL="45720" indent="0" algn="r">
@@ -8686,13 +8555,13 @@
                 <a14:m>
                   <m:oMath xmlns:m="http://schemas.openxmlformats.org/officeDocument/2006/math">
                     <m:r>
-                      <a:rPr lang="en-US" i="1">
+                      <a:rPr lang="en-US" sz="2000" i="1">
                         <a:latin typeface="Cambria Math" panose="02040503050406030204" pitchFamily="18" charset="0"/>
                       </a:rPr>
                       <m:t>𝑎𝑐𝑐𝑢𝑟𝑎𝑐𝑦</m:t>
                     </m:r>
                     <m:r>
-                      <a:rPr lang="en-US" i="1">
+                      <a:rPr lang="en-US" sz="2000" i="1">
                         <a:latin typeface="Cambria Math" panose="02040503050406030204" pitchFamily="18" charset="0"/>
                       </a:rPr>
                       <m:t>=</m:t>
@@ -8700,14 +8569,14 @@
                     <m:f>
                       <m:fPr>
                         <m:ctrlPr>
-                          <a:rPr lang="en-US" i="1">
+                          <a:rPr lang="en-US" sz="2000" i="1">
                             <a:latin typeface="Cambria Math" panose="02040503050406030204" pitchFamily="18" charset="0"/>
                           </a:rPr>
                         </m:ctrlPr>
                       </m:fPr>
                       <m:num>
                         <m:r>
-                          <a:rPr lang="en-US" i="1">
+                          <a:rPr lang="en-US" sz="2000" i="1">
                             <a:latin typeface="Cambria Math" panose="02040503050406030204" pitchFamily="18" charset="0"/>
                           </a:rPr>
                           <m:t>1</m:t>
@@ -8715,7 +8584,7 @@
                       </m:num>
                       <m:den>
                         <m:r>
-                          <a:rPr lang="en-US" i="1">
+                          <a:rPr lang="en-US" sz="2000" i="1">
                             <a:latin typeface="Cambria Math" panose="02040503050406030204" pitchFamily="18" charset="0"/>
                           </a:rPr>
                           <m:t>𝑛</m:t>
@@ -8723,7 +8592,7 @@
                       </m:den>
                     </m:f>
                     <m:r>
-                      <a:rPr lang="en-US" i="1">
+                      <a:rPr lang="en-US" sz="2000" i="1">
                         <a:latin typeface="Cambria Math" panose="02040503050406030204" pitchFamily="18" charset="0"/>
                       </a:rPr>
                       <m:t>∙</m:t>
@@ -8732,20 +8601,20 @@
                       <m:naryPr>
                         <m:chr m:val="∑"/>
                         <m:ctrlPr>
-                          <a:rPr lang="en-US" i="1">
+                          <a:rPr lang="en-US" sz="2000" i="1">
                             <a:latin typeface="Cambria Math" panose="02040503050406030204" pitchFamily="18" charset="0"/>
                           </a:rPr>
                         </m:ctrlPr>
                       </m:naryPr>
                       <m:sub>
                         <m:r>
-                          <a:rPr lang="en-US" i="1">
+                          <a:rPr lang="en-US" sz="2000" i="1">
                             <a:latin typeface="Cambria Math" panose="02040503050406030204" pitchFamily="18" charset="0"/>
                           </a:rPr>
                           <m:t>𝑖</m:t>
                         </m:r>
                         <m:r>
-                          <a:rPr lang="en-US" i="1">
+                          <a:rPr lang="en-US" sz="2000" i="1">
                             <a:latin typeface="Cambria Math" panose="02040503050406030204" pitchFamily="18" charset="0"/>
                           </a:rPr>
                           <m:t>=1</m:t>
@@ -8753,7 +8622,7 @@
                       </m:sub>
                       <m:sup>
                         <m:r>
-                          <a:rPr lang="en-US" i="1">
+                          <a:rPr lang="en-US" sz="2000" i="1">
                             <a:latin typeface="Cambria Math" panose="02040503050406030204" pitchFamily="18" charset="0"/>
                           </a:rPr>
                           <m:t>𝑛</m:t>
@@ -8765,7 +8634,7 @@
                             <m:begChr m:val="["/>
                             <m:endChr m:val="]"/>
                             <m:ctrlPr>
-                              <a:rPr lang="en-US" i="1">
+                              <a:rPr lang="en-US" sz="2000" i="1">
                                 <a:latin typeface="Cambria Math" panose="02040503050406030204" pitchFamily="18" charset="0"/>
                               </a:rPr>
                             </m:ctrlPr>
@@ -8774,7 +8643,7 @@
                             <m:d>
                               <m:dPr>
                                 <m:ctrlPr>
-                                  <a:rPr lang="en-US" i="1">
+                                  <a:rPr lang="en-US" sz="2000" i="1">
                                     <a:latin typeface="Cambria Math" panose="02040503050406030204" pitchFamily="18" charset="0"/>
                                   </a:rPr>
                                 </m:ctrlPr>
@@ -8783,14 +8652,14 @@
                                 <m:sSubSup>
                                   <m:sSubSupPr>
                                     <m:ctrlPr>
-                                      <a:rPr lang="en-US" i="1">
+                                      <a:rPr lang="en-US" sz="2000" i="1">
                                         <a:latin typeface="Cambria Math" panose="02040503050406030204" pitchFamily="18" charset="0"/>
                                       </a:rPr>
                                     </m:ctrlPr>
                                   </m:sSubSupPr>
                                   <m:e>
                                     <m:r>
-                                      <a:rPr lang="en-US" i="1">
+                                      <a:rPr lang="en-US" sz="2000" i="1">
                                         <a:latin typeface="Cambria Math" panose="02040503050406030204" pitchFamily="18" charset="0"/>
                                       </a:rPr>
                                       <m:t>𝑦</m:t>
@@ -8798,7 +8667,7 @@
                                   </m:e>
                                   <m:sub>
                                     <m:r>
-                                      <a:rPr lang="en-US" i="1">
+                                      <a:rPr lang="en-US" sz="2000" i="1">
                                         <a:latin typeface="Cambria Math" panose="02040503050406030204" pitchFamily="18" charset="0"/>
                                       </a:rPr>
                                       <m:t>𝑡𝑒𝑠𝑡</m:t>
@@ -8806,7 +8675,7 @@
                                   </m:sub>
                                   <m:sup>
                                     <m:r>
-                                      <a:rPr lang="en-US" i="1">
+                                      <a:rPr lang="en-US" sz="2000" i="1">
                                         <a:latin typeface="Cambria Math" panose="02040503050406030204" pitchFamily="18" charset="0"/>
                                       </a:rPr>
                                       <m:t>𝑖</m:t>
@@ -8814,7 +8683,7 @@
                                   </m:sup>
                                 </m:sSubSup>
                                 <m:r>
-                                  <a:rPr lang="en-US" i="1">
+                                  <a:rPr lang="en-US" sz="2000" i="1">
                                     <a:latin typeface="Cambria Math" panose="02040503050406030204" pitchFamily="18" charset="0"/>
                                   </a:rPr>
                                   <m:t>==</m:t>
@@ -8822,14 +8691,14 @@
                                 <m:sSubSup>
                                   <m:sSubSupPr>
                                     <m:ctrlPr>
-                                      <a:rPr lang="en-US" i="1">
+                                      <a:rPr lang="en-US" sz="2000" i="1">
                                         <a:latin typeface="Cambria Math" panose="02040503050406030204" pitchFamily="18" charset="0"/>
                                       </a:rPr>
                                     </m:ctrlPr>
                                   </m:sSubSupPr>
                                   <m:e>
                                     <m:r>
-                                      <a:rPr lang="en-US" i="1">
+                                      <a:rPr lang="en-US" sz="2000" i="1">
                                         <a:latin typeface="Cambria Math" panose="02040503050406030204" pitchFamily="18" charset="0"/>
                                       </a:rPr>
                                       <m:t>𝑦</m:t>
@@ -8837,7 +8706,7 @@
                                   </m:e>
                                   <m:sub>
                                     <m:r>
-                                      <a:rPr lang="en-US" i="1">
+                                      <a:rPr lang="en-US" sz="2000" i="1">
                                         <a:latin typeface="Cambria Math" panose="02040503050406030204" pitchFamily="18" charset="0"/>
                                       </a:rPr>
                                       <m:t>𝑡𝑟𝑢𝑒</m:t>
@@ -8845,7 +8714,7 @@
                                   </m:sub>
                                   <m:sup>
                                     <m:r>
-                                      <a:rPr lang="en-US" i="1">
+                                      <a:rPr lang="en-US" sz="2000" i="1">
                                         <a:latin typeface="Cambria Math" panose="02040503050406030204" pitchFamily="18" charset="0"/>
                                       </a:rPr>
                                       <m:t>𝑖</m:t>
@@ -8861,26 +8730,26 @@
                   </m:oMath>
                 </a14:m>
                 <a:r>
-                  <a:rPr lang="en-US" dirty="0"/>
+                  <a:rPr lang="en-US" sz="2000" dirty="0"/>
                   <a:t>,		</a:t>
                 </a:r>
                 <a:r>
-                  <a:rPr lang="ru-RU" dirty="0" smtClean="0"/>
+                  <a:rPr lang="ru-RU" sz="2000" dirty="0"/>
                   <a:t>					</a:t>
                 </a:r>
                 <a:r>
-                  <a:rPr lang="en-US" dirty="0" smtClean="0"/>
+                  <a:rPr lang="en-US" sz="2000" dirty="0"/>
                   <a:t>(1</a:t>
                 </a:r>
                 <a:r>
-                  <a:rPr lang="ru-RU" dirty="0" smtClean="0"/>
+                  <a:rPr lang="ru-RU" sz="2000" dirty="0"/>
                   <a:t>6</a:t>
                 </a:r>
                 <a:r>
-                  <a:rPr lang="en-US" dirty="0" smtClean="0"/>
+                  <a:rPr lang="en-US" sz="2000" dirty="0"/>
                   <a:t>)</a:t>
                 </a:r>
-                <a:endParaRPr lang="ru-RU" dirty="0" smtClean="0"/>
+                <a:endParaRPr lang="ru-RU" sz="2000" dirty="0"/>
               </a:p>
               <a:p>
                 <a:pPr marL="45720" indent="0">
@@ -8893,17 +8762,13 @@
                   <a:buNone/>
                 </a:pPr>
                 <a:r>
-                  <a:rPr lang="ru-RU" dirty="0"/>
-                  <a:t>г</a:t>
-                </a:r>
-                <a:r>
-                  <a:rPr lang="ru-RU" dirty="0" smtClean="0"/>
-                  <a:t>де </a:t>
+                  <a:rPr lang="ru-RU" sz="2000" dirty="0"/>
+                  <a:t>где </a:t>
                 </a:r>
                 <a14:m>
                   <m:oMath xmlns:m="http://schemas.openxmlformats.org/officeDocument/2006/math">
                     <m:r>
-                      <a:rPr lang="en-US">
+                      <a:rPr lang="en-US" sz="2000">
                         <a:latin typeface="Cambria Math" panose="02040503050406030204" pitchFamily="18" charset="0"/>
                       </a:rPr>
                       <m:t>𝑛</m:t>
@@ -8911,11 +8776,11 @@
                   </m:oMath>
                 </a14:m>
                 <a:r>
-                  <a:rPr lang="en-US" dirty="0"/>
+                  <a:rPr lang="en-US" sz="2000" dirty="0"/>
                   <a:t> – </a:t>
                 </a:r>
                 <a:r>
-                  <a:rPr lang="ru-RU" dirty="0"/>
+                  <a:rPr lang="ru-RU" sz="2000" dirty="0"/>
                   <a:t>количество меток, </a:t>
                 </a:r>
                 <a14:m>
@@ -8923,14 +8788,14 @@
                     <m:sSub>
                       <m:sSubPr>
                         <m:ctrlPr>
-                          <a:rPr lang="en-US" i="1">
+                          <a:rPr lang="en-US" sz="2000" i="1">
                             <a:latin typeface="Cambria Math" panose="02040503050406030204" pitchFamily="18" charset="0"/>
                           </a:rPr>
                         </m:ctrlPr>
                       </m:sSubPr>
                       <m:e>
                         <m:r>
-                          <a:rPr lang="en-US">
+                          <a:rPr lang="en-US" sz="2000">
                             <a:latin typeface="Cambria Math" panose="02040503050406030204" pitchFamily="18" charset="0"/>
                           </a:rPr>
                           <m:t>𝑦</m:t>
@@ -8938,7 +8803,7 @@
                       </m:e>
                       <m:sub>
                         <m:r>
-                          <a:rPr lang="en-US">
+                          <a:rPr lang="en-US" sz="2000">
                             <a:latin typeface="Cambria Math" panose="02040503050406030204" pitchFamily="18" charset="0"/>
                           </a:rPr>
                           <m:t>𝑡𝑒𝑠𝑡</m:t>
@@ -8948,29 +8813,29 @@
                   </m:oMath>
                 </a14:m>
                 <a:r>
-                  <a:rPr lang="en-US" dirty="0"/>
+                  <a:rPr lang="en-US" sz="2000" dirty="0"/>
                   <a:t> - </a:t>
                 </a:r>
                 <a:r>
-                  <a:rPr lang="ru-RU" dirty="0"/>
+                  <a:rPr lang="ru-RU" sz="2000" dirty="0"/>
                   <a:t>вектор полученных меток, </a:t>
                 </a:r>
                 <a14:m>
                   <m:oMath xmlns:m="http://schemas.openxmlformats.org/officeDocument/2006/math">
                     <m:r>
-                      <a:rPr lang="en-US">
+                      <a:rPr lang="en-US" sz="2000">
                         <a:latin typeface="Cambria Math" panose="02040503050406030204" pitchFamily="18" charset="0"/>
                       </a:rPr>
                       <m:t>𝑦</m:t>
                     </m:r>
                     <m:r>
-                      <a:rPr lang="en-US">
+                      <a:rPr lang="en-US" sz="2000">
                         <a:latin typeface="Cambria Math" panose="02040503050406030204" pitchFamily="18" charset="0"/>
                       </a:rPr>
                       <m:t>_</m:t>
                     </m:r>
                     <m:r>
-                      <a:rPr lang="en-US">
+                      <a:rPr lang="en-US" sz="2000">
                         <a:latin typeface="Cambria Math" panose="02040503050406030204" pitchFamily="18" charset="0"/>
                       </a:rPr>
                       <m:t>𝑡𝑟𝑢𝑒</m:t>
@@ -8978,22 +8843,13 @@
                   </m:oMath>
                 </a14:m>
                 <a:r>
-                  <a:rPr lang="en-US" dirty="0"/>
+                  <a:rPr lang="en-US" sz="2000" dirty="0"/>
                   <a:t> – </a:t>
                 </a:r>
                 <a:r>
-                  <a:rPr lang="ru-RU" dirty="0"/>
-                  <a:t>вектор верных </a:t>
-                </a:r>
-                <a:r>
-                  <a:rPr lang="ru-RU" dirty="0" smtClean="0"/>
-                  <a:t>меток</a:t>
-                </a:r>
-                <a:r>
-                  <a:rPr lang="ru-RU" dirty="0"/>
-                  <a:t>.</a:t>
-                </a:r>
-                <a:endParaRPr lang="en-US" dirty="0"/>
+                  <a:rPr lang="ru-RU" sz="2000" dirty="0"/>
+                  <a:t>вектор верных меток.</a:t>
+                </a:r>
               </a:p>
             </p:txBody>
           </p:sp>
@@ -9010,7 +8866,7 @@
             <p:spPr>
               <a:xfrm>
                 <a:off x="731303" y="4315068"/>
-                <a:ext cx="10902400" cy="1223605"/>
+                <a:ext cx="10902400" cy="1297984"/>
               </a:xfrm>
               <a:prstGeom prst="rect">
                 <a:avLst/>
@@ -9018,7 +8874,7 @@
               <a:blipFill>
                 <a:blip r:embed="rId4"/>
                 <a:stretch>
-                  <a:fillRect l="-503" t="-2985" r="-447" b="-21891"/>
+                  <a:fillRect l="-503" t="-3756" r="-559" b="-21596"/>
                 </a:stretch>
               </a:blipFill>
             </p:spPr>
@@ -9037,6 +8893,87 @@
           </p:sp>
         </mc:Fallback>
       </mc:AlternateContent>
+      <p:sp>
+        <p:nvSpPr>
+          <p:cNvPr id="4" name="Номер слайда 3"/>
+          <p:cNvSpPr>
+            <a:spLocks noGrp="1"/>
+          </p:cNvSpPr>
+          <p:nvPr>
+            <p:ph type="sldNum" sz="quarter" idx="12"/>
+          </p:nvPr>
+        </p:nvSpPr>
+        <p:spPr/>
+        <p:txBody>
+          <a:bodyPr/>
+          <a:lstStyle/>
+          <a:p>
+            <a:fld id="{871F4C9F-061D-468D-90C1-298C9849AF70}" type="slidenum">
+              <a:rPr lang="ru-RU" smtClean="0"/>
+              <a:pPr/>
+              <a:t>12</a:t>
+            </a:fld>
+            <a:r>
+              <a:rPr lang="en-US"/>
+              <a:t>/18</a:t>
+            </a:r>
+            <a:endParaRPr lang="ru-RU" dirty="0"/>
+          </a:p>
+        </p:txBody>
+      </p:sp>
+      <p:sp>
+        <p:nvSpPr>
+          <p:cNvPr id="12" name="Нижний колонтитул 5"/>
+          <p:cNvSpPr>
+            <a:spLocks noGrp="1"/>
+          </p:cNvSpPr>
+          <p:nvPr>
+            <p:ph type="ftr" sz="quarter" idx="11"/>
+          </p:nvPr>
+        </p:nvSpPr>
+        <p:spPr>
+          <a:xfrm>
+            <a:off x="958119" y="6223828"/>
+            <a:ext cx="9348109" cy="365125"/>
+          </a:xfrm>
+        </p:spPr>
+        <p:txBody>
+          <a:bodyPr/>
+          <a:lstStyle/>
+          <a:p>
+            <a:pPr lvl="0"/>
+            <a:r>
+              <a:rPr lang="en-US" sz="1200" dirty="0">
+                <a:solidFill>
+                  <a:schemeClr val="accent1"/>
+                </a:solidFill>
+              </a:rPr>
+              <a:t>[3] F. </a:t>
+            </a:r>
+            <a:r>
+              <a:rPr lang="en-US" sz="1200" dirty="0" err="1">
+                <a:solidFill>
+                  <a:schemeClr val="accent1"/>
+                </a:solidFill>
+              </a:rPr>
+              <a:t>Korzeniowski</a:t>
+            </a:r>
+            <a:r>
+              <a:rPr lang="en-US" sz="1200" dirty="0">
+                <a:solidFill>
+                  <a:schemeClr val="accent1"/>
+                </a:solidFill>
+              </a:rPr>
+              <a:t>. Harmonic Analysis of Musical Audio using Deep Neural Networks // Linz, September 2018.</a:t>
+            </a:r>
+            <a:endParaRPr lang="ru-RU" sz="1200" dirty="0">
+              <a:solidFill>
+                <a:schemeClr val="accent1"/>
+              </a:solidFill>
+            </a:endParaRPr>
+          </a:p>
+        </p:txBody>
+      </p:sp>
     </p:spTree>
     <p:extLst>
       <p:ext uri="{BB962C8B-B14F-4D97-AF65-F5344CB8AC3E}">
@@ -9091,11 +9028,7 @@
           <a:p>
             <a:r>
               <a:rPr lang="ru-RU" sz="3200" dirty="0"/>
-              <a:t>Подача данных на вход. Сопоставление номера класса и </a:t>
-            </a:r>
-            <a:r>
-              <a:rPr lang="ru-RU" sz="3200" dirty="0" smtClean="0"/>
-              <a:t>ноты</a:t>
+              <a:t>Подача данных на вход. </a:t>
             </a:r>
             <a:endParaRPr lang="ru-RU" sz="4800" dirty="0"/>
           </a:p>
@@ -9103,13 +9036,203 @@
       </p:sp>
       <p:sp>
         <p:nvSpPr>
-          <p:cNvPr id="11" name="Номер слайда 10">
+          <p:cNvPr id="7" name="Объект 4">
             <a:extLst>
               <a:ext uri="{FF2B5EF4-FFF2-40B4-BE49-F238E27FC236}">
-                <a16:creationId xmlns:a16="http://schemas.microsoft.com/office/drawing/2014/main" id="{3A91D745-9CA6-414C-AEAB-25A55984B29C}"/>
+                <a16:creationId xmlns:a16="http://schemas.microsoft.com/office/drawing/2014/main" id="{CECBFFEE-5029-4E7A-AB57-EE46E254E3E1}"/>
               </a:ext>
             </a:extLst>
           </p:cNvPr>
+          <p:cNvSpPr>
+            <a:spLocks noGrp="1"/>
+          </p:cNvSpPr>
+          <p:nvPr>
+            <p:ph idx="1"/>
+          </p:nvPr>
+        </p:nvSpPr>
+        <p:spPr>
+          <a:xfrm>
+            <a:off x="838197" y="1212290"/>
+            <a:ext cx="10515599" cy="2958058"/>
+          </a:xfrm>
+        </p:spPr>
+        <p:txBody>
+          <a:bodyPr/>
+          <a:lstStyle/>
+          <a:p>
+            <a:pPr marL="45720" indent="0">
+              <a:spcBef>
+                <a:spcPts val="600"/>
+              </a:spcBef>
+              <a:buNone/>
+            </a:pPr>
+            <a:r>
+              <a:rPr lang="ru-RU" sz="2000" u="sng" dirty="0">
+                <a:solidFill>
+                  <a:schemeClr val="tx1"/>
+                </a:solidFill>
+              </a:rPr>
+              <a:t>Входные данные</a:t>
+            </a:r>
+            <a:r>
+              <a:rPr lang="ru-RU" sz="2000" u="sng" dirty="0" smtClean="0">
+                <a:solidFill>
+                  <a:schemeClr val="tx1"/>
+                </a:solidFill>
+              </a:rPr>
+              <a:t>:</a:t>
+            </a:r>
+          </a:p>
+          <a:p>
+            <a:pPr marL="45720" indent="0">
+              <a:spcBef>
+                <a:spcPts val="600"/>
+              </a:spcBef>
+              <a:buNone/>
+            </a:pPr>
+            <a:endParaRPr lang="ru-RU" sz="2000" u="sng" dirty="0">
+              <a:solidFill>
+                <a:schemeClr val="tx1"/>
+              </a:solidFill>
+            </a:endParaRPr>
+          </a:p>
+          <a:p>
+            <a:pPr marL="45720" indent="0">
+              <a:spcBef>
+                <a:spcPts val="600"/>
+              </a:spcBef>
+              <a:buNone/>
+            </a:pPr>
+            <a:r>
+              <a:rPr lang="ru-RU" sz="2000" i="1" dirty="0">
+                <a:solidFill>
+                  <a:schemeClr val="tx1"/>
+                </a:solidFill>
+              </a:rPr>
+              <a:t>Подход 1</a:t>
+            </a:r>
+            <a:r>
+              <a:rPr lang="ru-RU" sz="2000" dirty="0">
+                <a:solidFill>
+                  <a:schemeClr val="tx1"/>
+                </a:solidFill>
+              </a:rPr>
+              <a:t> – спектрограммы, полученные из спектра сигнала (модель 1</a:t>
+            </a:r>
+            <a:r>
+              <a:rPr lang="ru-RU" sz="2000" dirty="0" smtClean="0">
+                <a:solidFill>
+                  <a:schemeClr val="tx1"/>
+                </a:solidFill>
+              </a:rPr>
+              <a:t>);</a:t>
+            </a:r>
+          </a:p>
+          <a:p>
+            <a:pPr marL="45720" indent="0">
+              <a:spcBef>
+                <a:spcPts val="600"/>
+              </a:spcBef>
+              <a:buNone/>
+            </a:pPr>
+            <a:endParaRPr lang="ru-RU" sz="2000" dirty="0">
+              <a:solidFill>
+                <a:schemeClr val="tx1"/>
+              </a:solidFill>
+            </a:endParaRPr>
+          </a:p>
+          <a:p>
+            <a:pPr marL="45720" indent="0">
+              <a:spcBef>
+                <a:spcPts val="600"/>
+              </a:spcBef>
+              <a:buNone/>
+            </a:pPr>
+            <a:r>
+              <a:rPr lang="ru-RU" sz="2000" i="1" dirty="0">
+                <a:solidFill>
+                  <a:schemeClr val="tx1"/>
+                </a:solidFill>
+              </a:rPr>
+              <a:t>Подход 2</a:t>
+            </a:r>
+            <a:r>
+              <a:rPr lang="ru-RU" sz="2000" dirty="0">
+                <a:solidFill>
+                  <a:schemeClr val="tx1"/>
+                </a:solidFill>
+              </a:rPr>
+              <a:t> – спектрограммы, полученные из мел-</a:t>
+            </a:r>
+            <a:r>
+              <a:rPr lang="ru-RU" sz="2000" dirty="0" err="1">
+                <a:solidFill>
+                  <a:schemeClr val="tx1"/>
+                </a:solidFill>
+              </a:rPr>
+              <a:t>кепстра</a:t>
+            </a:r>
+            <a:r>
+              <a:rPr lang="ru-RU" sz="2000" dirty="0">
+                <a:solidFill>
+                  <a:schemeClr val="tx1"/>
+                </a:solidFill>
+              </a:rPr>
+              <a:t> (модель 2</a:t>
+            </a:r>
+            <a:r>
+              <a:rPr lang="ru-RU" sz="2000" dirty="0" smtClean="0">
+                <a:solidFill>
+                  <a:schemeClr val="tx1"/>
+                </a:solidFill>
+              </a:rPr>
+              <a:t>).</a:t>
+            </a:r>
+          </a:p>
+          <a:p>
+            <a:pPr marL="45720" indent="0">
+              <a:spcBef>
+                <a:spcPts val="600"/>
+              </a:spcBef>
+              <a:buNone/>
+            </a:pPr>
+            <a:endParaRPr lang="ru-RU" sz="2000" dirty="0">
+              <a:solidFill>
+                <a:schemeClr val="tx1"/>
+              </a:solidFill>
+            </a:endParaRPr>
+          </a:p>
+          <a:p>
+            <a:pPr marL="45720" indent="0">
+              <a:spcBef>
+                <a:spcPts val="600"/>
+              </a:spcBef>
+              <a:buNone/>
+            </a:pPr>
+            <a:r>
+              <a:rPr lang="ru-RU" sz="2000" dirty="0">
+                <a:solidFill>
+                  <a:schemeClr val="tx1"/>
+                </a:solidFill>
+              </a:rPr>
+              <a:t>Подаем данные пакетами по 64 вектора.</a:t>
+            </a:r>
+          </a:p>
+          <a:p>
+            <a:pPr marL="45720" indent="0">
+              <a:buNone/>
+            </a:pPr>
+            <a:endParaRPr lang="en-US" sz="2000" dirty="0">
+              <a:solidFill>
+                <a:schemeClr val="tx1"/>
+              </a:solidFill>
+            </a:endParaRPr>
+          </a:p>
+        </p:txBody>
+      </p:sp>
+      <p:sp>
+        <p:nvSpPr>
+          <p:cNvPr id="3" name="Номер слайда 2"/>
           <p:cNvSpPr>
             <a:spLocks noGrp="1"/>
           </p:cNvSpPr>
@@ -9129,18 +9252,74 @@
             </a:fld>
             <a:r>
               <a:rPr lang="en-US"/>
-              <a:t>/</a:t>
-            </a:r>
-            <a:r>
-              <a:rPr lang="ru-RU"/>
-              <a:t>20</a:t>
+              <a:t>/18</a:t>
             </a:r>
             <a:endParaRPr lang="ru-RU" dirty="0"/>
           </a:p>
         </p:txBody>
       </p:sp>
-      <mc:AlternateContent xmlns:mc="http://schemas.openxmlformats.org/markup-compatibility/2006" xmlns:a14="http://schemas.microsoft.com/office/drawing/2010/main">
-        <mc:Choice Requires="a14">
+    </p:spTree>
+    <p:extLst>
+      <p:ext uri="{BB962C8B-B14F-4D97-AF65-F5344CB8AC3E}">
+        <p14:creationId xmlns:p14="http://schemas.microsoft.com/office/powerpoint/2010/main" val="3417499116"/>
+      </p:ext>
+    </p:extLst>
+  </p:cSld>
+  <p:clrMapOvr>
+    <a:masterClrMapping/>
+  </p:clrMapOvr>
+</p:sld>
+</file>
+
+<file path=ppt/slides/slide14.xml><?xml version="1.0" encoding="utf-8"?>
+<p:sld xmlns:a="http://schemas.openxmlformats.org/drawingml/2006/main" xmlns:r="http://schemas.openxmlformats.org/officeDocument/2006/relationships" xmlns:p="http://schemas.openxmlformats.org/presentationml/2006/main">
+  <p:cSld>
+    <p:spTree>
+      <p:nvGrpSpPr>
+        <p:cNvPr id="1" name=""/>
+        <p:cNvGrpSpPr/>
+        <p:nvPr/>
+      </p:nvGrpSpPr>
+      <p:grpSpPr>
+        <a:xfrm>
+          <a:off x="0" y="0"/>
+          <a:ext cx="0" cy="0"/>
+          <a:chOff x="0" y="0"/>
+          <a:chExt cx="0" cy="0"/>
+        </a:xfrm>
+      </p:grpSpPr>
+      <p:sp>
+        <p:nvSpPr>
+          <p:cNvPr id="2" name="Заголовок 1"/>
+          <p:cNvSpPr>
+            <a:spLocks noGrp="1"/>
+          </p:cNvSpPr>
+          <p:nvPr>
+            <p:ph type="title"/>
+          </p:nvPr>
+        </p:nvSpPr>
+        <p:spPr>
+          <a:xfrm>
+            <a:off x="838200" y="365126"/>
+            <a:ext cx="10515600" cy="514106"/>
+          </a:xfrm>
+        </p:spPr>
+        <p:txBody>
+          <a:bodyPr>
+            <a:noAutofit/>
+          </a:bodyPr>
+          <a:lstStyle/>
+          <a:p>
+            <a:r>
+              <a:rPr lang="ru-RU" sz="3200" dirty="0"/>
+              <a:t>Подача данных на вход. Сопоставление номера класса и ноты</a:t>
+            </a:r>
+            <a:endParaRPr lang="ru-RU" sz="4800" dirty="0"/>
+          </a:p>
+        </p:txBody>
+      </p:sp>
+      <mc:AlternateContent xmlns:mc="http://schemas.openxmlformats.org/markup-compatibility/2006">
+        <mc:Choice xmlns:a14="http://schemas.microsoft.com/office/drawing/2010/main" Requires="a14">
           <p:sp>
             <p:nvSpPr>
               <p:cNvPr id="12" name="Объект 4">
@@ -9157,8 +9336,8 @@
             </p:nvSpPr>
             <p:spPr>
               <a:xfrm>
-                <a:off x="838198" y="3073671"/>
-                <a:ext cx="10515599" cy="2919724"/>
+                <a:off x="838198" y="1435693"/>
+                <a:ext cx="10515599" cy="4666004"/>
               </a:xfrm>
               <a:prstGeom prst="rect">
                 <a:avLst/>
@@ -9740,21 +9919,8 @@
                       <a:schemeClr val="tx1"/>
                     </a:solidFill>
                   </a:rPr>
-                  <a:t>отсчетов;			               (</a:t>
-                </a:r>
-                <a:r>
-                  <a:rPr lang="ru-RU" sz="2000" dirty="0" smtClean="0">
-                    <a:solidFill>
-                      <a:schemeClr val="tx1"/>
-                    </a:solidFill>
-                  </a:rPr>
-                  <a:t>17)</a:t>
-                </a:r>
-                <a:endParaRPr lang="ru-RU" sz="2000" dirty="0">
-                  <a:solidFill>
-                    <a:schemeClr val="tx1"/>
-                  </a:solidFill>
-                </a:endParaRPr>
+                  <a:t>отсчетов;			               (17)</a:t>
+                </a:r>
               </a:p>
               <a:p>
                 <a:pPr>
@@ -9804,8 +9970,29 @@
                       <a:schemeClr val="tx1"/>
                     </a:solidFill>
                   </a:rPr>
-                  <a:t> штук.</a:t>
-                </a:r>
+                  <a:t> штук</a:t>
+                </a:r>
+                <a:r>
+                  <a:rPr lang="ru-RU" sz="2000" dirty="0" smtClean="0">
+                    <a:solidFill>
+                      <a:schemeClr val="tx1"/>
+                    </a:solidFill>
+                  </a:rPr>
+                  <a:t>.</a:t>
+                </a:r>
+              </a:p>
+              <a:p>
+                <a:pPr marL="45720" indent="0">
+                  <a:spcBef>
+                    <a:spcPts val="600"/>
+                  </a:spcBef>
+                  <a:buNone/>
+                </a:pPr>
+                <a:endParaRPr lang="ru-RU" sz="2000" dirty="0">
+                  <a:solidFill>
+                    <a:schemeClr val="tx1"/>
+                  </a:solidFill>
+                </a:endParaRPr>
               </a:p>
               <a:p>
                 <a:pPr marL="45720" indent="0">
@@ -9836,14 +10023,14 @@
                   </m:oMath>
                 </a14:m>
                 <a:r>
-                  <a:rPr lang="ru-RU" sz="2000" i="1" dirty="0" smtClean="0">
+                  <a:rPr lang="ru-RU" sz="2000" i="1" dirty="0">
                     <a:solidFill>
                       <a:schemeClr val="tx1"/>
                     </a:solidFill>
                   </a:rPr>
                   <a:t>.</a:t>
                 </a:r>
-                <a:endParaRPr lang="en-US" sz="2000" i="1" dirty="0" smtClean="0">
+                <a:endParaRPr lang="en-US" sz="2000" i="1" dirty="0">
                   <a:solidFill>
                     <a:schemeClr val="tx1"/>
                   </a:solidFill>
@@ -9857,23 +10044,115 @@
                   <a:buNone/>
                 </a:pPr>
                 <a:r>
-                  <a:rPr lang="ru-RU" sz="2000" dirty="0" smtClean="0">
+                  <a:rPr lang="ru-RU" sz="2000" i="1" dirty="0">
                     <a:solidFill>
                       <a:schemeClr val="tx1"/>
                     </a:solidFill>
                   </a:rPr>
-                  <a:t>Ноты сопоставляются с номерами классов в соответствии с таблицей 1.</a:t>
-                </a:r>
-                <a:endParaRPr lang="ru-RU" sz="2000" dirty="0">
+                  <a:t>Если применять </a:t>
+                </a:r>
+                <a14:m>
+                  <m:oMath xmlns:m="http://schemas.openxmlformats.org/officeDocument/2006/math">
+                    <m:r>
+                      <a:rPr lang="ru-RU" sz="2000" i="1" dirty="0" smtClean="0">
+                        <a:solidFill>
+                          <a:schemeClr val="tx1"/>
+                        </a:solidFill>
+                        <a:latin typeface="Cambria Math" panose="02040503050406030204" pitchFamily="18" charset="0"/>
+                      </a:rPr>
+                      <m:t>40</m:t>
+                    </m:r>
+                  </m:oMath>
+                </a14:m>
+                <a:r>
+                  <a:rPr lang="ru-RU" sz="2000" i="1" dirty="0">
+                    <a:solidFill>
+                      <a:schemeClr val="tx1"/>
+                    </a:solidFill>
+                  </a:rPr>
+                  <a:t> треугольных фильтров, то размер входа – </a:t>
+                </a:r>
+                <a14:m>
+                  <m:oMath xmlns:m="http://schemas.openxmlformats.org/officeDocument/2006/math">
+                    <m:r>
+                      <a:rPr lang="ru-RU" sz="2000" i="1" dirty="0" smtClean="0">
+                        <a:solidFill>
+                          <a:schemeClr val="tx1"/>
+                        </a:solidFill>
+                        <a:latin typeface="Cambria Math" panose="02040503050406030204" pitchFamily="18" charset="0"/>
+                      </a:rPr>
+                      <m:t>40</m:t>
+                    </m:r>
+                    <m:r>
+                      <m:rPr>
+                        <m:sty m:val="p"/>
+                      </m:rPr>
+                      <a:rPr lang="en-US" sz="2000" i="0" dirty="0" smtClean="0">
+                        <a:solidFill>
+                          <a:schemeClr val="tx1"/>
+                        </a:solidFill>
+                        <a:latin typeface="Cambria Math" panose="02040503050406030204" pitchFamily="18" charset="0"/>
+                      </a:rPr>
+                      <m:t>x</m:t>
+                    </m:r>
+                    <m:r>
+                      <a:rPr lang="en-US" sz="2000" i="1" dirty="0" smtClean="0">
+                        <a:solidFill>
+                          <a:schemeClr val="tx1"/>
+                        </a:solidFill>
+                        <a:latin typeface="Cambria Math" panose="02040503050406030204" pitchFamily="18" charset="0"/>
+                      </a:rPr>
+                      <m:t>15</m:t>
+                    </m:r>
+                  </m:oMath>
+                </a14:m>
+                <a:r>
+                  <a:rPr lang="en-US" sz="2000" i="1" dirty="0" smtClean="0">
+                    <a:solidFill>
+                      <a:schemeClr val="tx1"/>
+                    </a:solidFill>
+                  </a:rPr>
+                  <a:t>.</a:t>
+                </a:r>
+                <a:endParaRPr lang="ru-RU" sz="2000" i="1" dirty="0" smtClean="0">
                   <a:solidFill>
                     <a:schemeClr val="tx1"/>
                   </a:solidFill>
                 </a:endParaRPr>
               </a:p>
+              <a:p>
+                <a:pPr marL="45720" indent="0">
+                  <a:spcBef>
+                    <a:spcPts val="600"/>
+                  </a:spcBef>
+                  <a:buNone/>
+                </a:pPr>
+                <a:endParaRPr lang="en-US" sz="2000" i="1" dirty="0">
+                  <a:solidFill>
+                    <a:schemeClr val="tx1"/>
+                  </a:solidFill>
+                </a:endParaRPr>
+              </a:p>
+              <a:p>
+                <a:pPr marL="45720" indent="0">
+                  <a:spcBef>
+                    <a:spcPts val="600"/>
+                  </a:spcBef>
+                  <a:buNone/>
+                </a:pPr>
+                <a:r>
+                  <a:rPr lang="ru-RU" sz="2000" dirty="0">
+                    <a:solidFill>
+                      <a:schemeClr val="tx1"/>
+                    </a:solidFill>
+                  </a:rPr>
+                  <a:t>Ноты сопоставляются с номерами классов в соответствии с таблицей 1.</a:t>
+                </a:r>
+              </a:p>
             </p:txBody>
           </p:sp>
         </mc:Choice>
-        <mc:Fallback xmlns="">
+        <mc:Fallback>
           <p:sp>
             <p:nvSpPr>
               <p:cNvPr id="12" name="Объект 4">
@@ -9890,8 +10169,8 @@
             </p:nvSpPr>
             <p:spPr>
               <a:xfrm>
-                <a:off x="838198" y="3073671"/>
-                <a:ext cx="10515599" cy="2919724"/>
+                <a:off x="838198" y="1435693"/>
+                <a:ext cx="10515599" cy="4666004"/>
               </a:xfrm>
               <a:prstGeom prst="rect">
                 <a:avLst/>
@@ -9899,7 +10178,7 @@
               <a:blipFill>
                 <a:blip r:embed="rId2"/>
                 <a:stretch>
-                  <a:fillRect l="-116" t="-2088" r="-174" b="-1044"/>
+                  <a:fillRect l="-116" t="-1438" r="-174"/>
                 </a:stretch>
               </a:blipFill>
             </p:spPr>
@@ -9920,160 +10199,29 @@
       </mc:AlternateContent>
       <p:sp>
         <p:nvSpPr>
-          <p:cNvPr id="7" name="Объект 4">
-            <a:extLst>
-              <a:ext uri="{FF2B5EF4-FFF2-40B4-BE49-F238E27FC236}">
-                <a16:creationId xmlns:a16="http://schemas.microsoft.com/office/drawing/2014/main" id="{CECBFFEE-5029-4E7A-AB57-EE46E254E3E1}"/>
-              </a:ext>
-            </a:extLst>
-          </p:cNvPr>
+          <p:cNvPr id="3" name="Номер слайда 2"/>
           <p:cNvSpPr>
             <a:spLocks noGrp="1"/>
           </p:cNvSpPr>
           <p:nvPr>
-            <p:ph idx="1"/>
+            <p:ph type="sldNum" sz="quarter" idx="12"/>
           </p:nvPr>
         </p:nvSpPr>
-        <p:spPr>
-          <a:xfrm>
-            <a:off x="838197" y="1519938"/>
-            <a:ext cx="10515599" cy="1798176"/>
-          </a:xfrm>
-        </p:spPr>
+        <p:spPr/>
         <p:txBody>
           <a:bodyPr/>
           <a:lstStyle/>
           <a:p>
-            <a:pPr marL="45720" indent="0">
-              <a:spcBef>
-                <a:spcPts val="600"/>
-              </a:spcBef>
-              <a:buNone/>
-            </a:pPr>
-            <a:r>
-              <a:rPr lang="ru-RU" sz="2000" u="sng" dirty="0">
-                <a:solidFill>
-                  <a:schemeClr val="tx1"/>
-                </a:solidFill>
-              </a:rPr>
-              <a:t>Входные данные:</a:t>
-            </a:r>
-          </a:p>
-          <a:p>
-            <a:pPr marL="45720" indent="0">
-              <a:spcBef>
-                <a:spcPts val="600"/>
-              </a:spcBef>
-              <a:buNone/>
-            </a:pPr>
-            <a:r>
-              <a:rPr lang="ru-RU" sz="2000" i="1" dirty="0">
-                <a:solidFill>
-                  <a:schemeClr val="tx1"/>
-                </a:solidFill>
-              </a:rPr>
-              <a:t>Подход 1</a:t>
-            </a:r>
-            <a:r>
-              <a:rPr lang="ru-RU" sz="2000" dirty="0">
-                <a:solidFill>
-                  <a:schemeClr val="tx1"/>
-                </a:solidFill>
-              </a:rPr>
-              <a:t> – спектрограммы, полученные из спектра </a:t>
-            </a:r>
-            <a:r>
-              <a:rPr lang="ru-RU" sz="2000" dirty="0" smtClean="0">
-                <a:solidFill>
-                  <a:schemeClr val="tx1"/>
-                </a:solidFill>
-              </a:rPr>
-              <a:t>сигнала (модель 1);</a:t>
-            </a:r>
-            <a:endParaRPr lang="ru-RU" sz="2000" dirty="0">
-              <a:solidFill>
-                <a:schemeClr val="tx1"/>
-              </a:solidFill>
-            </a:endParaRPr>
-          </a:p>
-          <a:p>
-            <a:pPr marL="45720" indent="0">
-              <a:spcBef>
-                <a:spcPts val="600"/>
-              </a:spcBef>
-              <a:buNone/>
-            </a:pPr>
-            <a:r>
-              <a:rPr lang="ru-RU" sz="2000" i="1" dirty="0">
-                <a:solidFill>
-                  <a:schemeClr val="tx1"/>
-                </a:solidFill>
-              </a:rPr>
-              <a:t>Подход 2</a:t>
-            </a:r>
-            <a:r>
-              <a:rPr lang="ru-RU" sz="2000" dirty="0">
-                <a:solidFill>
-                  <a:schemeClr val="tx1"/>
-                </a:solidFill>
-              </a:rPr>
-              <a:t> – спектрограммы, полученные из </a:t>
-            </a:r>
-            <a:r>
-              <a:rPr lang="ru-RU" sz="2000" dirty="0" smtClean="0">
-                <a:solidFill>
-                  <a:schemeClr val="tx1"/>
-                </a:solidFill>
-              </a:rPr>
-              <a:t>мел-</a:t>
-            </a:r>
-            <a:r>
-              <a:rPr lang="ru-RU" sz="2000" dirty="0" err="1" smtClean="0">
-                <a:solidFill>
-                  <a:schemeClr val="tx1"/>
-                </a:solidFill>
-              </a:rPr>
-              <a:t>кепстра</a:t>
-            </a:r>
-            <a:r>
-              <a:rPr lang="ru-RU" sz="2000" dirty="0" smtClean="0">
-                <a:solidFill>
-                  <a:schemeClr val="tx1"/>
-                </a:solidFill>
-              </a:rPr>
-              <a:t> (модель 2).</a:t>
-            </a:r>
-            <a:endParaRPr lang="ru-RU" sz="2000" dirty="0">
-              <a:solidFill>
-                <a:schemeClr val="tx1"/>
-              </a:solidFill>
-            </a:endParaRPr>
-          </a:p>
-          <a:p>
-            <a:pPr marL="45720" indent="0">
-              <a:spcBef>
-                <a:spcPts val="600"/>
-              </a:spcBef>
-              <a:buNone/>
-            </a:pPr>
-            <a:r>
-              <a:rPr lang="ru-RU" sz="2000" dirty="0">
-                <a:solidFill>
-                  <a:schemeClr val="tx1"/>
-                </a:solidFill>
-              </a:rPr>
-              <a:t>Подаем данные пакетами по 64 вектора.</a:t>
-            </a:r>
-          </a:p>
-          <a:p>
-            <a:pPr marL="45720" indent="0">
-              <a:buNone/>
-            </a:pPr>
-            <a:endParaRPr lang="en-US" sz="2000" dirty="0">
-              <a:solidFill>
-                <a:schemeClr val="tx1"/>
-              </a:solidFill>
-            </a:endParaRPr>
+            <a:fld id="{871F4C9F-061D-468D-90C1-298C9849AF70}" type="slidenum">
+              <a:rPr lang="ru-RU" smtClean="0"/>
+              <a:pPr/>
+              <a:t>14</a:t>
+            </a:fld>
+            <a:r>
+              <a:rPr lang="en-US"/>
+              <a:t>/18</a:t>
+            </a:r>
+            <a:endParaRPr lang="ru-RU" dirty="0"/>
           </a:p>
         </p:txBody>
       </p:sp>
@@ -10090,7 +10238,7 @@
 </p:sld>
 </file>
 
-<file path=ppt/slides/slide14.xml><?xml version="1.0" encoding="utf-8"?>
+<file path=ppt/slides/slide15.xml><?xml version="1.0" encoding="utf-8"?>
 <p:sld xmlns:a="http://schemas.openxmlformats.org/drawingml/2006/main" xmlns:r="http://schemas.openxmlformats.org/officeDocument/2006/relationships" xmlns:p="http://schemas.openxmlformats.org/presentationml/2006/main">
   <p:cSld>
     <p:spTree>
@@ -10131,78 +10279,12 @@
           <a:p>
             <a:r>
               <a:rPr lang="ru-RU" sz="3200" dirty="0"/>
-              <a:t>Реализация. Результаты </a:t>
-            </a:r>
-            <a:r>
-              <a:rPr lang="ru-RU" sz="3200" dirty="0" smtClean="0"/>
-              <a:t>для модели 1.</a:t>
+              <a:t>Реализация. Результаты для модели 1.</a:t>
             </a:r>
             <a:endParaRPr lang="ru-RU" sz="4800" dirty="0"/>
           </a:p>
         </p:txBody>
       </p:sp>
-      <p:sp>
-        <p:nvSpPr>
-          <p:cNvPr id="11" name="Номер слайда 10">
-            <a:extLst>
-              <a:ext uri="{FF2B5EF4-FFF2-40B4-BE49-F238E27FC236}">
-                <a16:creationId xmlns:a16="http://schemas.microsoft.com/office/drawing/2014/main" id="{3A91D745-9CA6-414C-AEAB-25A55984B29C}"/>
-              </a:ext>
-            </a:extLst>
-          </p:cNvPr>
-          <p:cNvSpPr>
-            <a:spLocks noGrp="1"/>
-          </p:cNvSpPr>
-          <p:nvPr>
-            <p:ph type="sldNum" sz="quarter" idx="12"/>
-          </p:nvPr>
-        </p:nvSpPr>
-        <p:spPr/>
-        <p:txBody>
-          <a:bodyPr/>
-          <a:lstStyle/>
-          <a:p>
-            <a:fld id="{871F4C9F-061D-468D-90C1-298C9849AF70}" type="slidenum">
-              <a:rPr lang="ru-RU" smtClean="0"/>
-              <a:pPr/>
-              <a:t>14</a:t>
-            </a:fld>
-            <a:r>
-              <a:rPr lang="en-US"/>
-              <a:t>/</a:t>
-            </a:r>
-            <a:r>
-              <a:rPr lang="ru-RU"/>
-              <a:t>20</a:t>
-            </a:r>
-            <a:endParaRPr lang="ru-RU" dirty="0"/>
-          </a:p>
-        </p:txBody>
-      </p:sp>
-      <p:pic>
-        <p:nvPicPr>
-          <p:cNvPr id="9" name="Рисунок 8"/>
-          <p:cNvPicPr>
-            <a:picLocks noChangeAspect="1"/>
-          </p:cNvPicPr>
-          <p:nvPr/>
-        </p:nvPicPr>
-        <p:blipFill>
-          <a:blip r:embed="rId3"/>
-          <a:stretch>
-            <a:fillRect/>
-          </a:stretch>
-        </p:blipFill>
-        <p:spPr>
-          <a:xfrm>
-            <a:off x="895873" y="879232"/>
-            <a:ext cx="2537699" cy="2445571"/>
-          </a:xfrm>
-          <a:prstGeom prst="rect">
-            <a:avLst/>
-          </a:prstGeom>
-        </p:spPr>
-      </p:pic>
       <p:pic>
         <p:nvPicPr>
           <p:cNvPr id="14" name="Рисунок 13"/>
@@ -10212,7 +10294,7 @@
           <p:nvPr/>
         </p:nvPicPr>
         <p:blipFill>
-          <a:blip r:embed="rId4"/>
+          <a:blip r:embed="rId3"/>
           <a:stretch>
             <a:fillRect/>
           </a:stretch>
@@ -10268,28 +10350,45 @@
                   <a:t>Рис</a:t>
                 </a:r>
                 <a:r>
-                  <a:rPr lang="en-US" sz="1600" dirty="0" smtClean="0">
+                  <a:rPr lang="en-US" sz="1600" dirty="0">
                     <a:ea typeface="Times New Roman" panose="02020603050405020304" pitchFamily="18" charset="0"/>
                   </a:rPr>
                   <a:t>.</a:t>
-                </a:r>
-                <a:r>
-                  <a:rPr lang="ru-RU" sz="1600" dirty="0" smtClean="0">
-                    <a:ea typeface="Times New Roman" panose="02020603050405020304" pitchFamily="18" charset="0"/>
-                  </a:rPr>
-                  <a:t>5</a:t>
-                </a:r>
-                <a:r>
-                  <a:rPr lang="en-US" sz="1600" dirty="0" smtClean="0">
-                    <a:ea typeface="Times New Roman" panose="02020603050405020304" pitchFamily="18" charset="0"/>
-                  </a:rPr>
-                  <a:t>. </a:t>
                 </a:r>
                 <a:r>
                   <a:rPr lang="ru-RU" sz="1600" dirty="0">
                     <a:ea typeface="Times New Roman" panose="02020603050405020304" pitchFamily="18" charset="0"/>
                   </a:rPr>
-                  <a:t>Результаты для первой модели (</a:t>
+                  <a:t>5</a:t>
+                </a:r>
+                <a:r>
+                  <a:rPr lang="en-US" sz="1600" dirty="0">
+                    <a:ea typeface="Times New Roman" panose="02020603050405020304" pitchFamily="18" charset="0"/>
+                  </a:rPr>
+                  <a:t>. </a:t>
+                </a:r>
+                <a:r>
+                  <a:rPr lang="ru-RU" sz="1600" dirty="0">
+                    <a:ea typeface="Times New Roman" panose="02020603050405020304" pitchFamily="18" charset="0"/>
+                  </a:rPr>
+                  <a:t>Результаты для первой модели на </a:t>
+                </a:r>
+                <a14:m>
+                  <m:oMath xmlns:m="http://schemas.openxmlformats.org/officeDocument/2006/math">
+                    <m:r>
+                      <a:rPr lang="ru-RU" sz="1600" i="1" dirty="0" smtClean="0">
+                        <a:latin typeface="Cambria Math" panose="02040503050406030204" pitchFamily="18" charset="0"/>
+                        <a:ea typeface="Times New Roman" panose="02020603050405020304" pitchFamily="18" charset="0"/>
+                      </a:rPr>
+                      <m:t>100</m:t>
+                    </m:r>
+                  </m:oMath>
+                </a14:m>
+                <a:r>
+                  <a:rPr lang="ru-RU" sz="1600" dirty="0">
+                    <a:ea typeface="Times New Roman" panose="02020603050405020304" pitchFamily="18" charset="0"/>
+                  </a:rPr>
+                  <a:t> эпохах (</a:t>
                 </a:r>
                 <a14:m>
                   <m:oMath xmlns:m="http://schemas.openxmlformats.org/officeDocument/2006/math">
@@ -10316,28 +10415,22 @@
                   <a:t> </a:t>
                 </a:r>
                 <a:r>
-                  <a:rPr lang="ru-RU" sz="1600" dirty="0" smtClean="0">
-                    <a:ea typeface="Times New Roman" panose="02020603050405020304" pitchFamily="18" charset="0"/>
-                  </a:rPr>
-                  <a:t>точности</a:t>
-                </a:r>
-                <a:r>
-                  <a:rPr lang="en-US" sz="1600" dirty="0" smtClean="0">
-                    <a:ea typeface="Times New Roman" panose="02020603050405020304" pitchFamily="18" charset="0"/>
-                  </a:rPr>
-                  <a:t>, </a:t>
-                </a:r>
-                <a:r>
-                  <a:rPr lang="ru-RU" sz="1600" dirty="0" smtClean="0">
-                    <a:ea typeface="Times New Roman" panose="02020603050405020304" pitchFamily="18" charset="0"/>
-                  </a:rPr>
-                  <a:t>время – 12 мин. 45 сек.). </a:t>
-                </a:r>
-                <a:r>
                   <a:rPr lang="ru-RU" sz="1600" dirty="0">
                     <a:ea typeface="Times New Roman" panose="02020603050405020304" pitchFamily="18" charset="0"/>
                   </a:rPr>
-                  <a:t>(а) – пример спектрограммы. (б) и (в) – графики сравнения штрафа и точности на обучающей и проверочной выборках. (г) – результат предсказания ноты «ми». (д) матрица ошибок. </a:t>
+                  <a:t>точности</a:t>
+                </a:r>
+                <a:r>
+                  <a:rPr lang="en-US" sz="1600" dirty="0">
+                    <a:ea typeface="Times New Roman" panose="02020603050405020304" pitchFamily="18" charset="0"/>
+                  </a:rPr>
+                  <a:t>, </a:t>
+                </a:r>
+                <a:r>
+                  <a:rPr lang="ru-RU" sz="1600" dirty="0">
+                    <a:ea typeface="Times New Roman" panose="02020603050405020304" pitchFamily="18" charset="0"/>
+                  </a:rPr>
+                  <a:t>время – 12 мин. 45 сек.). (а) – пример спектрограммы. (б) и (в) – графики сравнения штрафа и точности на обучающей и проверочной выборках. (г) – результат предсказания ноты «ми». (д) матрица ошибок. </a:t>
                 </a:r>
               </a:p>
             </p:txBody>
@@ -10369,7 +10462,7 @@
               <a:blipFill>
                 <a:blip r:embed="rId5"/>
                 <a:stretch>
-                  <a:fillRect t="-2206" b="-8824"/>
+                  <a:fillRect t="-2206" r="-52" b="-8824"/>
                 </a:stretch>
               </a:blipFill>
             </p:spPr>
@@ -10559,30 +10652,6 @@
           </a:prstGeom>
         </p:spPr>
       </p:pic>
-      <p:pic>
-        <p:nvPicPr>
-          <p:cNvPr id="26" name="Рисунок 25"/>
-          <p:cNvPicPr>
-            <a:picLocks noChangeAspect="1"/>
-          </p:cNvPicPr>
-          <p:nvPr/>
-        </p:nvPicPr>
-        <p:blipFill>
-          <a:blip r:embed="rId8"/>
-          <a:stretch>
-            <a:fillRect/>
-          </a:stretch>
-        </p:blipFill>
-        <p:spPr>
-          <a:xfrm>
-            <a:off x="4408461" y="3142207"/>
-            <a:ext cx="2857263" cy="2061251"/>
-          </a:xfrm>
-          <a:prstGeom prst="rect">
-            <a:avLst/>
-          </a:prstGeom>
-        </p:spPr>
-      </p:pic>
       <p:sp>
         <p:nvSpPr>
           <p:cNvPr id="27" name="Прямоугольник 26">
@@ -10665,6 +10734,82 @@
           </a:p>
         </p:txBody>
       </p:sp>
+      <p:sp>
+        <p:nvSpPr>
+          <p:cNvPr id="3" name="Номер слайда 2"/>
+          <p:cNvSpPr>
+            <a:spLocks noGrp="1"/>
+          </p:cNvSpPr>
+          <p:nvPr>
+            <p:ph type="sldNum" sz="quarter" idx="12"/>
+          </p:nvPr>
+        </p:nvSpPr>
+        <p:spPr/>
+        <p:txBody>
+          <a:bodyPr/>
+          <a:lstStyle/>
+          <a:p>
+            <a:fld id="{871F4C9F-061D-468D-90C1-298C9849AF70}" type="slidenum">
+              <a:rPr lang="ru-RU" smtClean="0"/>
+              <a:pPr/>
+              <a:t>15</a:t>
+            </a:fld>
+            <a:r>
+              <a:rPr lang="en-US"/>
+              <a:t>/18</a:t>
+            </a:r>
+            <a:endParaRPr lang="ru-RU" dirty="0"/>
+          </a:p>
+        </p:txBody>
+      </p:sp>
+      <p:pic>
+        <p:nvPicPr>
+          <p:cNvPr id="4" name="Рисунок 3"/>
+          <p:cNvPicPr>
+            <a:picLocks noChangeAspect="1"/>
+          </p:cNvPicPr>
+          <p:nvPr/>
+        </p:nvPicPr>
+        <p:blipFill>
+          <a:blip r:embed="rId8"/>
+          <a:stretch>
+            <a:fillRect/>
+          </a:stretch>
+        </p:blipFill>
+        <p:spPr>
+          <a:xfrm>
+            <a:off x="4337974" y="3069553"/>
+            <a:ext cx="3018916" cy="2110646"/>
+          </a:xfrm>
+          <a:prstGeom prst="rect">
+            <a:avLst/>
+          </a:prstGeom>
+        </p:spPr>
+      </p:pic>
+      <p:pic>
+        <p:nvPicPr>
+          <p:cNvPr id="5" name="Рисунок 4"/>
+          <p:cNvPicPr>
+            <a:picLocks noChangeAspect="1"/>
+          </p:cNvPicPr>
+          <p:nvPr/>
+        </p:nvPicPr>
+        <p:blipFill>
+          <a:blip r:embed="rId9"/>
+          <a:stretch>
+            <a:fillRect/>
+          </a:stretch>
+        </p:blipFill>
+        <p:spPr>
+          <a:xfrm>
+            <a:off x="838200" y="897120"/>
+            <a:ext cx="2452725" cy="2363804"/>
+          </a:xfrm>
+          <a:prstGeom prst="rect">
+            <a:avLst/>
+          </a:prstGeom>
+        </p:spPr>
+      </p:pic>
     </p:spTree>
     <p:extLst>
       <p:ext uri="{BB962C8B-B14F-4D97-AF65-F5344CB8AC3E}">
@@ -10678,7 +10823,7 @@
 </p:sld>
 </file>
 
-<file path=ppt/slides/slide15.xml><?xml version="1.0" encoding="utf-8"?>
+<file path=ppt/slides/slide16.xml><?xml version="1.0" encoding="utf-8"?>
 <p:sld xmlns:a="http://schemas.openxmlformats.org/drawingml/2006/main" xmlns:r="http://schemas.openxmlformats.org/officeDocument/2006/relationships" xmlns:p="http://schemas.openxmlformats.org/presentationml/2006/main">
   <p:cSld>
     <p:spTree>
@@ -10697,7 +10842,7 @@
       </p:grpSpPr>
       <p:pic>
         <p:nvPicPr>
-          <p:cNvPr id="13" name="Рисунок 12"/>
+          <p:cNvPr id="7" name="Рисунок 6"/>
           <p:cNvPicPr>
             <a:picLocks noChangeAspect="1"/>
           </p:cNvPicPr>
@@ -10705,54 +10850,6 @@
         </p:nvPicPr>
         <p:blipFill>
           <a:blip r:embed="rId3"/>
-          <a:stretch>
-            <a:fillRect/>
-          </a:stretch>
-        </p:blipFill>
-        <p:spPr>
-          <a:xfrm>
-            <a:off x="8112027" y="993116"/>
-            <a:ext cx="3367764" cy="4301377"/>
-          </a:xfrm>
-          <a:prstGeom prst="rect">
-            <a:avLst/>
-          </a:prstGeom>
-        </p:spPr>
-      </p:pic>
-      <p:pic>
-        <p:nvPicPr>
-          <p:cNvPr id="10" name="Рисунок 9"/>
-          <p:cNvPicPr>
-            <a:picLocks noChangeAspect="1"/>
-          </p:cNvPicPr>
-          <p:nvPr/>
-        </p:nvPicPr>
-        <p:blipFill>
-          <a:blip r:embed="rId4"/>
-          <a:stretch>
-            <a:fillRect/>
-          </a:stretch>
-        </p:blipFill>
-        <p:spPr>
-          <a:xfrm>
-            <a:off x="4162014" y="3027284"/>
-            <a:ext cx="3198453" cy="2239813"/>
-          </a:xfrm>
-          <a:prstGeom prst="rect">
-            <a:avLst/>
-          </a:prstGeom>
-        </p:spPr>
-      </p:pic>
-      <p:pic>
-        <p:nvPicPr>
-          <p:cNvPr id="7" name="Рисунок 6"/>
-          <p:cNvPicPr>
-            <a:picLocks noChangeAspect="1"/>
-          </p:cNvPicPr>
-          <p:nvPr/>
-        </p:nvPicPr>
-        <p:blipFill>
-          <a:blip r:embed="rId5"/>
           <a:stretch>
             <a:fillRect/>
           </a:stretch>
@@ -10791,51 +10888,9 @@
           <a:p>
             <a:r>
               <a:rPr lang="ru-RU" sz="3200" dirty="0"/>
-              <a:t>Реализация. Результаты </a:t>
-            </a:r>
-            <a:r>
-              <a:rPr lang="ru-RU" sz="3200" dirty="0" smtClean="0"/>
-              <a:t>для модели 2.</a:t>
+              <a:t>Реализация. Результаты для модели 2.</a:t>
             </a:r>
             <a:endParaRPr lang="ru-RU" sz="4800" dirty="0"/>
-          </a:p>
-        </p:txBody>
-      </p:sp>
-      <p:sp>
-        <p:nvSpPr>
-          <p:cNvPr id="11" name="Номер слайда 10">
-            <a:extLst>
-              <a:ext uri="{FF2B5EF4-FFF2-40B4-BE49-F238E27FC236}">
-                <a16:creationId xmlns:a16="http://schemas.microsoft.com/office/drawing/2014/main" id="{3A91D745-9CA6-414C-AEAB-25A55984B29C}"/>
-              </a:ext>
-            </a:extLst>
-          </p:cNvPr>
-          <p:cNvSpPr>
-            <a:spLocks noGrp="1"/>
-          </p:cNvSpPr>
-          <p:nvPr>
-            <p:ph type="sldNum" sz="quarter" idx="12"/>
-          </p:nvPr>
-        </p:nvSpPr>
-        <p:spPr/>
-        <p:txBody>
-          <a:bodyPr/>
-          <a:lstStyle/>
-          <a:p>
-            <a:fld id="{871F4C9F-061D-468D-90C1-298C9849AF70}" type="slidenum">
-              <a:rPr lang="ru-RU" smtClean="0"/>
-              <a:pPr/>
-              <a:t>15</a:t>
-            </a:fld>
-            <a:r>
-              <a:rPr lang="en-US"/>
-              <a:t>/</a:t>
-            </a:r>
-            <a:r>
-              <a:rPr lang="ru-RU"/>
-              <a:t>20</a:t>
-            </a:r>
-            <a:endParaRPr lang="ru-RU" dirty="0"/>
           </a:p>
         </p:txBody>
       </p:sp>
@@ -10880,28 +10935,45 @@
                   <a:t>Рис</a:t>
                 </a:r>
                 <a:r>
-                  <a:rPr lang="en-US" sz="1600" dirty="0" smtClean="0">
+                  <a:rPr lang="en-US" sz="1600" dirty="0">
                     <a:ea typeface="Times New Roman" panose="02020603050405020304" pitchFamily="18" charset="0"/>
                   </a:rPr>
                   <a:t>.</a:t>
-                </a:r>
-                <a:r>
-                  <a:rPr lang="ru-RU" sz="1600" dirty="0" smtClean="0">
-                    <a:ea typeface="Times New Roman" panose="02020603050405020304" pitchFamily="18" charset="0"/>
-                  </a:rPr>
-                  <a:t>6</a:t>
-                </a:r>
-                <a:r>
-                  <a:rPr lang="en-US" sz="1600" dirty="0" smtClean="0">
-                    <a:ea typeface="Times New Roman" panose="02020603050405020304" pitchFamily="18" charset="0"/>
-                  </a:rPr>
-                  <a:t>. </a:t>
                 </a:r>
                 <a:r>
                   <a:rPr lang="ru-RU" sz="1600" dirty="0">
                     <a:ea typeface="Times New Roman" panose="02020603050405020304" pitchFamily="18" charset="0"/>
                   </a:rPr>
-                  <a:t>Результаты для первой модели (</a:t>
+                  <a:t>6</a:t>
+                </a:r>
+                <a:r>
+                  <a:rPr lang="en-US" sz="1600" dirty="0">
+                    <a:ea typeface="Times New Roman" panose="02020603050405020304" pitchFamily="18" charset="0"/>
+                  </a:rPr>
+                  <a:t>. </a:t>
+                </a:r>
+                <a:r>
+                  <a:rPr lang="ru-RU" sz="1600" dirty="0">
+                    <a:ea typeface="Times New Roman" panose="02020603050405020304" pitchFamily="18" charset="0"/>
+                  </a:rPr>
+                  <a:t>Результаты для второй модели на </a:t>
+                </a:r>
+                <a14:m>
+                  <m:oMath xmlns:m="http://schemas.openxmlformats.org/officeDocument/2006/math">
+                    <m:r>
+                      <a:rPr lang="ru-RU" sz="1600" i="1" dirty="0" smtClean="0">
+                        <a:latin typeface="Cambria Math" panose="02040503050406030204" pitchFamily="18" charset="0"/>
+                        <a:ea typeface="Times New Roman" panose="02020603050405020304" pitchFamily="18" charset="0"/>
+                      </a:rPr>
+                      <m:t>100</m:t>
+                    </m:r>
+                  </m:oMath>
+                </a14:m>
+                <a:r>
+                  <a:rPr lang="ru-RU" sz="1600" dirty="0">
+                    <a:ea typeface="Times New Roman" panose="02020603050405020304" pitchFamily="18" charset="0"/>
+                  </a:rPr>
+                  <a:t> эпохах (</a:t>
                 </a:r>
                 <a14:m>
                   <m:oMath xmlns:m="http://schemas.openxmlformats.org/officeDocument/2006/math">
@@ -10928,16 +11000,10 @@
                   <a:t> </a:t>
                 </a:r>
                 <a:r>
-                  <a:rPr lang="ru-RU" sz="1600" dirty="0" smtClean="0">
-                    <a:ea typeface="Times New Roman" panose="02020603050405020304" pitchFamily="18" charset="0"/>
-                  </a:rPr>
-                  <a:t>точности, время – 3 мин. 25 сек.). </a:t>
-                </a:r>
-                <a:r>
                   <a:rPr lang="ru-RU" sz="1600" dirty="0">
                     <a:ea typeface="Times New Roman" panose="02020603050405020304" pitchFamily="18" charset="0"/>
                   </a:rPr>
-                  <a:t>(а) – пример спектрограммы. (б) и (в) – графики сравнения штрафа и точности на обучающей и проверочной выборках. (г) – результат предсказания ноты «ми». (д) матрица ошибок. </a:t>
+                  <a:t>точности, время – 3 мин. 25 сек.). (а) – пример спектрограммы. (б) и (в) – графики сравнения штрафа и точности на обучающей и проверочной выборках. (г) – результат предсказания ноты «ми». (д) матрица ошибок. </a:t>
                 </a:r>
               </a:p>
             </p:txBody>
@@ -11195,7 +11261,7 @@
       </p:sp>
       <p:pic>
         <p:nvPicPr>
-          <p:cNvPr id="3" name="Рисунок 2"/>
+          <p:cNvPr id="8" name="Рисунок 7"/>
           <p:cNvPicPr>
             <a:picLocks noChangeAspect="1"/>
           </p:cNvPicPr>
@@ -11203,30 +11269,6 @@
         </p:nvPicPr>
         <p:blipFill>
           <a:blip r:embed="rId7"/>
-          <a:stretch>
-            <a:fillRect/>
-          </a:stretch>
-        </p:blipFill>
-        <p:spPr>
-          <a:xfrm>
-            <a:off x="838200" y="879232"/>
-            <a:ext cx="2487974" cy="2499230"/>
-          </a:xfrm>
-          <a:prstGeom prst="rect">
-            <a:avLst/>
-          </a:prstGeom>
-        </p:spPr>
-      </p:pic>
-      <p:pic>
-        <p:nvPicPr>
-          <p:cNvPr id="8" name="Рисунок 7"/>
-          <p:cNvPicPr>
-            <a:picLocks noChangeAspect="1"/>
-          </p:cNvPicPr>
-          <p:nvPr/>
-        </p:nvPicPr>
-        <p:blipFill>
-          <a:blip r:embed="rId8"/>
           <a:stretch>
             <a:fillRect/>
           </a:stretch>
@@ -11241,75 +11283,9 @@
           </a:prstGeom>
         </p:spPr>
       </p:pic>
-    </p:spTree>
-    <p:extLst>
-      <p:ext uri="{BB962C8B-B14F-4D97-AF65-F5344CB8AC3E}">
-        <p14:creationId xmlns:p14="http://schemas.microsoft.com/office/powerpoint/2010/main" val="4112701935"/>
-      </p:ext>
-    </p:extLst>
-  </p:cSld>
-  <p:clrMapOvr>
-    <a:masterClrMapping/>
-  </p:clrMapOvr>
-</p:sld>
-</file>
-
-<file path=ppt/slides/slide16.xml><?xml version="1.0" encoding="utf-8"?>
-<p:sld xmlns:a="http://schemas.openxmlformats.org/drawingml/2006/main" xmlns:r="http://schemas.openxmlformats.org/officeDocument/2006/relationships" xmlns:p="http://schemas.openxmlformats.org/presentationml/2006/main">
-  <p:cSld>
-    <p:spTree>
-      <p:nvGrpSpPr>
-        <p:cNvPr id="1" name=""/>
-        <p:cNvGrpSpPr/>
-        <p:nvPr/>
-      </p:nvGrpSpPr>
-      <p:grpSpPr>
-        <a:xfrm>
-          <a:off x="0" y="0"/>
-          <a:ext cx="0" cy="0"/>
-          <a:chOff x="0" y="0"/>
-          <a:chExt cx="0" cy="0"/>
-        </a:xfrm>
-      </p:grpSpPr>
       <p:sp>
         <p:nvSpPr>
-          <p:cNvPr id="2" name="Заголовок 1"/>
-          <p:cNvSpPr>
-            <a:spLocks noGrp="1"/>
-          </p:cNvSpPr>
-          <p:nvPr>
-            <p:ph type="title"/>
-          </p:nvPr>
-        </p:nvSpPr>
-        <p:spPr>
-          <a:xfrm>
-            <a:off x="838200" y="365126"/>
-            <a:ext cx="10515600" cy="514106"/>
-          </a:xfrm>
-        </p:spPr>
-        <p:txBody>
-          <a:bodyPr>
-            <a:noAutofit/>
-          </a:bodyPr>
-          <a:lstStyle/>
-          <a:p>
-            <a:r>
-              <a:rPr lang="ru-RU" sz="3200" dirty="0" smtClean="0"/>
-              <a:t>Демонстрационный пример</a:t>
-            </a:r>
-            <a:endParaRPr lang="ru-RU" sz="4800" dirty="0"/>
-          </a:p>
-        </p:txBody>
-      </p:sp>
-      <p:sp>
-        <p:nvSpPr>
-          <p:cNvPr id="11" name="Номер слайда 10">
-            <a:extLst>
-              <a:ext uri="{FF2B5EF4-FFF2-40B4-BE49-F238E27FC236}">
-                <a16:creationId xmlns:a16="http://schemas.microsoft.com/office/drawing/2014/main" id="{3A91D745-9CA6-414C-AEAB-25A55984B29C}"/>
-              </a:ext>
-            </a:extLst>
-          </p:cNvPr>
+          <p:cNvPr id="4" name="Номер слайда 3"/>
           <p:cNvSpPr>
             <a:spLocks noGrp="1"/>
           </p:cNvSpPr>
@@ -11329,305 +11305,12 @@
             </a:fld>
             <a:r>
               <a:rPr lang="en-US"/>
-              <a:t>/</a:t>
-            </a:r>
-            <a:r>
-              <a:rPr lang="ru-RU"/>
-              <a:t>20</a:t>
+              <a:t>/18</a:t>
             </a:r>
             <a:endParaRPr lang="ru-RU" dirty="0"/>
           </a:p>
         </p:txBody>
       </p:sp>
-      <p:sp>
-        <p:nvSpPr>
-          <p:cNvPr id="8" name="Прямоугольник 7">
-            <a:extLst>
-              <a:ext uri="{FF2B5EF4-FFF2-40B4-BE49-F238E27FC236}">
-                <a16:creationId xmlns:a16="http://schemas.microsoft.com/office/drawing/2014/main" id="{7C1103C7-41C2-4629-B25D-2C4B9CCE1563}"/>
-              </a:ext>
-            </a:extLst>
-          </p:cNvPr>
-          <p:cNvSpPr/>
-          <p:nvPr/>
-        </p:nvSpPr>
-        <p:spPr>
-          <a:xfrm>
-            <a:off x="3085388" y="4748087"/>
-            <a:ext cx="516721" cy="338554"/>
-          </a:xfrm>
-          <a:prstGeom prst="rect">
-            <a:avLst/>
-          </a:prstGeom>
-        </p:spPr>
-        <p:txBody>
-          <a:bodyPr wrap="square">
-            <a:spAutoFit/>
-          </a:bodyPr>
-          <a:lstStyle/>
-          <a:p>
-            <a:pPr algn="ctr">
-              <a:spcAft>
-                <a:spcPts val="0"/>
-              </a:spcAft>
-            </a:pPr>
-            <a:r>
-              <a:rPr lang="ru-RU" sz="1600" dirty="0">
-                <a:ea typeface="Times New Roman" panose="02020603050405020304" pitchFamily="18" charset="0"/>
-              </a:rPr>
-              <a:t>(а)</a:t>
-            </a:r>
-          </a:p>
-        </p:txBody>
-      </p:sp>
-      <mc:AlternateContent xmlns:mc="http://schemas.openxmlformats.org/markup-compatibility/2006" xmlns:a14="http://schemas.microsoft.com/office/drawing/2010/main">
-        <mc:Choice Requires="a14">
-          <p:sp>
-            <p:nvSpPr>
-              <p:cNvPr id="9" name="Прямоугольник 8">
-                <a:extLst>
-                  <a:ext uri="{FF2B5EF4-FFF2-40B4-BE49-F238E27FC236}">
-                    <a16:creationId xmlns:a16="http://schemas.microsoft.com/office/drawing/2014/main" id="{7C1103C7-41C2-4629-B25D-2C4B9CCE1563}"/>
-                  </a:ext>
-                </a:extLst>
-              </p:cNvPr>
-              <p:cNvSpPr/>
-              <p:nvPr/>
-            </p:nvSpPr>
-            <p:spPr>
-              <a:xfrm>
-                <a:off x="251175" y="5505782"/>
-                <a:ext cx="11689649" cy="338554"/>
-              </a:xfrm>
-              <a:prstGeom prst="rect">
-                <a:avLst/>
-              </a:prstGeom>
-            </p:spPr>
-            <p:txBody>
-              <a:bodyPr wrap="square">
-                <a:spAutoFit/>
-              </a:bodyPr>
-              <a:lstStyle/>
-              <a:p>
-                <a:pPr algn="ctr">
-                  <a:spcAft>
-                    <a:spcPts val="0"/>
-                  </a:spcAft>
-                </a:pPr>
-                <a:r>
-                  <a:rPr lang="ru-RU" sz="1600" dirty="0" smtClean="0">
-                    <a:ea typeface="Times New Roman" panose="02020603050405020304" pitchFamily="18" charset="0"/>
-                  </a:rPr>
-                  <a:t>Рис</a:t>
-                </a:r>
-                <a:r>
-                  <a:rPr lang="en-US" sz="1600" dirty="0" smtClean="0">
-                    <a:ea typeface="Times New Roman" panose="02020603050405020304" pitchFamily="18" charset="0"/>
-                  </a:rPr>
-                  <a:t>.</a:t>
-                </a:r>
-                <a:r>
-                  <a:rPr lang="ru-RU" sz="1600" dirty="0" smtClean="0">
-                    <a:ea typeface="Times New Roman" panose="02020603050405020304" pitchFamily="18" charset="0"/>
-                  </a:rPr>
-                  <a:t>7</a:t>
-                </a:r>
-                <a:r>
-                  <a:rPr lang="en-US" sz="1600" dirty="0" smtClean="0">
-                    <a:ea typeface="Times New Roman" panose="02020603050405020304" pitchFamily="18" charset="0"/>
-                  </a:rPr>
-                  <a:t>. </a:t>
-                </a:r>
-                <a:r>
-                  <a:rPr lang="ru-RU" sz="1600" dirty="0">
-                    <a:ea typeface="Times New Roman" panose="02020603050405020304" pitchFamily="18" charset="0"/>
-                  </a:rPr>
-                  <a:t>Результаты </a:t>
-                </a:r>
-                <a:r>
-                  <a:rPr lang="ru-RU" sz="1600" dirty="0" smtClean="0">
-                    <a:ea typeface="Times New Roman" panose="02020603050405020304" pitchFamily="18" charset="0"/>
-                  </a:rPr>
-                  <a:t>для демонстрационного файла. (</a:t>
-                </a:r>
-                <a:r>
-                  <a:rPr lang="ru-RU" sz="1600" dirty="0">
-                    <a:ea typeface="Times New Roman" panose="02020603050405020304" pitchFamily="18" charset="0"/>
-                  </a:rPr>
-                  <a:t>а) – </a:t>
-                </a:r>
-                <a:r>
-                  <a:rPr lang="ru-RU" sz="1600" dirty="0" smtClean="0">
-                    <a:ea typeface="Times New Roman" panose="02020603050405020304" pitchFamily="18" charset="0"/>
-                  </a:rPr>
-                  <a:t>модель 1, точность –</a:t>
-                </a:r>
-                <a14:m>
-                  <m:oMath xmlns:m="http://schemas.openxmlformats.org/officeDocument/2006/math">
-                    <m:r>
-                      <a:rPr lang="en-US" sz="1600" i="1" dirty="0" smtClean="0">
-                        <a:latin typeface="Cambria Math" panose="02040503050406030204" pitchFamily="18" charset="0"/>
-                        <a:ea typeface="Times New Roman" panose="02020603050405020304" pitchFamily="18" charset="0"/>
-                      </a:rPr>
-                      <m:t>43.75%</m:t>
-                    </m:r>
-                  </m:oMath>
-                </a14:m>
-                <a:r>
-                  <a:rPr lang="ru-RU" sz="1600" dirty="0" smtClean="0">
-                    <a:ea typeface="Times New Roman" panose="02020603050405020304" pitchFamily="18" charset="0"/>
-                  </a:rPr>
-                  <a:t>. </a:t>
-                </a:r>
-                <a:r>
-                  <a:rPr lang="ru-RU" sz="1600" dirty="0">
-                    <a:ea typeface="Times New Roman" panose="02020603050405020304" pitchFamily="18" charset="0"/>
-                  </a:rPr>
-                  <a:t>(б) </a:t>
-                </a:r>
-                <a:r>
-                  <a:rPr lang="ru-RU" sz="1600" dirty="0" smtClean="0">
-                    <a:ea typeface="Times New Roman" panose="02020603050405020304" pitchFamily="18" charset="0"/>
-                  </a:rPr>
-                  <a:t> - модель 2, точность - </a:t>
-                </a:r>
-                <a14:m>
-                  <m:oMath xmlns:m="http://schemas.openxmlformats.org/officeDocument/2006/math">
-                    <m:r>
-                      <a:rPr lang="en-US" sz="1600" b="0" i="1" smtClean="0">
-                        <a:latin typeface="Cambria Math" panose="02040503050406030204" pitchFamily="18" charset="0"/>
-                        <a:ea typeface="Times New Roman" panose="02020603050405020304" pitchFamily="18" charset="0"/>
-                      </a:rPr>
-                      <m:t>21.88%</m:t>
-                    </m:r>
-                  </m:oMath>
-                </a14:m>
-                <a:r>
-                  <a:rPr lang="ru-RU" sz="1600" dirty="0" smtClean="0">
-                    <a:ea typeface="Times New Roman" panose="02020603050405020304" pitchFamily="18" charset="0"/>
-                  </a:rPr>
-                  <a:t>. </a:t>
-                </a:r>
-                <a:endParaRPr lang="ru-RU" sz="1600" dirty="0">
-                  <a:ea typeface="Times New Roman" panose="02020603050405020304" pitchFamily="18" charset="0"/>
-                </a:endParaRPr>
-              </a:p>
-            </p:txBody>
-          </p:sp>
-        </mc:Choice>
-        <mc:Fallback xmlns="">
-          <p:sp>
-            <p:nvSpPr>
-              <p:cNvPr id="9" name="Прямоугольник 8">
-                <a:extLst>
-                  <a:ext uri="{FF2B5EF4-FFF2-40B4-BE49-F238E27FC236}">
-                    <a16:creationId xmlns:a16="http://schemas.microsoft.com/office/drawing/2014/main" id="{7C1103C7-41C2-4629-B25D-2C4B9CCE1563}"/>
-                  </a:ext>
-                </a:extLst>
-              </p:cNvPr>
-              <p:cNvSpPr>
-                <a:spLocks noRot="1" noChangeAspect="1" noMove="1" noResize="1" noEditPoints="1" noAdjustHandles="1" noChangeArrowheads="1" noChangeShapeType="1" noTextEdit="1"/>
-              </p:cNvSpPr>
-              <p:nvPr/>
-            </p:nvSpPr>
-            <p:spPr>
-              <a:xfrm>
-                <a:off x="251175" y="5505782"/>
-                <a:ext cx="11689649" cy="338554"/>
-              </a:xfrm>
-              <a:prstGeom prst="rect">
-                <a:avLst/>
-              </a:prstGeom>
-              <a:blipFill>
-                <a:blip r:embed="rId3"/>
-                <a:stretch>
-                  <a:fillRect t="-5357" b="-21429"/>
-                </a:stretch>
-              </a:blipFill>
-            </p:spPr>
-            <p:txBody>
-              <a:bodyPr/>
-              <a:lstStyle/>
-              <a:p>
-                <a:r>
-                  <a:rPr lang="ru-RU">
-                    <a:noFill/>
-                  </a:rPr>
-                  <a:t> </a:t>
-                </a:r>
-              </a:p>
-            </p:txBody>
-          </p:sp>
-        </mc:Fallback>
-      </mc:AlternateContent>
-      <p:sp>
-        <p:nvSpPr>
-          <p:cNvPr id="13" name="Прямоугольник 12">
-            <a:extLst>
-              <a:ext uri="{FF2B5EF4-FFF2-40B4-BE49-F238E27FC236}">
-                <a16:creationId xmlns:a16="http://schemas.microsoft.com/office/drawing/2014/main" id="{7C1103C7-41C2-4629-B25D-2C4B9CCE1563}"/>
-              </a:ext>
-            </a:extLst>
-          </p:cNvPr>
-          <p:cNvSpPr/>
-          <p:nvPr/>
-        </p:nvSpPr>
-        <p:spPr>
-          <a:xfrm>
-            <a:off x="8876523" y="4720754"/>
-            <a:ext cx="516721" cy="338554"/>
-          </a:xfrm>
-          <a:prstGeom prst="rect">
-            <a:avLst/>
-          </a:prstGeom>
-        </p:spPr>
-        <p:txBody>
-          <a:bodyPr wrap="square">
-            <a:spAutoFit/>
-          </a:bodyPr>
-          <a:lstStyle/>
-          <a:p>
-            <a:pPr algn="ctr">
-              <a:spcAft>
-                <a:spcPts val="0"/>
-              </a:spcAft>
-            </a:pPr>
-            <a:r>
-              <a:rPr lang="ru-RU" sz="1600" dirty="0" smtClean="0">
-                <a:ea typeface="Times New Roman" panose="02020603050405020304" pitchFamily="18" charset="0"/>
-              </a:rPr>
-              <a:t>(б)</a:t>
-            </a:r>
-            <a:endParaRPr lang="ru-RU" sz="1600" dirty="0">
-              <a:ea typeface="Times New Roman" panose="02020603050405020304" pitchFamily="18" charset="0"/>
-            </a:endParaRPr>
-          </a:p>
-        </p:txBody>
-      </p:sp>
-      <p:pic>
-        <p:nvPicPr>
-          <p:cNvPr id="3" name="Рисунок 2"/>
-          <p:cNvPicPr>
-            <a:picLocks noChangeAspect="1"/>
-          </p:cNvPicPr>
-          <p:nvPr/>
-        </p:nvPicPr>
-        <p:blipFill>
-          <a:blip r:embed="rId4"/>
-          <a:stretch>
-            <a:fillRect/>
-          </a:stretch>
-        </p:blipFill>
-        <p:spPr>
-          <a:xfrm>
-            <a:off x="6365317" y="1141280"/>
-            <a:ext cx="5291091" cy="3553836"/>
-          </a:xfrm>
-          <a:prstGeom prst="rect">
-            <a:avLst/>
-          </a:prstGeom>
-        </p:spPr>
-      </p:pic>
       <p:pic>
         <p:nvPicPr>
           <p:cNvPr id="5" name="Рисунок 4"/>
@@ -11637,15 +11320,63 @@
           <p:nvPr/>
         </p:nvPicPr>
         <p:blipFill>
-          <a:blip r:embed="rId5"/>
+          <a:blip r:embed="rId8"/>
           <a:stretch>
             <a:fillRect/>
           </a:stretch>
         </p:blipFill>
         <p:spPr>
           <a:xfrm>
-            <a:off x="641820" y="1151255"/>
-            <a:ext cx="5403856" cy="3599910"/>
+            <a:off x="903099" y="867316"/>
+            <a:ext cx="2474402" cy="2415687"/>
+          </a:xfrm>
+          <a:prstGeom prst="rect">
+            <a:avLst/>
+          </a:prstGeom>
+        </p:spPr>
+      </p:pic>
+      <p:pic>
+        <p:nvPicPr>
+          <p:cNvPr id="6" name="Рисунок 5"/>
+          <p:cNvPicPr>
+            <a:picLocks noChangeAspect="1"/>
+          </p:cNvPicPr>
+          <p:nvPr/>
+        </p:nvPicPr>
+        <p:blipFill>
+          <a:blip r:embed="rId9"/>
+          <a:stretch>
+            <a:fillRect/>
+          </a:stretch>
+        </p:blipFill>
+        <p:spPr>
+          <a:xfrm>
+            <a:off x="4249133" y="3143804"/>
+            <a:ext cx="3150133" cy="2111821"/>
+          </a:xfrm>
+          <a:prstGeom prst="rect">
+            <a:avLst/>
+          </a:prstGeom>
+        </p:spPr>
+      </p:pic>
+      <p:pic>
+        <p:nvPicPr>
+          <p:cNvPr id="9" name="Рисунок 8"/>
+          <p:cNvPicPr>
+            <a:picLocks noChangeAspect="1"/>
+          </p:cNvPicPr>
+          <p:nvPr/>
+        </p:nvPicPr>
+        <p:blipFill>
+          <a:blip r:embed="rId10"/>
+          <a:stretch>
+            <a:fillRect/>
+          </a:stretch>
+        </p:blipFill>
+        <p:spPr>
+          <a:xfrm>
+            <a:off x="8142117" y="993013"/>
+            <a:ext cx="3515199" cy="4301582"/>
           </a:xfrm>
           <a:prstGeom prst="rect">
             <a:avLst/>
@@ -11655,7 +11386,7 @@
     </p:spTree>
     <p:extLst>
       <p:ext uri="{BB962C8B-B14F-4D97-AF65-F5344CB8AC3E}">
-        <p14:creationId xmlns:p14="http://schemas.microsoft.com/office/powerpoint/2010/main" val="3972199236"/>
+        <p14:creationId xmlns:p14="http://schemas.microsoft.com/office/powerpoint/2010/main" val="4112701935"/>
       </p:ext>
     </p:extLst>
   </p:cSld>
@@ -11694,8 +11425,8 @@
         </p:nvSpPr>
         <p:spPr>
           <a:xfrm>
-            <a:off x="838200" y="365125"/>
-            <a:ext cx="10515600" cy="760673"/>
+            <a:off x="838200" y="365126"/>
+            <a:ext cx="10515600" cy="514106"/>
           </a:xfrm>
         </p:spPr>
         <p:txBody>
@@ -11705,8 +11436,8 @@
           <a:lstStyle/>
           <a:p>
             <a:r>
-              <a:rPr lang="ru-RU" sz="3200" dirty="0" smtClean="0"/>
-              <a:t>Выводы по промежуточным результатам и дальнейшая работа</a:t>
+              <a:rPr lang="ru-RU" sz="3200" dirty="0"/>
+              <a:t>Демонстрационный пример</a:t>
             </a:r>
             <a:endParaRPr lang="ru-RU" sz="4800" dirty="0"/>
           </a:p>
@@ -11714,13 +11445,242 @@
       </p:sp>
       <p:sp>
         <p:nvSpPr>
-          <p:cNvPr id="11" name="Номер слайда 10">
+          <p:cNvPr id="8" name="Прямоугольник 7">
             <a:extLst>
               <a:ext uri="{FF2B5EF4-FFF2-40B4-BE49-F238E27FC236}">
-                <a16:creationId xmlns:a16="http://schemas.microsoft.com/office/drawing/2014/main" id="{3A91D745-9CA6-414C-AEAB-25A55984B29C}"/>
+                <a16:creationId xmlns:a16="http://schemas.microsoft.com/office/drawing/2014/main" id="{7C1103C7-41C2-4629-B25D-2C4B9CCE1563}"/>
               </a:ext>
             </a:extLst>
           </p:cNvPr>
+          <p:cNvSpPr/>
+          <p:nvPr/>
+        </p:nvSpPr>
+        <p:spPr>
+          <a:xfrm>
+            <a:off x="3085388" y="4748087"/>
+            <a:ext cx="516721" cy="338554"/>
+          </a:xfrm>
+          <a:prstGeom prst="rect">
+            <a:avLst/>
+          </a:prstGeom>
+        </p:spPr>
+        <p:txBody>
+          <a:bodyPr wrap="square">
+            <a:spAutoFit/>
+          </a:bodyPr>
+          <a:lstStyle/>
+          <a:p>
+            <a:pPr algn="ctr">
+              <a:spcAft>
+                <a:spcPts val="0"/>
+              </a:spcAft>
+            </a:pPr>
+            <a:r>
+              <a:rPr lang="ru-RU" sz="1600" dirty="0">
+                <a:ea typeface="Times New Roman" panose="02020603050405020304" pitchFamily="18" charset="0"/>
+              </a:rPr>
+              <a:t>(а)</a:t>
+            </a:r>
+          </a:p>
+        </p:txBody>
+      </p:sp>
+      <mc:AlternateContent xmlns:mc="http://schemas.openxmlformats.org/markup-compatibility/2006" xmlns:a14="http://schemas.microsoft.com/office/drawing/2010/main">
+        <mc:Choice Requires="a14">
+          <p:sp>
+            <p:nvSpPr>
+              <p:cNvPr id="9" name="Прямоугольник 8">
+                <a:extLst>
+                  <a:ext uri="{FF2B5EF4-FFF2-40B4-BE49-F238E27FC236}">
+                    <a16:creationId xmlns:a16="http://schemas.microsoft.com/office/drawing/2014/main" id="{7C1103C7-41C2-4629-B25D-2C4B9CCE1563}"/>
+                  </a:ext>
+                </a:extLst>
+              </p:cNvPr>
+              <p:cNvSpPr/>
+              <p:nvPr/>
+            </p:nvSpPr>
+            <p:spPr>
+              <a:xfrm>
+                <a:off x="251175" y="5505782"/>
+                <a:ext cx="11689649" cy="338554"/>
+              </a:xfrm>
+              <a:prstGeom prst="rect">
+                <a:avLst/>
+              </a:prstGeom>
+            </p:spPr>
+            <p:txBody>
+              <a:bodyPr wrap="square">
+                <a:spAutoFit/>
+              </a:bodyPr>
+              <a:lstStyle/>
+              <a:p>
+                <a:pPr algn="ctr">
+                  <a:spcAft>
+                    <a:spcPts val="0"/>
+                  </a:spcAft>
+                </a:pPr>
+                <a:r>
+                  <a:rPr lang="ru-RU" sz="1600" dirty="0">
+                    <a:ea typeface="Times New Roman" panose="02020603050405020304" pitchFamily="18" charset="0"/>
+                  </a:rPr>
+                  <a:t>Рис</a:t>
+                </a:r>
+                <a:r>
+                  <a:rPr lang="en-US" sz="1600" dirty="0">
+                    <a:ea typeface="Times New Roman" panose="02020603050405020304" pitchFamily="18" charset="0"/>
+                  </a:rPr>
+                  <a:t>.</a:t>
+                </a:r>
+                <a:r>
+                  <a:rPr lang="ru-RU" sz="1600" dirty="0">
+                    <a:ea typeface="Times New Roman" panose="02020603050405020304" pitchFamily="18" charset="0"/>
+                  </a:rPr>
+                  <a:t>7</a:t>
+                </a:r>
+                <a:r>
+                  <a:rPr lang="en-US" sz="1600" dirty="0">
+                    <a:ea typeface="Times New Roman" panose="02020603050405020304" pitchFamily="18" charset="0"/>
+                  </a:rPr>
+                  <a:t>. </a:t>
+                </a:r>
+                <a:r>
+                  <a:rPr lang="ru-RU" sz="1600" dirty="0">
+                    <a:ea typeface="Times New Roman" panose="02020603050405020304" pitchFamily="18" charset="0"/>
+                  </a:rPr>
+                  <a:t>Результаты для демонстрационного файла. (а) – модель 1, точность –</a:t>
+                </a:r>
+                <a:r>
+                  <a:rPr lang="en-US" sz="1600" dirty="0">
+                    <a:ea typeface="Times New Roman" panose="02020603050405020304" pitchFamily="18" charset="0"/>
+                  </a:rPr>
+                  <a:t> </a:t>
+                </a:r>
+                <a14:m>
+                  <m:oMath xmlns:m="http://schemas.openxmlformats.org/officeDocument/2006/math">
+                    <m:r>
+                      <a:rPr lang="en-US" sz="1600" i="1" dirty="0" smtClean="0">
+                        <a:latin typeface="Cambria Math" panose="02040503050406030204" pitchFamily="18" charset="0"/>
+                        <a:ea typeface="Times New Roman" panose="02020603050405020304" pitchFamily="18" charset="0"/>
+                      </a:rPr>
+                      <m:t>43.75%</m:t>
+                    </m:r>
+                  </m:oMath>
+                </a14:m>
+                <a:r>
+                  <a:rPr lang="ru-RU" sz="1600" dirty="0">
+                    <a:ea typeface="Times New Roman" panose="02020603050405020304" pitchFamily="18" charset="0"/>
+                  </a:rPr>
+                  <a:t>. (б)  - модель 2, точность - </a:t>
+                </a:r>
+                <a14:m>
+                  <m:oMath xmlns:m="http://schemas.openxmlformats.org/officeDocument/2006/math">
+                    <m:r>
+                      <a:rPr lang="en-US" sz="1600" b="0" i="1" smtClean="0">
+                        <a:latin typeface="Cambria Math" panose="02040503050406030204" pitchFamily="18" charset="0"/>
+                        <a:ea typeface="Times New Roman" panose="02020603050405020304" pitchFamily="18" charset="0"/>
+                      </a:rPr>
+                      <m:t>21.88%</m:t>
+                    </m:r>
+                  </m:oMath>
+                </a14:m>
+                <a:r>
+                  <a:rPr lang="ru-RU" sz="1600" dirty="0">
+                    <a:ea typeface="Times New Roman" panose="02020603050405020304" pitchFamily="18" charset="0"/>
+                  </a:rPr>
+                  <a:t>. </a:t>
+                </a:r>
+              </a:p>
+            </p:txBody>
+          </p:sp>
+        </mc:Choice>
+        <mc:Fallback xmlns="">
+          <p:sp>
+            <p:nvSpPr>
+              <p:cNvPr id="9" name="Прямоугольник 8">
+                <a:extLst>
+                  <a:ext uri="{FF2B5EF4-FFF2-40B4-BE49-F238E27FC236}">
+                    <a16:creationId xmlns:a16="http://schemas.microsoft.com/office/drawing/2014/main" id="{7C1103C7-41C2-4629-B25D-2C4B9CCE1563}"/>
+                  </a:ext>
+                </a:extLst>
+              </p:cNvPr>
+              <p:cNvSpPr>
+                <a:spLocks noRot="1" noChangeAspect="1" noMove="1" noResize="1" noEditPoints="1" noAdjustHandles="1" noChangeArrowheads="1" noChangeShapeType="1" noTextEdit="1"/>
+              </p:cNvSpPr>
+              <p:nvPr/>
+            </p:nvSpPr>
+            <p:spPr>
+              <a:xfrm>
+                <a:off x="251175" y="5505782"/>
+                <a:ext cx="11689649" cy="338554"/>
+              </a:xfrm>
+              <a:prstGeom prst="rect">
+                <a:avLst/>
+              </a:prstGeom>
+              <a:blipFill>
+                <a:blip r:embed="rId2"/>
+                <a:stretch>
+                  <a:fillRect t="-5357" b="-21429"/>
+                </a:stretch>
+              </a:blipFill>
+            </p:spPr>
+            <p:txBody>
+              <a:bodyPr/>
+              <a:lstStyle/>
+              <a:p>
+                <a:r>
+                  <a:rPr lang="ru-RU">
+                    <a:noFill/>
+                  </a:rPr>
+                  <a:t> </a:t>
+                </a:r>
+              </a:p>
+            </p:txBody>
+          </p:sp>
+        </mc:Fallback>
+      </mc:AlternateContent>
+      <p:sp>
+        <p:nvSpPr>
+          <p:cNvPr id="13" name="Прямоугольник 12">
+            <a:extLst>
+              <a:ext uri="{FF2B5EF4-FFF2-40B4-BE49-F238E27FC236}">
+                <a16:creationId xmlns:a16="http://schemas.microsoft.com/office/drawing/2014/main" id="{7C1103C7-41C2-4629-B25D-2C4B9CCE1563}"/>
+              </a:ext>
+            </a:extLst>
+          </p:cNvPr>
+          <p:cNvSpPr/>
+          <p:nvPr/>
+        </p:nvSpPr>
+        <p:spPr>
+          <a:xfrm>
+            <a:off x="8738271" y="4715572"/>
+            <a:ext cx="516721" cy="338554"/>
+          </a:xfrm>
+          <a:prstGeom prst="rect">
+            <a:avLst/>
+          </a:prstGeom>
+        </p:spPr>
+        <p:txBody>
+          <a:bodyPr wrap="square">
+            <a:spAutoFit/>
+          </a:bodyPr>
+          <a:lstStyle/>
+          <a:p>
+            <a:pPr algn="ctr">
+              <a:spcAft>
+                <a:spcPts val="0"/>
+              </a:spcAft>
+            </a:pPr>
+            <a:r>
+              <a:rPr lang="ru-RU" sz="1600" dirty="0">
+                <a:ea typeface="Times New Roman" panose="02020603050405020304" pitchFamily="18" charset="0"/>
+              </a:rPr>
+              <a:t>(б)</a:t>
+            </a:r>
+          </a:p>
+        </p:txBody>
+      </p:sp>
+      <p:sp>
+        <p:nvSpPr>
+          <p:cNvPr id="3" name="Номер слайда 2"/>
           <p:cNvSpPr>
             <a:spLocks noGrp="1"/>
           </p:cNvSpPr>
@@ -11740,172 +11700,64 @@
             </a:fld>
             <a:r>
               <a:rPr lang="en-US"/>
-              <a:t>/</a:t>
-            </a:r>
-            <a:r>
-              <a:rPr lang="ru-RU"/>
-              <a:t>20</a:t>
+              <a:t>/18</a:t>
             </a:r>
             <a:endParaRPr lang="ru-RU" dirty="0"/>
           </a:p>
         </p:txBody>
       </p:sp>
-      <p:sp>
-        <p:nvSpPr>
-          <p:cNvPr id="7" name="Объект 4">
-            <a:extLst>
-              <a:ext uri="{FF2B5EF4-FFF2-40B4-BE49-F238E27FC236}">
-                <a16:creationId xmlns:a16="http://schemas.microsoft.com/office/drawing/2014/main" id="{CECBFFEE-5029-4E7A-AB57-EE46E254E3E1}"/>
-              </a:ext>
-            </a:extLst>
-          </p:cNvPr>
-          <p:cNvSpPr>
-            <a:spLocks noGrp="1"/>
-          </p:cNvSpPr>
-          <p:nvPr>
-            <p:ph idx="1"/>
-          </p:nvPr>
-        </p:nvSpPr>
+      <p:pic>
+        <p:nvPicPr>
+          <p:cNvPr id="5" name="Рисунок 4"/>
+          <p:cNvPicPr>
+            <a:picLocks noChangeAspect="1"/>
+          </p:cNvPicPr>
+          <p:nvPr/>
+        </p:nvPicPr>
+        <p:blipFill>
+          <a:blip r:embed="rId3"/>
+          <a:stretch>
+            <a:fillRect/>
+          </a:stretch>
+        </p:blipFill>
         <p:spPr>
           <a:xfrm>
-            <a:off x="838200" y="1466193"/>
-            <a:ext cx="10515599" cy="3342290"/>
+            <a:off x="541945" y="1012968"/>
+            <a:ext cx="5380291" cy="3601382"/>
           </a:xfrm>
+          <a:prstGeom prst="rect">
+            <a:avLst/>
+          </a:prstGeom>
         </p:spPr>
-        <p:txBody>
-          <a:bodyPr/>
-          <a:lstStyle/>
-          <a:p>
-            <a:pPr marL="45720" indent="0">
-              <a:buNone/>
-            </a:pPr>
-            <a:r>
-              <a:rPr lang="ru-RU" sz="2000" dirty="0" smtClean="0">
-                <a:solidFill>
-                  <a:schemeClr val="tx1"/>
-                </a:solidFill>
-              </a:rPr>
-              <a:t>Выводы:</a:t>
-            </a:r>
-          </a:p>
-          <a:p>
-            <a:r>
-              <a:rPr lang="ru-RU" sz="2000" dirty="0">
-                <a:solidFill>
-                  <a:schemeClr val="tx1"/>
-                </a:solidFill>
-              </a:rPr>
-              <a:t>Оба подхода дают неплохую точность распознавания нот при обучении, но при демонстрации их точность довольно низкая;</a:t>
-            </a:r>
-          </a:p>
-          <a:p>
-            <a:r>
-              <a:rPr lang="ru-RU" sz="2000" dirty="0" smtClean="0">
-                <a:solidFill>
-                  <a:schemeClr val="tx1"/>
-                </a:solidFill>
-              </a:rPr>
-              <a:t>При использовании обоих подходов присутствует переобучение.</a:t>
-            </a:r>
-          </a:p>
-          <a:p>
-            <a:pPr marL="45720" indent="0">
-              <a:buNone/>
-            </a:pPr>
-            <a:r>
-              <a:rPr lang="ru-RU" sz="2000" dirty="0" smtClean="0">
-                <a:solidFill>
-                  <a:schemeClr val="tx1"/>
-                </a:solidFill>
-              </a:rPr>
-              <a:t>Следующие шаги исследования для модели 2:</a:t>
-            </a:r>
-          </a:p>
-          <a:p>
-            <a:pPr marL="502920" indent="-457200">
-              <a:buFont typeface="+mj-lt"/>
-              <a:buAutoNum type="arabicPeriod"/>
-            </a:pPr>
-            <a:r>
-              <a:rPr lang="ru-RU" sz="2000" dirty="0" smtClean="0">
-                <a:solidFill>
-                  <a:schemeClr val="tx1"/>
-                </a:solidFill>
-              </a:rPr>
-              <a:t>Изменение шага окна;</a:t>
-            </a:r>
-          </a:p>
-          <a:p>
-            <a:pPr marL="502920" indent="-457200">
-              <a:buFont typeface="+mj-lt"/>
-              <a:buAutoNum type="arabicPeriod"/>
-            </a:pPr>
-            <a:r>
-              <a:rPr lang="ru-RU" sz="2000" dirty="0" smtClean="0">
-                <a:solidFill>
-                  <a:schemeClr val="tx1"/>
-                </a:solidFill>
-              </a:rPr>
-              <a:t>Изменение количества кадров, подаваемых на вход </a:t>
-            </a:r>
-            <a:r>
-              <a:rPr lang="ru-RU" sz="2000" dirty="0" err="1" smtClean="0">
-                <a:solidFill>
-                  <a:schemeClr val="tx1"/>
-                </a:solidFill>
-              </a:rPr>
-              <a:t>нейросети</a:t>
-            </a:r>
-            <a:r>
-              <a:rPr lang="ru-RU" sz="2000" dirty="0" smtClean="0">
-                <a:solidFill>
-                  <a:schemeClr val="tx1"/>
-                </a:solidFill>
-              </a:rPr>
-              <a:t>;</a:t>
-            </a:r>
-          </a:p>
-          <a:p>
-            <a:pPr marL="502920" indent="-457200">
-              <a:buFont typeface="+mj-lt"/>
-              <a:buAutoNum type="arabicPeriod"/>
-            </a:pPr>
-            <a:r>
-              <a:rPr lang="ru-RU" sz="2000" dirty="0" smtClean="0">
-                <a:solidFill>
-                  <a:schemeClr val="tx1"/>
-                </a:solidFill>
-              </a:rPr>
-              <a:t>Борьба с переобучением.</a:t>
-            </a:r>
-          </a:p>
-          <a:p>
-            <a:pPr marL="502920" indent="-457200">
-              <a:buFont typeface="+mj-lt"/>
-              <a:buAutoNum type="arabicPeriod"/>
-            </a:pPr>
-            <a:endParaRPr lang="ru-RU" sz="2000" dirty="0" smtClean="0">
-              <a:solidFill>
-                <a:schemeClr val="tx1"/>
-              </a:solidFill>
-            </a:endParaRPr>
-          </a:p>
-          <a:p>
-            <a:pPr marL="45720" indent="0">
-              <a:buNone/>
-            </a:pPr>
-            <a:endParaRPr lang="en-US" sz="2000" dirty="0">
-              <a:solidFill>
-                <a:schemeClr val="tx1"/>
-              </a:solidFill>
-            </a:endParaRPr>
-          </a:p>
-        </p:txBody>
-      </p:sp>
+      </p:pic>
+      <p:pic>
+        <p:nvPicPr>
+          <p:cNvPr id="7" name="Рисунок 6"/>
+          <p:cNvPicPr>
+            <a:picLocks noChangeAspect="1"/>
+          </p:cNvPicPr>
+          <p:nvPr/>
+        </p:nvPicPr>
+        <p:blipFill>
+          <a:blip r:embed="rId4"/>
+          <a:stretch>
+            <a:fillRect/>
+          </a:stretch>
+        </p:blipFill>
+        <p:spPr>
+          <a:xfrm>
+            <a:off x="6135881" y="1012968"/>
+            <a:ext cx="5506723" cy="3601382"/>
+          </a:xfrm>
+          <a:prstGeom prst="rect">
+            <a:avLst/>
+          </a:prstGeom>
+        </p:spPr>
+      </p:pic>
     </p:spTree>
     <p:extLst>
       <p:ext uri="{BB962C8B-B14F-4D97-AF65-F5344CB8AC3E}">
-        <p14:creationId xmlns:p14="http://schemas.microsoft.com/office/powerpoint/2010/main" val="460937769"/>
+        <p14:creationId xmlns:p14="http://schemas.microsoft.com/office/powerpoint/2010/main" val="3972199236"/>
       </p:ext>
     </p:extLst>
   </p:cSld>
@@ -11955,48 +11807,10 @@
           <a:lstStyle/>
           <a:p>
             <a:r>
-              <a:rPr lang="ru-RU" sz="3200" dirty="0" smtClean="0"/>
-              <a:t>Заключение</a:t>
+              <a:rPr lang="ru-RU" sz="3200" dirty="0"/>
+              <a:t>Выводы по промежуточным результатам и дальнейшая работа</a:t>
             </a:r>
             <a:endParaRPr lang="ru-RU" sz="4800" dirty="0"/>
-          </a:p>
-        </p:txBody>
-      </p:sp>
-      <p:sp>
-        <p:nvSpPr>
-          <p:cNvPr id="11" name="Номер слайда 10">
-            <a:extLst>
-              <a:ext uri="{FF2B5EF4-FFF2-40B4-BE49-F238E27FC236}">
-                <a16:creationId xmlns:a16="http://schemas.microsoft.com/office/drawing/2014/main" id="{3A91D745-9CA6-414C-AEAB-25A55984B29C}"/>
-              </a:ext>
-            </a:extLst>
-          </p:cNvPr>
-          <p:cNvSpPr>
-            <a:spLocks noGrp="1"/>
-          </p:cNvSpPr>
-          <p:nvPr>
-            <p:ph type="sldNum" sz="quarter" idx="12"/>
-          </p:nvPr>
-        </p:nvSpPr>
-        <p:spPr/>
-        <p:txBody>
-          <a:bodyPr/>
-          <a:lstStyle/>
-          <a:p>
-            <a:fld id="{871F4C9F-061D-468D-90C1-298C9849AF70}" type="slidenum">
-              <a:rPr lang="ru-RU" smtClean="0"/>
-              <a:pPr/>
-              <a:t>18</a:t>
-            </a:fld>
-            <a:r>
-              <a:rPr lang="en-US"/>
-              <a:t>/</a:t>
-            </a:r>
-            <a:r>
-              <a:rPr lang="ru-RU"/>
-              <a:t>20</a:t>
-            </a:r>
-            <a:endParaRPr lang="ru-RU" dirty="0"/>
           </a:p>
         </p:txBody>
       </p:sp>
@@ -12018,8 +11832,8 @@
         </p:nvSpPr>
         <p:spPr>
           <a:xfrm>
-            <a:off x="838200" y="1125798"/>
-            <a:ext cx="10515599" cy="3682685"/>
+            <a:off x="838200" y="1466192"/>
+            <a:ext cx="10515599" cy="4336401"/>
           </a:xfrm>
         </p:spPr>
         <p:txBody>
@@ -12029,7 +11843,153 @@
             <a:pPr marL="45720" indent="0">
               <a:buNone/>
             </a:pPr>
-            <a:endParaRPr lang="ru-RU" sz="2000" dirty="0" smtClean="0">
+            <a:r>
+              <a:rPr lang="ru-RU" sz="2000" dirty="0">
+                <a:solidFill>
+                  <a:schemeClr val="tx1"/>
+                </a:solidFill>
+              </a:rPr>
+              <a:t>Выводы:</a:t>
+            </a:r>
+          </a:p>
+          <a:p>
+            <a:r>
+              <a:rPr lang="ru-RU" sz="2000" dirty="0">
+                <a:solidFill>
+                  <a:schemeClr val="tx1"/>
+                </a:solidFill>
+              </a:rPr>
+              <a:t>Оба подхода дают неплохую точность распознавания нот при обучении, но при демонстрации их точность довольно низкая;</a:t>
+            </a:r>
+          </a:p>
+          <a:p>
+            <a:r>
+              <a:rPr lang="ru-RU" sz="2000" dirty="0">
+                <a:solidFill>
+                  <a:schemeClr val="tx1"/>
+                </a:solidFill>
+              </a:rPr>
+              <a:t>При использовании обоих подходов присутствует переобучение.</a:t>
+            </a:r>
+          </a:p>
+          <a:p>
+            <a:pPr marL="45720" indent="0">
+              <a:buNone/>
+            </a:pPr>
+            <a:r>
+              <a:rPr lang="ru-RU" sz="2000" dirty="0">
+                <a:solidFill>
+                  <a:schemeClr val="tx1"/>
+                </a:solidFill>
+              </a:rPr>
+              <a:t>Следующие шаги исследования для модели 2:</a:t>
+            </a:r>
+          </a:p>
+          <a:p>
+            <a:pPr marL="502920" indent="-457200">
+              <a:buFont typeface="+mj-lt"/>
+              <a:buAutoNum type="arabicPeriod"/>
+            </a:pPr>
+            <a:r>
+              <a:rPr lang="ru-RU" sz="2000" dirty="0">
+                <a:solidFill>
+                  <a:schemeClr val="tx1"/>
+                </a:solidFill>
+              </a:rPr>
+              <a:t>Изменение шага окна;</a:t>
+            </a:r>
+          </a:p>
+          <a:p>
+            <a:pPr marL="502920" indent="-457200">
+              <a:buFont typeface="+mj-lt"/>
+              <a:buAutoNum type="arabicPeriod"/>
+            </a:pPr>
+            <a:r>
+              <a:rPr lang="ru-RU" sz="2000" dirty="0">
+                <a:solidFill>
+                  <a:schemeClr val="tx1"/>
+                </a:solidFill>
+              </a:rPr>
+              <a:t>Изменение количества кадров, подаваемых на вход </a:t>
+            </a:r>
+            <a:r>
+              <a:rPr lang="ru-RU" sz="2000" dirty="0" err="1">
+                <a:solidFill>
+                  <a:schemeClr val="tx1"/>
+                </a:solidFill>
+              </a:rPr>
+              <a:t>нейросети</a:t>
+            </a:r>
+            <a:r>
+              <a:rPr lang="ru-RU" sz="2000" dirty="0">
+                <a:solidFill>
+                  <a:schemeClr val="tx1"/>
+                </a:solidFill>
+              </a:rPr>
+              <a:t>;</a:t>
+            </a:r>
+          </a:p>
+          <a:p>
+            <a:pPr marL="502920" indent="-457200">
+              <a:buFont typeface="+mj-lt"/>
+              <a:buAutoNum type="arabicPeriod"/>
+            </a:pPr>
+            <a:r>
+              <a:rPr lang="ru-RU" sz="2000" dirty="0">
+                <a:solidFill>
+                  <a:schemeClr val="tx1"/>
+                </a:solidFill>
+              </a:rPr>
+              <a:t>Борьба с переобучением;</a:t>
+            </a:r>
+          </a:p>
+          <a:p>
+            <a:pPr marL="502920" indent="-457200">
+              <a:buFont typeface="+mj-lt"/>
+              <a:buAutoNum type="arabicPeriod"/>
+            </a:pPr>
+            <a:r>
+              <a:rPr lang="ru-RU" sz="2000" dirty="0">
+                <a:solidFill>
+                  <a:schemeClr val="tx1"/>
+                </a:solidFill>
+              </a:rPr>
+              <a:t>Поиск оптимальных треугольных фильтров;</a:t>
+            </a:r>
+          </a:p>
+          <a:p>
+            <a:pPr marL="502920" indent="-457200">
+              <a:buFont typeface="+mj-lt"/>
+              <a:buAutoNum type="arabicPeriod"/>
+            </a:pPr>
+            <a:r>
+              <a:rPr lang="ru-RU" sz="2000" dirty="0">
+                <a:solidFill>
+                  <a:schemeClr val="tx1"/>
+                </a:solidFill>
+              </a:rPr>
+              <a:t>Использование ДКП вместо </a:t>
+            </a:r>
+            <a:r>
+              <a:rPr lang="en-US" sz="2000" dirty="0">
+                <a:solidFill>
+                  <a:schemeClr val="tx1"/>
+                </a:solidFill>
+              </a:rPr>
+              <a:t>STFT.</a:t>
+            </a:r>
+            <a:endParaRPr lang="ru-RU" sz="2000" dirty="0">
+              <a:solidFill>
+                <a:schemeClr val="tx1"/>
+              </a:solidFill>
+            </a:endParaRPr>
+          </a:p>
+          <a:p>
+            <a:pPr marL="502920" indent="-457200">
+              <a:buFont typeface="+mj-lt"/>
+              <a:buAutoNum type="arabicPeriod"/>
+            </a:pPr>
+            <a:endParaRPr lang="ru-RU" sz="2000" dirty="0">
               <a:solidFill>
                 <a:schemeClr val="tx1"/>
               </a:solidFill>
@@ -12047,10 +12007,38 @@
           </a:p>
         </p:txBody>
       </p:sp>
+      <p:sp>
+        <p:nvSpPr>
+          <p:cNvPr id="3" name="Номер слайда 2"/>
+          <p:cNvSpPr>
+            <a:spLocks noGrp="1"/>
+          </p:cNvSpPr>
+          <p:nvPr>
+            <p:ph type="sldNum" sz="quarter" idx="12"/>
+          </p:nvPr>
+        </p:nvSpPr>
+        <p:spPr/>
+        <p:txBody>
+          <a:bodyPr/>
+          <a:lstStyle/>
+          <a:p>
+            <a:fld id="{871F4C9F-061D-468D-90C1-298C9849AF70}" type="slidenum">
+              <a:rPr lang="ru-RU" smtClean="0"/>
+              <a:pPr/>
+              <a:t>18</a:t>
+            </a:fld>
+            <a:r>
+              <a:rPr lang="en-US"/>
+              <a:t>/18</a:t>
+            </a:r>
+            <a:endParaRPr lang="ru-RU" dirty="0"/>
+          </a:p>
+        </p:txBody>
+      </p:sp>
     </p:spTree>
     <p:extLst>
       <p:ext uri="{BB962C8B-B14F-4D97-AF65-F5344CB8AC3E}">
-        <p14:creationId xmlns:p14="http://schemas.microsoft.com/office/powerpoint/2010/main" val="1450583172"/>
+        <p14:creationId xmlns:p14="http://schemas.microsoft.com/office/powerpoint/2010/main" val="460937769"/>
       </p:ext>
     </p:extLst>
   </p:cSld>
@@ -12095,10 +12083,37 @@
           <a:lstStyle/>
           <a:p>
             <a:r>
-              <a:rPr lang="ru-RU" sz="4400" dirty="0" smtClean="0"/>
+              <a:rPr lang="ru-RU" sz="4400" dirty="0"/>
               <a:t>Спасибо за внимание! </a:t>
             </a:r>
-            <a:endParaRPr lang="ru-RU" sz="4400" dirty="0"/>
+          </a:p>
+        </p:txBody>
+      </p:sp>
+      <p:sp>
+        <p:nvSpPr>
+          <p:cNvPr id="4" name="Номер слайда 3"/>
+          <p:cNvSpPr>
+            <a:spLocks noGrp="1"/>
+          </p:cNvSpPr>
+          <p:nvPr>
+            <p:ph type="sldNum" sz="quarter" idx="12"/>
+          </p:nvPr>
+        </p:nvSpPr>
+        <p:spPr/>
+        <p:txBody>
+          <a:bodyPr/>
+          <a:lstStyle/>
+          <a:p>
+            <a:fld id="{871F4C9F-061D-468D-90C1-298C9849AF70}" type="slidenum">
+              <a:rPr lang="ru-RU" smtClean="0"/>
+              <a:pPr/>
+              <a:t>19</a:t>
+            </a:fld>
+            <a:r>
+              <a:rPr lang="en-US"/>
+              <a:t>/18</a:t>
+            </a:r>
+            <a:endParaRPr lang="ru-RU" dirty="0"/>
           </a:p>
         </p:txBody>
       </p:sp>
@@ -12423,7 +12438,7 @@
         <p:spPr>
           <a:xfrm>
             <a:off x="838200" y="3264409"/>
-            <a:ext cx="9138313" cy="3055770"/>
+            <a:ext cx="10690077" cy="3055770"/>
           </a:xfrm>
           <a:prstGeom prst="rect">
             <a:avLst/>
@@ -12754,13 +12769,7 @@
       </p:pic>
       <p:sp>
         <p:nvSpPr>
-          <p:cNvPr id="31" name="Номер слайда 30">
-            <a:extLst>
-              <a:ext uri="{FF2B5EF4-FFF2-40B4-BE49-F238E27FC236}">
-                <a16:creationId xmlns:a16="http://schemas.microsoft.com/office/drawing/2014/main" id="{01083724-4D59-4D20-BF1A-085370C4FF3C}"/>
-              </a:ext>
-            </a:extLst>
-          </p:cNvPr>
+          <p:cNvPr id="3" name="Номер слайда 2"/>
           <p:cNvSpPr>
             <a:spLocks noGrp="1"/>
           </p:cNvSpPr>
@@ -12780,11 +12789,7 @@
             </a:fld>
             <a:r>
               <a:rPr lang="en-US"/>
-              <a:t>/</a:t>
-            </a:r>
-            <a:r>
-              <a:rPr lang="ru-RU"/>
-              <a:t>20</a:t>
+              <a:t>/18</a:t>
             </a:r>
             <a:endParaRPr lang="ru-RU" dirty="0"/>
           </a:p>
@@ -12919,13 +12924,7 @@
       </p:sp>
       <p:sp>
         <p:nvSpPr>
-          <p:cNvPr id="8" name="Номер слайда 7">
-            <a:extLst>
-              <a:ext uri="{FF2B5EF4-FFF2-40B4-BE49-F238E27FC236}">
-                <a16:creationId xmlns:a16="http://schemas.microsoft.com/office/drawing/2014/main" id="{08886BDC-E0D8-4D4F-8CA4-EF2A967BBEB0}"/>
-              </a:ext>
-            </a:extLst>
-          </p:cNvPr>
+          <p:cNvPr id="4" name="Номер слайда 3"/>
           <p:cNvSpPr>
             <a:spLocks noGrp="1"/>
           </p:cNvSpPr>
@@ -12945,11 +12944,7 @@
             </a:fld>
             <a:r>
               <a:rPr lang="en-US"/>
-              <a:t>/</a:t>
-            </a:r>
-            <a:r>
-              <a:rPr lang="ru-RU"/>
-              <a:t>20</a:t>
+              <a:t>/18</a:t>
             </a:r>
             <a:endParaRPr lang="ru-RU" dirty="0"/>
           </a:p>
@@ -13029,8 +13024,8 @@
             </p:nvSpPr>
             <p:spPr>
               <a:xfrm>
-                <a:off x="838200" y="1105134"/>
-                <a:ext cx="10515600" cy="3062869"/>
+                <a:off x="838199" y="827772"/>
+                <a:ext cx="10515600" cy="3469591"/>
               </a:xfrm>
             </p:spPr>
             <p:txBody>
@@ -13250,65 +13245,70 @@
                         </m:ctrlPr>
                       </m:fPr>
                       <m:num>
-                        <m:sSup>
-                          <m:sSupPr>
+                        <m:r>
+                          <m:rPr>
+                            <m:sty m:val="p"/>
+                          </m:rPr>
+                          <a:rPr lang="en-US" sz="2000" b="0" i="0" smtClean="0">
+                            <a:solidFill>
+                              <a:schemeClr val="tx1"/>
+                            </a:solidFill>
+                            <a:latin typeface="Cambria Math" panose="02040503050406030204" pitchFamily="18" charset="0"/>
+                          </a:rPr>
+                          <m:t>exp</m:t>
+                        </m:r>
+                        <m:r>
+                          <a:rPr lang="en-US" sz="2000" b="0" i="1" smtClean="0">
+                            <a:solidFill>
+                              <a:schemeClr val="tx1"/>
+                            </a:solidFill>
+                            <a:latin typeface="Cambria Math" panose="02040503050406030204" pitchFamily="18" charset="0"/>
+                          </a:rPr>
+                          <m:t>⁡(</m:t>
+                        </m:r>
+                        <m:sSub>
+                          <m:sSubPr>
                             <m:ctrlPr>
-                              <a:rPr lang="en-US" sz="2000" b="0" i="1" smtClean="0">
+                              <a:rPr lang="en-US" sz="2000" i="1">
                                 <a:solidFill>
                                   <a:schemeClr val="tx1"/>
                                 </a:solidFill>
                                 <a:latin typeface="Cambria Math" panose="02040503050406030204" pitchFamily="18" charset="0"/>
                               </a:rPr>
                             </m:ctrlPr>
-                          </m:sSupPr>
+                          </m:sSubPr>
                           <m:e>
                             <m:r>
-                              <a:rPr lang="en-US" sz="2000" b="0" i="1" smtClean="0">
+                              <a:rPr lang="en-US" sz="2000" i="1">
                                 <a:solidFill>
                                   <a:schemeClr val="tx1"/>
                                 </a:solidFill>
                                 <a:latin typeface="Cambria Math" panose="02040503050406030204" pitchFamily="18" charset="0"/>
                               </a:rPr>
-                              <m:t>𝑒</m:t>
+                              <m:t>𝑦</m:t>
                             </m:r>
                           </m:e>
-                          <m:sup>
-                            <m:sSub>
-                              <m:sSubPr>
-                                <m:ctrlPr>
-                                  <a:rPr lang="en-US" sz="2000" b="0" i="1" smtClean="0">
-                                    <a:solidFill>
-                                      <a:schemeClr val="tx1"/>
-                                    </a:solidFill>
-                                    <a:latin typeface="Cambria Math" panose="02040503050406030204" pitchFamily="18" charset="0"/>
-                                  </a:rPr>
-                                </m:ctrlPr>
-                              </m:sSubPr>
-                              <m:e>
-                                <m:r>
-                                  <a:rPr lang="en-US" sz="2000" b="0" i="1" smtClean="0">
-                                    <a:solidFill>
-                                      <a:schemeClr val="tx1"/>
-                                    </a:solidFill>
-                                    <a:latin typeface="Cambria Math" panose="02040503050406030204" pitchFamily="18" charset="0"/>
-                                  </a:rPr>
-                                  <m:t>𝑦</m:t>
-                                </m:r>
-                              </m:e>
-                              <m:sub>
-                                <m:r>
-                                  <a:rPr lang="en-US" sz="2000" b="0" i="1" smtClean="0">
-                                    <a:solidFill>
-                                      <a:schemeClr val="tx1"/>
-                                    </a:solidFill>
-                                    <a:latin typeface="Cambria Math" panose="02040503050406030204" pitchFamily="18" charset="0"/>
-                                  </a:rPr>
-                                  <m:t>𝑖</m:t>
-                                </m:r>
-                              </m:sub>
-                            </m:sSub>
-                          </m:sup>
-                        </m:sSup>
+                          <m:sub>
+                            <m:r>
+                              <a:rPr lang="en-US" sz="2000" i="1">
+                                <a:solidFill>
+                                  <a:schemeClr val="tx1"/>
+                                </a:solidFill>
+                                <a:latin typeface="Cambria Math" panose="02040503050406030204" pitchFamily="18" charset="0"/>
+                              </a:rPr>
+                              <m:t>𝑖</m:t>
+                            </m:r>
+                          </m:sub>
+                        </m:sSub>
+                        <m:r>
+                          <a:rPr lang="en-US" sz="2000" b="0" i="1" smtClean="0">
+                            <a:solidFill>
+                              <a:schemeClr val="tx1"/>
+                            </a:solidFill>
+                            <a:latin typeface="Cambria Math" panose="02040503050406030204" pitchFamily="18" charset="0"/>
+                          </a:rPr>
+                          <m:t>)</m:t>
+                        </m:r>
                       </m:num>
                       <m:den>
                         <m:nary>
@@ -13355,8 +13355,8 @@
                             </m:r>
                           </m:sup>
                           <m:e>
-                            <m:sSup>
-                              <m:sSupPr>
+                            <m:func>
+                              <m:funcPr>
                                 <m:ctrlPr>
                                   <a:rPr lang="en-US" sz="2000" b="0" i="1" smtClean="0">
                                     <a:solidFill>
@@ -13365,7 +13365,21 @@
                                     <a:latin typeface="Cambria Math" panose="02040503050406030204" pitchFamily="18" charset="0"/>
                                   </a:rPr>
                                 </m:ctrlPr>
-                              </m:sSupPr>
+                              </m:funcPr>
+                              <m:fName>
+                                <m:r>
+                                  <m:rPr>
+                                    <m:sty m:val="p"/>
+                                  </m:rPr>
+                                  <a:rPr lang="en-US" sz="2000" b="0" i="0" smtClean="0">
+                                    <a:solidFill>
+                                      <a:schemeClr val="tx1"/>
+                                    </a:solidFill>
+                                    <a:latin typeface="Cambria Math" panose="02040503050406030204" pitchFamily="18" charset="0"/>
+                                  </a:rPr>
+                                  <m:t>exp</m:t>
+                                </m:r>
+                              </m:fName>
                               <m:e>
                                 <m:r>
                                   <a:rPr lang="en-US" sz="2000" b="0" i="1" smtClean="0">
@@ -13374,14 +13388,12 @@
                                     </a:solidFill>
                                     <a:latin typeface="Cambria Math" panose="02040503050406030204" pitchFamily="18" charset="0"/>
                                   </a:rPr>
-                                  <m:t>𝑒</m:t>
+                                  <m:t>(</m:t>
                                 </m:r>
-                              </m:e>
-                              <m:sup>
                                 <m:sSub>
                                   <m:sSubPr>
                                     <m:ctrlPr>
-                                      <a:rPr lang="en-US" sz="2000" b="0" i="1" smtClean="0">
+                                      <a:rPr lang="en-US" sz="2000" i="1">
                                         <a:solidFill>
                                           <a:schemeClr val="tx1"/>
                                         </a:solidFill>
@@ -13391,7 +13403,7 @@
                                   </m:sSubPr>
                                   <m:e>
                                     <m:r>
-                                      <a:rPr lang="en-US" sz="2000" b="0" i="1" smtClean="0">
+                                      <a:rPr lang="en-US" sz="2000" i="1">
                                         <a:solidFill>
                                           <a:schemeClr val="tx1"/>
                                         </a:solidFill>
@@ -13408,12 +13420,21 @@
                                         </a:solidFill>
                                         <a:latin typeface="Cambria Math" panose="02040503050406030204" pitchFamily="18" charset="0"/>
                                       </a:rPr>
-                                      <m:t>𝑖</m:t>
+                                      <m:t>𝑗</m:t>
                                     </m:r>
                                   </m:sub>
                                 </m:sSub>
-                              </m:sup>
-                            </m:sSup>
+                                <m:r>
+                                  <a:rPr lang="en-US" sz="2000" b="0" i="1" smtClean="0">
+                                    <a:solidFill>
+                                      <a:schemeClr val="tx1"/>
+                                    </a:solidFill>
+                                    <a:latin typeface="Cambria Math" panose="02040503050406030204" pitchFamily="18" charset="0"/>
+                                  </a:rPr>
+                                  <m:t>)</m:t>
+                                </m:r>
+                              </m:e>
+                            </m:func>
                           </m:e>
                         </m:nary>
                       </m:den>
@@ -13421,12 +13442,20 @@
                   </m:oMath>
                 </a14:m>
                 <a:r>
+                  <a:rPr lang="ru-RU" sz="2000" dirty="0">
+                    <a:solidFill>
+                      <a:schemeClr val="tx1"/>
+                    </a:solidFill>
+                  </a:rPr>
+                  <a:t>,</a:t>
+                </a:r>
+                <a:r>
                   <a:rPr lang="en-US" sz="2000" dirty="0">
                     <a:solidFill>
                       <a:schemeClr val="tx1"/>
                     </a:solidFill>
                   </a:rPr>
-                  <a:t>. 						(1)</a:t>
+                  <a:t> 						(1)</a:t>
                 </a:r>
                 <a:endParaRPr lang="ru-RU" sz="2000" dirty="0">
                   <a:solidFill>
@@ -13435,7 +13464,7 @@
                 </a:endParaRPr>
               </a:p>
               <a:p>
-                <a:pPr marL="0" indent="0" defTabSz="914400">
+                <a:pPr marL="0" indent="0">
                   <a:lnSpc>
                     <a:spcPct val="110000"/>
                   </a:lnSpc>
@@ -13444,11 +13473,72 @@
                   </a:spcBef>
                   <a:buNone/>
                 </a:pPr>
-                <a:endParaRPr lang="ru-RU" sz="2000" dirty="0">
-                  <a:solidFill>
-                    <a:schemeClr val="tx1"/>
-                  </a:solidFill>
-                </a:endParaRPr>
+                <a:r>
+                  <a:rPr lang="ru-RU" sz="2000" dirty="0">
+                    <a:solidFill>
+                      <a:schemeClr val="tx1"/>
+                    </a:solidFill>
+                  </a:rPr>
+                  <a:t>где </a:t>
+                </a:r>
+                <a14:m>
+                  <m:oMath xmlns:m="http://schemas.openxmlformats.org/officeDocument/2006/math">
+                    <m:r>
+                      <a:rPr lang="en-US" sz="2000" b="0" i="1" smtClean="0">
+                        <a:solidFill>
+                          <a:schemeClr val="tx1"/>
+                        </a:solidFill>
+                        <a:latin typeface="Cambria Math" panose="02040503050406030204" pitchFamily="18" charset="0"/>
+                      </a:rPr>
+                      <m:t>𝑦</m:t>
+                    </m:r>
+                  </m:oMath>
+                </a14:m>
+                <a:r>
+                  <a:rPr lang="en-US" sz="2000" dirty="0">
+                    <a:solidFill>
+                      <a:schemeClr val="tx1"/>
+                    </a:solidFill>
+                  </a:rPr>
+                  <a:t> – </a:t>
+                </a:r>
+                <a:r>
+                  <a:rPr lang="ru-RU" sz="2000" dirty="0">
+                    <a:solidFill>
+                      <a:schemeClr val="tx1"/>
+                    </a:solidFill>
+                  </a:rPr>
+                  <a:t>вектор оценок, </a:t>
+                </a:r>
+                <a14:m>
+                  <m:oMath xmlns:m="http://schemas.openxmlformats.org/officeDocument/2006/math">
+                    <m:r>
+                      <a:rPr lang="en-US" sz="2000" i="1" dirty="0" smtClean="0">
+                        <a:solidFill>
+                          <a:schemeClr val="tx1"/>
+                        </a:solidFill>
+                        <a:latin typeface="Cambria Math" panose="02040503050406030204" pitchFamily="18" charset="0"/>
+                      </a:rPr>
+                      <m:t>𝑛</m:t>
+                    </m:r>
+                  </m:oMath>
+                </a14:m>
+                <a:r>
+                  <a:rPr lang="en-US" sz="2000" dirty="0">
+                    <a:solidFill>
+                      <a:schemeClr val="tx1"/>
+                    </a:solidFill>
+                  </a:rPr>
+                  <a:t> – </a:t>
+                </a:r>
+                <a:r>
+                  <a:rPr lang="ru-RU" sz="2000" dirty="0">
+                    <a:solidFill>
+                      <a:schemeClr val="tx1"/>
+                    </a:solidFill>
+                  </a:rPr>
+                  <a:t>количество классов.</a:t>
+                </a:r>
               </a:p>
             </p:txBody>
           </p:sp>
@@ -13466,13 +13556,13 @@
             </p:nvSpPr>
             <p:spPr>
               <a:xfrm>
-                <a:off x="838200" y="1105134"/>
-                <a:ext cx="10515600" cy="3062869"/>
+                <a:off x="838199" y="827772"/>
+                <a:ext cx="10515600" cy="3469591"/>
               </a:xfrm>
               <a:blipFill>
                 <a:blip r:embed="rId2"/>
                 <a:stretch>
-                  <a:fillRect l="-638" t="-596" r="-580"/>
+                  <a:fillRect l="-580" t="-703" r="-638"/>
                 </a:stretch>
               </a:blipFill>
             </p:spPr>
@@ -13514,8 +13604,8 @@
         </p:blipFill>
         <p:spPr bwMode="auto">
           <a:xfrm>
-            <a:off x="2209800" y="3765791"/>
-            <a:ext cx="7772400" cy="2142308"/>
+            <a:off x="2393890" y="4245902"/>
+            <a:ext cx="7404219" cy="2040826"/>
           </a:xfrm>
           <a:prstGeom prst="rect">
             <a:avLst/>
@@ -13534,44 +13624,6 @@
       </p:pic>
       <p:sp>
         <p:nvSpPr>
-          <p:cNvPr id="9" name="Номер слайда 8">
-            <a:extLst>
-              <a:ext uri="{FF2B5EF4-FFF2-40B4-BE49-F238E27FC236}">
-                <a16:creationId xmlns:a16="http://schemas.microsoft.com/office/drawing/2014/main" id="{812A22BB-2C1F-40A2-8EC7-C38BD2EAD658}"/>
-              </a:ext>
-            </a:extLst>
-          </p:cNvPr>
-          <p:cNvSpPr>
-            <a:spLocks noGrp="1"/>
-          </p:cNvSpPr>
-          <p:nvPr>
-            <p:ph type="sldNum" sz="quarter" idx="12"/>
-          </p:nvPr>
-        </p:nvSpPr>
-        <p:spPr/>
-        <p:txBody>
-          <a:bodyPr/>
-          <a:lstStyle/>
-          <a:p>
-            <a:fld id="{871F4C9F-061D-468D-90C1-298C9849AF70}" type="slidenum">
-              <a:rPr lang="ru-RU" smtClean="0"/>
-              <a:pPr/>
-              <a:t>4</a:t>
-            </a:fld>
-            <a:r>
-              <a:rPr lang="en-US"/>
-              <a:t>/</a:t>
-            </a:r>
-            <a:r>
-              <a:rPr lang="ru-RU"/>
-              <a:t>20</a:t>
-            </a:r>
-            <a:endParaRPr lang="ru-RU" dirty="0"/>
-          </a:p>
-        </p:txBody>
-      </p:sp>
-      <p:sp>
-        <p:nvSpPr>
           <p:cNvPr id="8" name="Прямоугольник 7">
             <a:extLst>
               <a:ext uri="{FF2B5EF4-FFF2-40B4-BE49-F238E27FC236}">
@@ -13584,7 +13636,7 @@
         </p:nvSpPr>
         <p:spPr>
           <a:xfrm>
-            <a:off x="3718361" y="5908099"/>
+            <a:off x="3624357" y="6223828"/>
             <a:ext cx="4755278" cy="338554"/>
           </a:xfrm>
           <a:prstGeom prst="rect">
@@ -13629,6 +13681,34 @@
             <a:endParaRPr lang="ru-RU" sz="1600" dirty="0">
               <a:ea typeface="Times New Roman" panose="02020603050405020304" pitchFamily="18" charset="0"/>
             </a:endParaRPr>
+          </a:p>
+        </p:txBody>
+      </p:sp>
+      <p:sp>
+        <p:nvSpPr>
+          <p:cNvPr id="4" name="Номер слайда 3"/>
+          <p:cNvSpPr>
+            <a:spLocks noGrp="1"/>
+          </p:cNvSpPr>
+          <p:nvPr>
+            <p:ph type="sldNum" sz="quarter" idx="12"/>
+          </p:nvPr>
+        </p:nvSpPr>
+        <p:spPr/>
+        <p:txBody>
+          <a:bodyPr/>
+          <a:lstStyle/>
+          <a:p>
+            <a:fld id="{871F4C9F-061D-468D-90C1-298C9849AF70}" type="slidenum">
+              <a:rPr lang="ru-RU" smtClean="0"/>
+              <a:pPr/>
+              <a:t>4</a:t>
+            </a:fld>
+            <a:r>
+              <a:rPr lang="en-US"/>
+              <a:t>/18</a:t>
+            </a:r>
+            <a:endParaRPr lang="ru-RU" dirty="0"/>
           </a:p>
         </p:txBody>
       </p:sp>
@@ -13662,307 +13742,6 @@
           <a:chExt cx="0" cy="0"/>
         </a:xfrm>
       </p:grpSpPr>
-      <mc:AlternateContent xmlns:mc="http://schemas.openxmlformats.org/markup-compatibility/2006" xmlns:a14="http://schemas.microsoft.com/office/drawing/2010/main">
-        <mc:Choice Requires="a14">
-          <p:sp>
-            <p:nvSpPr>
-              <p:cNvPr id="5" name="Объект 4">
-                <a:extLst>
-                  <a:ext uri="{FF2B5EF4-FFF2-40B4-BE49-F238E27FC236}">
-                    <a16:creationId xmlns:a16="http://schemas.microsoft.com/office/drawing/2014/main" id="{D1AC32AA-2781-479F-9ABE-9FA2BAF62C26}"/>
-                  </a:ext>
-                </a:extLst>
-              </p:cNvPr>
-              <p:cNvSpPr>
-                <a:spLocks noGrp="1"/>
-              </p:cNvSpPr>
-              <p:nvPr>
-                <p:ph idx="1"/>
-              </p:nvPr>
-            </p:nvSpPr>
-            <p:spPr>
-              <a:xfrm>
-                <a:off x="838200" y="1078748"/>
-                <a:ext cx="4242816" cy="1690116"/>
-              </a:xfrm>
-            </p:spPr>
-            <p:txBody>
-              <a:bodyPr/>
-              <a:lstStyle/>
-              <a:p>
-                <a:pPr marL="45720" indent="0">
-                  <a:buNone/>
-                </a:pPr>
-                <a:r>
-                  <a:rPr lang="ru-RU" sz="2000" dirty="0"/>
-                  <a:t>Классификация:</a:t>
-                </a:r>
-              </a:p>
-              <a:p>
-                <a:pPr marL="45720" indent="0">
-                  <a:buNone/>
-                </a:pPr>
-                <a:r>
-                  <a:rPr lang="ru-RU" sz="2000" u="sng" dirty="0">
-                    <a:solidFill>
-                      <a:schemeClr val="tx1"/>
-                    </a:solidFill>
-                  </a:rPr>
-                  <a:t>Бинарная</a:t>
-                </a:r>
-                <a:r>
-                  <a:rPr lang="ru-RU" sz="2000" dirty="0">
-                    <a:solidFill>
-                      <a:schemeClr val="tx1"/>
-                    </a:solidFill>
-                  </a:rPr>
-                  <a:t>: </a:t>
-                </a:r>
-                <a14:m>
-                  <m:oMath xmlns:m="http://schemas.openxmlformats.org/officeDocument/2006/math">
-                    <m:r>
-                      <a:rPr lang="en-US" sz="2000" b="0" i="1" smtClean="0">
-                        <a:solidFill>
-                          <a:schemeClr val="tx1"/>
-                        </a:solidFill>
-                        <a:latin typeface="Cambria Math" panose="02040503050406030204" pitchFamily="18" charset="0"/>
-                      </a:rPr>
-                      <m:t>𝑋</m:t>
-                    </m:r>
-                    <m:r>
-                      <a:rPr lang="en-US" sz="2000" b="0" i="1" smtClean="0">
-                        <a:solidFill>
-                          <a:schemeClr val="tx1"/>
-                        </a:solidFill>
-                        <a:latin typeface="Cambria Math" panose="02040503050406030204" pitchFamily="18" charset="0"/>
-                      </a:rPr>
-                      <m:t>→</m:t>
-                    </m:r>
-                    <m:d>
-                      <m:dPr>
-                        <m:begChr m:val="{"/>
-                        <m:endChr m:val="}"/>
-                        <m:ctrlPr>
-                          <a:rPr lang="en-US" sz="2000" b="0" i="1" smtClean="0">
-                            <a:solidFill>
-                              <a:schemeClr val="tx1"/>
-                            </a:solidFill>
-                            <a:latin typeface="Cambria Math" panose="02040503050406030204" pitchFamily="18" charset="0"/>
-                          </a:rPr>
-                        </m:ctrlPr>
-                      </m:dPr>
-                      <m:e>
-                        <m:r>
-                          <a:rPr lang="en-US" sz="2000" b="0" i="1" smtClean="0">
-                            <a:solidFill>
-                              <a:schemeClr val="tx1"/>
-                            </a:solidFill>
-                            <a:latin typeface="Cambria Math" panose="02040503050406030204" pitchFamily="18" charset="0"/>
-                          </a:rPr>
-                          <m:t>0, 1</m:t>
-                        </m:r>
-                      </m:e>
-                    </m:d>
-                    <m:r>
-                      <a:rPr lang="en-US" sz="2000" b="0" i="1" smtClean="0">
-                        <a:solidFill>
-                          <a:schemeClr val="tx1"/>
-                        </a:solidFill>
-                        <a:latin typeface="Cambria Math" panose="02040503050406030204" pitchFamily="18" charset="0"/>
-                      </a:rPr>
-                      <m:t> ({−1, 1})</m:t>
-                    </m:r>
-                  </m:oMath>
-                </a14:m>
-                <a:endParaRPr lang="en-US" sz="2000" dirty="0">
-                  <a:solidFill>
-                    <a:schemeClr val="tx1"/>
-                  </a:solidFill>
-                </a:endParaRPr>
-              </a:p>
-              <a:p>
-                <a:pPr marL="45720" indent="0">
-                  <a:buNone/>
-                </a:pPr>
-                <a:r>
-                  <a:rPr lang="ru-RU" sz="2000" u="sng" dirty="0" err="1">
-                    <a:solidFill>
-                      <a:schemeClr val="tx1"/>
-                    </a:solidFill>
-                  </a:rPr>
-                  <a:t>Многоклассовая</a:t>
-                </a:r>
-                <a:r>
-                  <a:rPr lang="ru-RU" sz="2000" dirty="0">
-                    <a:solidFill>
-                      <a:schemeClr val="tx1"/>
-                    </a:solidFill>
-                  </a:rPr>
-                  <a:t>: </a:t>
-                </a:r>
-                <a14:m>
-                  <m:oMath xmlns:m="http://schemas.openxmlformats.org/officeDocument/2006/math">
-                    <m:r>
-                      <a:rPr lang="en-US" sz="2000" b="0" i="1" smtClean="0">
-                        <a:solidFill>
-                          <a:schemeClr val="tx1"/>
-                        </a:solidFill>
-                        <a:latin typeface="Cambria Math" panose="02040503050406030204" pitchFamily="18" charset="0"/>
-                      </a:rPr>
-                      <m:t>𝑋</m:t>
-                    </m:r>
-                    <m:r>
-                      <a:rPr lang="en-US" sz="2000" b="0" i="1" smtClean="0">
-                        <a:solidFill>
-                          <a:schemeClr val="tx1"/>
-                        </a:solidFill>
-                        <a:latin typeface="Cambria Math" panose="02040503050406030204" pitchFamily="18" charset="0"/>
-                      </a:rPr>
-                      <m:t>→</m:t>
-                    </m:r>
-                    <m:d>
-                      <m:dPr>
-                        <m:begChr m:val="{"/>
-                        <m:endChr m:val="}"/>
-                        <m:ctrlPr>
-                          <a:rPr lang="en-US" sz="2000" b="0" i="1" smtClean="0">
-                            <a:solidFill>
-                              <a:schemeClr val="tx1"/>
-                            </a:solidFill>
-                            <a:latin typeface="Cambria Math" panose="02040503050406030204" pitchFamily="18" charset="0"/>
-                          </a:rPr>
-                        </m:ctrlPr>
-                      </m:dPr>
-                      <m:e>
-                        <m:r>
-                          <a:rPr lang="en-US" sz="2000" b="0" i="1" smtClean="0">
-                            <a:solidFill>
-                              <a:schemeClr val="tx1"/>
-                            </a:solidFill>
-                            <a:latin typeface="Cambria Math" panose="02040503050406030204" pitchFamily="18" charset="0"/>
-                          </a:rPr>
-                          <m:t>0, 1, …, </m:t>
-                        </m:r>
-                        <m:r>
-                          <a:rPr lang="en-US" sz="2000" b="0" i="1" smtClean="0">
-                            <a:solidFill>
-                              <a:schemeClr val="tx1"/>
-                            </a:solidFill>
-                            <a:latin typeface="Cambria Math" panose="02040503050406030204" pitchFamily="18" charset="0"/>
-                          </a:rPr>
-                          <m:t>𝐾</m:t>
-                        </m:r>
-                      </m:e>
-                    </m:d>
-                    <m:r>
-                      <a:rPr lang="en-US" sz="2000" b="0" i="1" smtClean="0">
-                        <a:solidFill>
-                          <a:schemeClr val="tx1"/>
-                        </a:solidFill>
-                        <a:latin typeface="Cambria Math" panose="02040503050406030204" pitchFamily="18" charset="0"/>
-                      </a:rPr>
-                      <m:t> </m:t>
-                    </m:r>
-                  </m:oMath>
-                </a14:m>
-                <a:r>
-                  <a:rPr lang="en-US" sz="2000" dirty="0">
-                    <a:solidFill>
-                      <a:schemeClr val="tx1"/>
-                    </a:solidFill>
-                  </a:rPr>
-                  <a:t>(</a:t>
-                </a:r>
-                <a14:m>
-                  <m:oMath xmlns:m="http://schemas.openxmlformats.org/officeDocument/2006/math">
-                    <m:r>
-                      <a:rPr lang="en-US" sz="2000" b="0" i="1" dirty="0" smtClean="0">
-                        <a:solidFill>
-                          <a:schemeClr val="tx1"/>
-                        </a:solidFill>
-                        <a:latin typeface="Cambria Math" panose="02040503050406030204" pitchFamily="18" charset="0"/>
-                      </a:rPr>
-                      <m:t>𝐾</m:t>
-                    </m:r>
-                  </m:oMath>
-                </a14:m>
-                <a:r>
-                  <a:rPr lang="en-US" sz="2000" dirty="0">
-                    <a:solidFill>
-                      <a:schemeClr val="tx1"/>
-                    </a:solidFill>
-                  </a:rPr>
-                  <a:t> – </a:t>
-                </a:r>
-                <a:r>
-                  <a:rPr lang="ru-RU" sz="2000" dirty="0">
-                    <a:solidFill>
-                      <a:schemeClr val="tx1"/>
-                    </a:solidFill>
-                  </a:rPr>
-                  <a:t>количество классов</a:t>
-                </a:r>
-                <a:r>
-                  <a:rPr lang="en-US" sz="2000" dirty="0">
-                    <a:solidFill>
-                      <a:schemeClr val="tx1"/>
-                    </a:solidFill>
-                  </a:rPr>
-                  <a:t>)</a:t>
-                </a:r>
-                <a:endParaRPr lang="ru-RU" sz="2000" dirty="0">
-                  <a:solidFill>
-                    <a:schemeClr val="tx1"/>
-                  </a:solidFill>
-                </a:endParaRPr>
-              </a:p>
-            </p:txBody>
-          </p:sp>
-        </mc:Choice>
-        <mc:Fallback xmlns="">
-          <p:sp>
-            <p:nvSpPr>
-              <p:cNvPr id="5" name="Объект 4">
-                <a:extLst>
-                  <a:ext uri="{FF2B5EF4-FFF2-40B4-BE49-F238E27FC236}">
-                    <a16:creationId xmlns:a16="http://schemas.microsoft.com/office/drawing/2014/main" id="{D1AC32AA-2781-479F-9ABE-9FA2BAF62C26}"/>
-                  </a:ext>
-                </a:extLst>
-              </p:cNvPr>
-              <p:cNvSpPr>
-                <a:spLocks noGrp="1" noRot="1" noChangeAspect="1" noMove="1" noResize="1" noEditPoints="1" noAdjustHandles="1" noChangeArrowheads="1" noChangeShapeType="1" noTextEdit="1"/>
-              </p:cNvSpPr>
-              <p:nvPr>
-                <p:ph idx="1"/>
-              </p:nvPr>
-            </p:nvSpPr>
-            <p:spPr>
-              <a:xfrm>
-                <a:off x="838200" y="1078748"/>
-                <a:ext cx="4242816" cy="1690116"/>
-              </a:xfrm>
-              <a:blipFill>
-                <a:blip r:embed="rId2"/>
-                <a:stretch>
-                  <a:fillRect l="-431" t="-3971"/>
-                </a:stretch>
-              </a:blipFill>
-            </p:spPr>
-            <p:txBody>
-              <a:bodyPr/>
-              <a:lstStyle/>
-              <a:p>
-                <a:r>
-                  <a:rPr lang="ru-RU">
-                    <a:noFill/>
-                  </a:rPr>
-                  <a:t> </a:t>
-                </a:r>
-              </a:p>
-            </p:txBody>
-          </p:sp>
-        </mc:Fallback>
-      </mc:AlternateContent>
       <p:sp>
         <p:nvSpPr>
           <p:cNvPr id="2" name="Заголовок 1"/>
@@ -13993,49 +13772,11 @@
           </a:p>
         </p:txBody>
       </p:sp>
-      <p:sp>
-        <p:nvSpPr>
-          <p:cNvPr id="9" name="Номер слайда 8">
-            <a:extLst>
-              <a:ext uri="{FF2B5EF4-FFF2-40B4-BE49-F238E27FC236}">
-                <a16:creationId xmlns:a16="http://schemas.microsoft.com/office/drawing/2014/main" id="{49DC686F-E618-43DD-B543-DBD7B2095C90}"/>
-              </a:ext>
-            </a:extLst>
-          </p:cNvPr>
-          <p:cNvSpPr>
-            <a:spLocks noGrp="1"/>
-          </p:cNvSpPr>
-          <p:nvPr>
-            <p:ph type="sldNum" sz="quarter" idx="12"/>
-          </p:nvPr>
-        </p:nvSpPr>
-        <p:spPr/>
-        <p:txBody>
-          <a:bodyPr/>
-          <a:lstStyle/>
-          <a:p>
-            <a:fld id="{871F4C9F-061D-468D-90C1-298C9849AF70}" type="slidenum">
-              <a:rPr lang="ru-RU" smtClean="0"/>
-              <a:pPr/>
-              <a:t>5</a:t>
-            </a:fld>
-            <a:r>
-              <a:rPr lang="en-US"/>
-              <a:t>/</a:t>
-            </a:r>
-            <a:r>
-              <a:rPr lang="ru-RU"/>
-              <a:t>20</a:t>
-            </a:r>
-            <a:endParaRPr lang="ru-RU" dirty="0"/>
-          </a:p>
-        </p:txBody>
-      </p:sp>
       <mc:AlternateContent xmlns:mc="http://schemas.openxmlformats.org/markup-compatibility/2006" xmlns:a14="http://schemas.microsoft.com/office/drawing/2010/main">
         <mc:Choice Requires="a14">
           <p:sp>
             <p:nvSpPr>
-              <p:cNvPr id="12" name="Объект 4">
+              <p:cNvPr id="6" name="Объект 4">
                 <a:extLst>
                   <a:ext uri="{FF2B5EF4-FFF2-40B4-BE49-F238E27FC236}">
                     <a16:creationId xmlns:a16="http://schemas.microsoft.com/office/drawing/2014/main" id="{43035031-D869-4ACD-96DD-610A10A2EAE7}"/>
@@ -14049,8 +13790,8 @@
             </p:nvSpPr>
             <p:spPr>
               <a:xfrm>
-                <a:off x="6096000" y="1078748"/>
-                <a:ext cx="4242816" cy="365125"/>
+                <a:off x="838199" y="1035170"/>
+                <a:ext cx="10388097" cy="5280173"/>
               </a:xfrm>
               <a:prstGeom prst="rect">
                 <a:avLst/>
@@ -14284,384 +14025,17 @@
               </a:lstStyle>
               <a:p>
                 <a:pPr marL="45720" indent="0">
-                  <a:buFont typeface="Corbel" pitchFamily="34" charset="0"/>
-                  <a:buNone/>
-                </a:pPr>
-                <a:r>
-                  <a:rPr lang="ru-RU" sz="2000" dirty="0"/>
-                  <a:t>Регрессия:</a:t>
-                </a:r>
-                <a:r>
-                  <a:rPr lang="en-US" sz="2000" dirty="0"/>
-                  <a:t>  </a:t>
-                </a:r>
-                <a14:m>
-                  <m:oMath xmlns:m="http://schemas.openxmlformats.org/officeDocument/2006/math">
-                    <m:r>
-                      <a:rPr lang="en-US" sz="2000" i="1" smtClean="0">
-                        <a:solidFill>
-                          <a:schemeClr val="tx1"/>
-                        </a:solidFill>
-                        <a:latin typeface="Cambria Math" panose="02040503050406030204" pitchFamily="18" charset="0"/>
-                      </a:rPr>
-                      <m:t>𝑋</m:t>
-                    </m:r>
-                    <m:r>
-                      <a:rPr lang="en-US" sz="2000" i="1" smtClean="0">
-                        <a:solidFill>
-                          <a:schemeClr val="tx1"/>
-                        </a:solidFill>
-                        <a:latin typeface="Cambria Math" panose="02040503050406030204" pitchFamily="18" charset="0"/>
-                      </a:rPr>
-                      <m:t>→</m:t>
-                    </m:r>
-                    <m:r>
-                      <a:rPr lang="en-US" sz="2000" b="0" i="1" smtClean="0">
-                        <a:solidFill>
-                          <a:schemeClr val="tx1"/>
-                        </a:solidFill>
-                        <a:latin typeface="Cambria Math" panose="02040503050406030204" pitchFamily="18" charset="0"/>
-                      </a:rPr>
-                      <m:t>𝑦</m:t>
-                    </m:r>
-                    <m:r>
-                      <a:rPr lang="en-US" sz="2000" b="0" i="1" smtClean="0">
-                        <a:solidFill>
-                          <a:schemeClr val="tx1"/>
-                        </a:solidFill>
-                        <a:latin typeface="Cambria Math" panose="02040503050406030204" pitchFamily="18" charset="0"/>
-                      </a:rPr>
-                      <m:t>∈</m:t>
-                    </m:r>
-                    <m:r>
-                      <a:rPr lang="en-US" sz="2000" b="0" i="1" smtClean="0">
-                        <a:solidFill>
-                          <a:schemeClr val="tx1"/>
-                        </a:solidFill>
-                        <a:latin typeface="Cambria Math" panose="02040503050406030204" pitchFamily="18" charset="0"/>
-                      </a:rPr>
-                      <m:t>ℝ</m:t>
-                    </m:r>
-                  </m:oMath>
-                </a14:m>
-                <a:endParaRPr lang="ru-RU" sz="2000" dirty="0">
-                  <a:solidFill>
-                    <a:schemeClr val="tx1"/>
-                  </a:solidFill>
-                </a:endParaRPr>
-              </a:p>
-            </p:txBody>
-          </p:sp>
-        </mc:Choice>
-        <mc:Fallback xmlns="">
-          <p:sp>
-            <p:nvSpPr>
-              <p:cNvPr id="12" name="Объект 4">
-                <a:extLst>
-                  <a:ext uri="{FF2B5EF4-FFF2-40B4-BE49-F238E27FC236}">
-                    <a16:creationId xmlns:a16="http://schemas.microsoft.com/office/drawing/2014/main" id="{43035031-D869-4ACD-96DD-610A10A2EAE7}"/>
-                  </a:ext>
-                </a:extLst>
-              </p:cNvPr>
-              <p:cNvSpPr txBox="1">
-                <a:spLocks noRot="1" noChangeAspect="1" noMove="1" noResize="1" noEditPoints="1" noAdjustHandles="1" noChangeArrowheads="1" noChangeShapeType="1" noTextEdit="1"/>
-              </p:cNvSpPr>
-              <p:nvPr/>
-            </p:nvSpPr>
-            <p:spPr>
-              <a:xfrm>
-                <a:off x="6096000" y="1078748"/>
-                <a:ext cx="4242816" cy="365125"/>
-              </a:xfrm>
-              <a:prstGeom prst="rect">
-                <a:avLst/>
-              </a:prstGeom>
-              <a:blipFill>
-                <a:blip r:embed="rId3"/>
-                <a:stretch>
-                  <a:fillRect l="-287" t="-18333" b="-30000"/>
-                </a:stretch>
-              </a:blipFill>
-            </p:spPr>
-            <p:txBody>
-              <a:bodyPr/>
-              <a:lstStyle/>
-              <a:p>
-                <a:r>
-                  <a:rPr lang="ru-RU">
-                    <a:noFill/>
-                  </a:rPr>
-                  <a:t> </a:t>
-                </a:r>
-              </a:p>
-            </p:txBody>
-          </p:sp>
-        </mc:Fallback>
-      </mc:AlternateContent>
-      <mc:AlternateContent xmlns:mc="http://schemas.openxmlformats.org/markup-compatibility/2006" xmlns:a14="http://schemas.microsoft.com/office/drawing/2010/main">
-        <mc:Choice Requires="a14">
-          <p:sp>
-            <p:nvSpPr>
-              <p:cNvPr id="6" name="Объект 4">
-                <a:extLst>
-                  <a:ext uri="{FF2B5EF4-FFF2-40B4-BE49-F238E27FC236}">
-                    <a16:creationId xmlns:a16="http://schemas.microsoft.com/office/drawing/2014/main" id="{43035031-D869-4ACD-96DD-610A10A2EAE7}"/>
-                  </a:ext>
-                </a:extLst>
-              </p:cNvPr>
-              <p:cNvSpPr txBox="1">
-                <a:spLocks/>
-              </p:cNvSpPr>
-              <p:nvPr/>
-            </p:nvSpPr>
-            <p:spPr>
-              <a:xfrm>
-                <a:off x="838200" y="2604915"/>
-                <a:ext cx="10388097" cy="3823045"/>
-              </a:xfrm>
-              <a:prstGeom prst="rect">
-                <a:avLst/>
-              </a:prstGeom>
-            </p:spPr>
-            <p:txBody>
-              <a:bodyPr/>
-              <a:lstStyle>
-                <a:lvl1pPr marL="228600" indent="-182880" algn="l" defTabSz="914400" rtl="0" eaLnBrk="1" latinLnBrk="0" hangingPunct="1">
-                  <a:lnSpc>
-                    <a:spcPct val="90000"/>
-                  </a:lnSpc>
-                  <a:spcBef>
-                    <a:spcPts val="1400"/>
-                  </a:spcBef>
-                  <a:buClr>
-                    <a:schemeClr val="accent1"/>
-                  </a:buClr>
-                  <a:buSzPct val="80000"/>
-                  <a:buFont typeface="Corbel" pitchFamily="34" charset="0"/>
-                  <a:buChar char="•"/>
-                  <a:defRPr sz="2200" kern="1200">
-                    <a:solidFill>
-                      <a:schemeClr val="accent1"/>
-                    </a:solidFill>
-                    <a:latin typeface="+mn-lt"/>
-                    <a:ea typeface="+mn-ea"/>
-                    <a:cs typeface="+mn-cs"/>
-                  </a:defRPr>
-                </a:lvl1pPr>
-                <a:lvl2pPr marL="457200" indent="-182880" algn="l" defTabSz="914400" rtl="0" eaLnBrk="1" latinLnBrk="0" hangingPunct="1">
-                  <a:lnSpc>
-                    <a:spcPct val="90000"/>
-                  </a:lnSpc>
-                  <a:spcBef>
-                    <a:spcPts val="200"/>
-                  </a:spcBef>
-                  <a:spcAft>
-                    <a:spcPts val="400"/>
-                  </a:spcAft>
-                  <a:buClr>
-                    <a:schemeClr val="accent1"/>
-                  </a:buClr>
-                  <a:buSzPct val="80000"/>
-                  <a:buFont typeface="Corbel" pitchFamily="34" charset="0"/>
-                  <a:buChar char="•"/>
-                  <a:defRPr sz="2000" kern="1200">
-                    <a:solidFill>
-                      <a:schemeClr val="accent1"/>
-                    </a:solidFill>
-                    <a:latin typeface="+mn-lt"/>
-                    <a:ea typeface="+mn-ea"/>
-                    <a:cs typeface="+mn-cs"/>
-                  </a:defRPr>
-                </a:lvl2pPr>
-                <a:lvl3pPr marL="731520" indent="-182880" algn="l" defTabSz="914400" rtl="0" eaLnBrk="1" latinLnBrk="0" hangingPunct="1">
-                  <a:lnSpc>
-                    <a:spcPct val="90000"/>
-                  </a:lnSpc>
-                  <a:spcBef>
-                    <a:spcPts val="200"/>
-                  </a:spcBef>
-                  <a:spcAft>
-                    <a:spcPts val="400"/>
-                  </a:spcAft>
-                  <a:buClr>
-                    <a:schemeClr val="accent1"/>
-                  </a:buClr>
-                  <a:buSzPct val="80000"/>
-                  <a:buFont typeface="Corbel" pitchFamily="34" charset="0"/>
-                  <a:buChar char="•"/>
-                  <a:defRPr sz="1800" kern="1200">
-                    <a:solidFill>
-                      <a:schemeClr val="accent1"/>
-                    </a:solidFill>
-                    <a:latin typeface="+mn-lt"/>
-                    <a:ea typeface="+mn-ea"/>
-                    <a:cs typeface="+mn-cs"/>
-                  </a:defRPr>
-                </a:lvl3pPr>
-                <a:lvl4pPr marL="1005840" indent="-182880" algn="l" defTabSz="914400" rtl="0" eaLnBrk="1" latinLnBrk="0" hangingPunct="1">
-                  <a:lnSpc>
-                    <a:spcPct val="90000"/>
-                  </a:lnSpc>
-                  <a:spcBef>
-                    <a:spcPts val="200"/>
-                  </a:spcBef>
-                  <a:spcAft>
-                    <a:spcPts val="400"/>
-                  </a:spcAft>
-                  <a:buClr>
-                    <a:schemeClr val="accent1"/>
-                  </a:buClr>
-                  <a:buSzPct val="80000"/>
-                  <a:buFont typeface="Corbel" pitchFamily="34" charset="0"/>
-                  <a:buChar char="•"/>
-                  <a:defRPr sz="1600" kern="1200">
-                    <a:solidFill>
-                      <a:schemeClr val="accent1"/>
-                    </a:solidFill>
-                    <a:latin typeface="+mn-lt"/>
-                    <a:ea typeface="+mn-ea"/>
-                    <a:cs typeface="+mn-cs"/>
-                  </a:defRPr>
-                </a:lvl4pPr>
-                <a:lvl5pPr marL="1280160" indent="-182880" algn="l" defTabSz="914400" rtl="0" eaLnBrk="1" latinLnBrk="0" hangingPunct="1">
-                  <a:lnSpc>
-                    <a:spcPct val="90000"/>
-                  </a:lnSpc>
-                  <a:spcBef>
-                    <a:spcPts val="200"/>
-                  </a:spcBef>
-                  <a:spcAft>
-                    <a:spcPts val="400"/>
-                  </a:spcAft>
-                  <a:buClr>
-                    <a:schemeClr val="accent1"/>
-                  </a:buClr>
-                  <a:buSzPct val="80000"/>
-                  <a:buFont typeface="Corbel" pitchFamily="34" charset="0"/>
-                  <a:buChar char="•"/>
-                  <a:defRPr sz="1600" kern="1200">
-                    <a:solidFill>
-                      <a:schemeClr val="accent1"/>
-                    </a:solidFill>
-                    <a:latin typeface="+mn-lt"/>
-                    <a:ea typeface="+mn-ea"/>
-                    <a:cs typeface="+mn-cs"/>
-                  </a:defRPr>
-                </a:lvl5pPr>
-                <a:lvl6pPr marL="1600000" indent="-228600" algn="l" defTabSz="914400" rtl="0" eaLnBrk="1" latinLnBrk="0" hangingPunct="1">
-                  <a:lnSpc>
-                    <a:spcPct val="90000"/>
-                  </a:lnSpc>
-                  <a:spcBef>
-                    <a:spcPts val="200"/>
-                  </a:spcBef>
-                  <a:spcAft>
-                    <a:spcPts val="400"/>
-                  </a:spcAft>
-                  <a:buClr>
-                    <a:schemeClr val="accent1"/>
-                  </a:buClr>
-                  <a:buSzPct val="80000"/>
-                  <a:buFont typeface="Corbel" pitchFamily="34" charset="0"/>
-                  <a:buChar char="•"/>
-                  <a:defRPr sz="1600" kern="1200">
-                    <a:solidFill>
-                      <a:schemeClr val="accent1"/>
-                    </a:solidFill>
-                    <a:latin typeface="+mn-lt"/>
-                    <a:ea typeface="+mn-ea"/>
-                    <a:cs typeface="+mn-cs"/>
-                  </a:defRPr>
-                </a:lvl6pPr>
-                <a:lvl7pPr marL="1900000" indent="-228600" algn="l" defTabSz="914400" rtl="0" eaLnBrk="1" latinLnBrk="0" hangingPunct="1">
-                  <a:lnSpc>
-                    <a:spcPct val="90000"/>
-                  </a:lnSpc>
-                  <a:spcBef>
-                    <a:spcPts val="200"/>
-                  </a:spcBef>
-                  <a:spcAft>
-                    <a:spcPts val="400"/>
-                  </a:spcAft>
-                  <a:buClr>
-                    <a:schemeClr val="accent1"/>
-                  </a:buClr>
-                  <a:buSzPct val="80000"/>
-                  <a:buFont typeface="Corbel" pitchFamily="34" charset="0"/>
-                  <a:buChar char="•"/>
-                  <a:defRPr sz="1600" kern="1200">
-                    <a:solidFill>
-                      <a:schemeClr val="accent1"/>
-                    </a:solidFill>
-                    <a:latin typeface="+mn-lt"/>
-                    <a:ea typeface="+mn-ea"/>
-                    <a:cs typeface="+mn-cs"/>
-                  </a:defRPr>
-                </a:lvl7pPr>
-                <a:lvl8pPr marL="2200000" indent="-228600" algn="l" defTabSz="914400" rtl="0" eaLnBrk="1" latinLnBrk="0" hangingPunct="1">
-                  <a:lnSpc>
-                    <a:spcPct val="90000"/>
-                  </a:lnSpc>
-                  <a:spcBef>
-                    <a:spcPts val="200"/>
-                  </a:spcBef>
-                  <a:spcAft>
-                    <a:spcPts val="400"/>
-                  </a:spcAft>
-                  <a:buClr>
-                    <a:schemeClr val="accent1"/>
-                  </a:buClr>
-                  <a:buSzPct val="80000"/>
-                  <a:buFont typeface="Corbel" pitchFamily="34" charset="0"/>
-                  <a:buChar char="•"/>
-                  <a:defRPr sz="1600" kern="1200">
-                    <a:solidFill>
-                      <a:schemeClr val="accent1"/>
-                    </a:solidFill>
-                    <a:latin typeface="+mn-lt"/>
-                    <a:ea typeface="+mn-ea"/>
-                    <a:cs typeface="+mn-cs"/>
-                  </a:defRPr>
-                </a:lvl8pPr>
-                <a:lvl9pPr marL="2500000" indent="-228600" algn="l" defTabSz="914400" rtl="0" eaLnBrk="1" latinLnBrk="0" hangingPunct="1">
-                  <a:lnSpc>
-                    <a:spcPct val="90000"/>
-                  </a:lnSpc>
-                  <a:spcBef>
-                    <a:spcPts val="200"/>
-                  </a:spcBef>
-                  <a:spcAft>
-                    <a:spcPts val="400"/>
-                  </a:spcAft>
-                  <a:buClr>
-                    <a:schemeClr val="accent1"/>
-                  </a:buClr>
-                  <a:buSzPct val="80000"/>
-                  <a:buFont typeface="Corbel" pitchFamily="34" charset="0"/>
-                  <a:buChar char="•"/>
-                  <a:defRPr sz="1600" kern="1200">
-                    <a:solidFill>
-                      <a:schemeClr val="accent1"/>
-                    </a:solidFill>
-                    <a:latin typeface="+mn-lt"/>
-                    <a:ea typeface="+mn-ea"/>
-                    <a:cs typeface="+mn-cs"/>
-                  </a:defRPr>
-                </a:lvl9pPr>
-              </a:lstStyle>
-              <a:p>
-                <a:pPr marL="45720" indent="0">
                   <a:spcBef>
                     <a:spcPts val="600"/>
                   </a:spcBef>
                   <a:buNone/>
                 </a:pPr>
                 <a:r>
-                  <a:rPr lang="ru-RU" sz="2000" dirty="0" smtClean="0"/>
+                  <a:rPr lang="ru-RU" sz="2000" dirty="0"/>
                   <a:t>Логистическая регрессия:</a:t>
                 </a:r>
                 <a:r>
-                  <a:rPr lang="en-US" sz="2000" dirty="0" smtClean="0"/>
+                  <a:rPr lang="en-US" sz="2000" dirty="0"/>
                   <a:t>  </a:t>
                 </a:r>
                 <a:r>
@@ -14686,18 +14060,10 @@
                       <a:schemeClr val="tx1"/>
                     </a:solidFill>
                   </a:rPr>
-                  <a:t>к классу. </a:t>
-                </a:r>
-                <a:r>
-                  <a:rPr lang="ru-RU" sz="2000" dirty="0" smtClean="0">
-                    <a:solidFill>
-                      <a:schemeClr val="tx1"/>
-                    </a:solidFill>
-                  </a:rPr>
-                  <a:t>Следовательно, </a:t>
-                </a:r>
-                <a:r>
-                  <a:rPr lang="ru-RU" sz="2000" i="1" dirty="0" smtClean="0">
+                  <a:t>к классу. Следовательно, </a:t>
+                </a:r>
+                <a:r>
+                  <a:rPr lang="ru-RU" sz="2000" i="1" dirty="0">
                     <a:solidFill>
                       <a:schemeClr val="tx1"/>
                     </a:solidFill>
@@ -14713,7 +14079,7 @@
                   <a:buNone/>
                 </a:pPr>
                 <a:r>
-                  <a:rPr lang="ru-RU" sz="2000" dirty="0" smtClean="0">
+                  <a:rPr lang="ru-RU" sz="2000" dirty="0">
                     <a:solidFill>
                       <a:schemeClr val="tx1"/>
                     </a:solidFill>
@@ -14734,7 +14100,7 @@
                   </m:oMath>
                 </a14:m>
                 <a:r>
-                  <a:rPr lang="en-US" sz="2000" dirty="0" smtClean="0">
+                  <a:rPr lang="en-US" sz="2000" dirty="0">
                     <a:solidFill>
                       <a:schemeClr val="tx1"/>
                     </a:solidFill>
@@ -14742,7 +14108,7 @@
                   <a:t>-</a:t>
                 </a:r>
                 <a:r>
-                  <a:rPr lang="ru-RU" sz="2000" dirty="0" err="1" smtClean="0">
+                  <a:rPr lang="ru-RU" sz="2000" dirty="0" err="1">
                     <a:solidFill>
                       <a:schemeClr val="tx1"/>
                     </a:solidFill>
@@ -14750,7 +14116,7 @@
                   <a:t>го</a:t>
                 </a:r>
                 <a:r>
-                  <a:rPr lang="ru-RU" sz="2000" dirty="0" smtClean="0">
+                  <a:rPr lang="ru-RU" sz="2000" dirty="0">
                     <a:solidFill>
                       <a:schemeClr val="tx1"/>
                     </a:solidFill>
@@ -14956,7 +14322,7 @@
                   </m:oMath>
                 </a14:m>
                 <a:r>
-                  <a:rPr lang="en-US" sz="2000" dirty="0" smtClean="0">
+                  <a:rPr lang="en-US" sz="2000" dirty="0">
                     <a:solidFill>
                       <a:schemeClr val="tx1"/>
                     </a:solidFill>
@@ -14964,7 +14330,7 @@
                   <a:t>,				</a:t>
                 </a:r>
                 <a:r>
-                  <a:rPr lang="ru-RU" sz="2000" dirty="0" smtClean="0">
+                  <a:rPr lang="ru-RU" sz="2000" dirty="0">
                     <a:solidFill>
                       <a:schemeClr val="tx1"/>
                     </a:solidFill>
@@ -14972,7 +14338,7 @@
                   <a:t>	</a:t>
                 </a:r>
                 <a:r>
-                  <a:rPr lang="en-US" sz="2000" dirty="0" smtClean="0">
+                  <a:rPr lang="en-US" sz="2000" dirty="0">
                     <a:solidFill>
                       <a:schemeClr val="tx1"/>
                     </a:solidFill>
@@ -14988,7 +14354,7 @@
                   <a:buNone/>
                 </a:pPr>
                 <a:r>
-                  <a:rPr lang="ru-RU" sz="2000" dirty="0" smtClean="0">
+                  <a:rPr lang="ru-RU" sz="2000" dirty="0">
                     <a:solidFill>
                       <a:schemeClr val="tx1"/>
                     </a:solidFill>
@@ -15061,7 +14427,7 @@
                   </m:oMath>
                 </a14:m>
                 <a:r>
-                  <a:rPr lang="en-US" sz="2000" dirty="0" smtClean="0">
+                  <a:rPr lang="en-US" sz="2000" dirty="0">
                     <a:solidFill>
                       <a:schemeClr val="tx1"/>
                     </a:solidFill>
@@ -15069,7 +14435,7 @@
                   <a:t> – </a:t>
                 </a:r>
                 <a:r>
-                  <a:rPr lang="ru-RU" sz="2000" dirty="0" smtClean="0">
+                  <a:rPr lang="ru-RU" sz="2000" dirty="0">
                     <a:solidFill>
                       <a:schemeClr val="tx1"/>
                     </a:solidFill>
@@ -15090,7 +14456,7 @@
                   </m:oMath>
                 </a14:m>
                 <a:r>
-                  <a:rPr lang="en-US" sz="2000" dirty="0" smtClean="0">
+                  <a:rPr lang="en-US" sz="2000" dirty="0">
                     <a:solidFill>
                       <a:schemeClr val="tx1"/>
                     </a:solidFill>
@@ -15098,7 +14464,7 @@
                   <a:t>-</a:t>
                 </a:r>
                 <a:r>
-                  <a:rPr lang="ru-RU" sz="2000" dirty="0" err="1" smtClean="0">
+                  <a:rPr lang="ru-RU" sz="2000" dirty="0" err="1">
                     <a:solidFill>
                       <a:schemeClr val="tx1"/>
                     </a:solidFill>
@@ -15106,7 +14472,7 @@
                   <a:t>го</a:t>
                 </a:r>
                 <a:r>
-                  <a:rPr lang="ru-RU" sz="2000" dirty="0" smtClean="0">
+                  <a:rPr lang="ru-RU" sz="2000" dirty="0">
                     <a:solidFill>
                       <a:schemeClr val="tx1"/>
                     </a:solidFill>
@@ -15152,7 +14518,7 @@
                   </m:oMath>
                 </a14:m>
                 <a:r>
-                  <a:rPr lang="en-US" sz="2000" dirty="0" smtClean="0">
+                  <a:rPr lang="en-US" sz="2000" dirty="0">
                     <a:solidFill>
                       <a:schemeClr val="tx1"/>
                     </a:solidFill>
@@ -15160,7 +14526,7 @@
                   <a:t> - </a:t>
                 </a:r>
                 <a:r>
-                  <a:rPr lang="ru-RU" sz="2000" dirty="0" smtClean="0">
+                  <a:rPr lang="ru-RU" sz="2000" dirty="0">
                     <a:solidFill>
                       <a:schemeClr val="tx1"/>
                     </a:solidFill>
@@ -15215,7 +14581,7 @@
                   </m:oMath>
                 </a14:m>
                 <a:r>
-                  <a:rPr lang="en-US" sz="2000" dirty="0" smtClean="0">
+                  <a:rPr lang="en-US" sz="2000" dirty="0">
                     <a:solidFill>
                       <a:schemeClr val="tx1"/>
                     </a:solidFill>
@@ -15223,7 +14589,7 @@
                   <a:t> - </a:t>
                 </a:r>
                 <a:r>
-                  <a:rPr lang="ru-RU" sz="2000" dirty="0" smtClean="0">
+                  <a:rPr lang="ru-RU" sz="2000" dirty="0">
                     <a:solidFill>
                       <a:schemeClr val="tx1"/>
                     </a:solidFill>
@@ -15244,7 +14610,7 @@
                   </m:oMath>
                 </a14:m>
                 <a:r>
-                  <a:rPr lang="en-US" sz="2000" dirty="0" smtClean="0">
+                  <a:rPr lang="en-US" sz="2000" dirty="0">
                     <a:solidFill>
                       <a:schemeClr val="tx1"/>
                     </a:solidFill>
@@ -15252,14 +14618,14 @@
                   <a:t> – </a:t>
                 </a:r>
                 <a:r>
-                  <a:rPr lang="ru-RU" sz="2000" dirty="0" smtClean="0">
+                  <a:rPr lang="ru-RU" sz="2000" dirty="0">
                     <a:solidFill>
                       <a:schemeClr val="tx1"/>
                     </a:solidFill>
                   </a:rPr>
                   <a:t>вектор признаков. </a:t>
                 </a:r>
-                <a:endParaRPr lang="en-US" sz="2000" dirty="0" smtClean="0">
+                <a:endParaRPr lang="en-US" sz="2000" dirty="0">
                   <a:solidFill>
                     <a:schemeClr val="tx1"/>
                   </a:solidFill>
@@ -15273,7 +14639,7 @@
                   <a:buNone/>
                 </a:pPr>
                 <a:r>
-                  <a:rPr lang="ru-RU" sz="2000" dirty="0" smtClean="0">
+                  <a:rPr lang="ru-RU" sz="2000" dirty="0">
                     <a:solidFill>
                       <a:schemeClr val="tx1"/>
                     </a:solidFill>
@@ -15294,7 +14660,7 @@
                   </m:oMath>
                 </a14:m>
                 <a:r>
-                  <a:rPr lang="en-US" sz="2000" dirty="0" smtClean="0">
+                  <a:rPr lang="en-US" sz="2000" dirty="0">
                     <a:solidFill>
                       <a:schemeClr val="tx1"/>
                     </a:solidFill>
@@ -15302,7 +14668,7 @@
                   <a:t>-</a:t>
                 </a:r>
                 <a:r>
-                  <a:rPr lang="ru-RU" sz="2000" dirty="0" err="1" smtClean="0">
+                  <a:rPr lang="ru-RU" sz="2000" dirty="0" err="1">
                     <a:solidFill>
                       <a:schemeClr val="tx1"/>
                     </a:solidFill>
@@ -15310,7 +14676,7 @@
                   <a:t>го</a:t>
                 </a:r>
                 <a:r>
-                  <a:rPr lang="ru-RU" sz="2000" dirty="0" smtClean="0">
+                  <a:rPr lang="ru-RU" sz="2000" dirty="0">
                     <a:solidFill>
                       <a:schemeClr val="tx1"/>
                     </a:solidFill>
@@ -15780,18 +15146,13 @@
                   </m:oMath>
                 </a14:m>
                 <a:r>
-                  <a:rPr lang="ru-RU" sz="2000" dirty="0" smtClean="0">
+                  <a:rPr lang="ru-RU" sz="2000" dirty="0">
                     <a:solidFill>
                       <a:schemeClr val="tx1"/>
                     </a:solidFill>
                   </a:rPr>
                   <a:t>.				(3)</a:t>
                 </a:r>
-                <a:endParaRPr lang="ru-RU" sz="2000" dirty="0">
-                  <a:solidFill>
-                    <a:schemeClr val="tx1"/>
-                  </a:solidFill>
-                </a:endParaRPr>
               </a:p>
             </p:txBody>
           </p:sp>
@@ -15813,16 +15174,16 @@
             </p:nvSpPr>
             <p:spPr>
               <a:xfrm>
-                <a:off x="838200" y="2604915"/>
-                <a:ext cx="10388097" cy="3823045"/>
+                <a:off x="838199" y="1035170"/>
+                <a:ext cx="10388097" cy="5280173"/>
               </a:xfrm>
               <a:prstGeom prst="rect">
                 <a:avLst/>
               </a:prstGeom>
               <a:blipFill>
-                <a:blip r:embed="rId4"/>
+                <a:blip r:embed="rId2"/>
                 <a:stretch>
-                  <a:fillRect l="-176" t="-1595" r="-587"/>
+                  <a:fillRect l="-117" t="-1270" r="-587"/>
                 </a:stretch>
               </a:blipFill>
             </p:spPr>
@@ -15841,6 +15202,34 @@
           </p:sp>
         </mc:Fallback>
       </mc:AlternateContent>
+      <p:sp>
+        <p:nvSpPr>
+          <p:cNvPr id="3" name="Номер слайда 2"/>
+          <p:cNvSpPr>
+            <a:spLocks noGrp="1"/>
+          </p:cNvSpPr>
+          <p:nvPr>
+            <p:ph type="sldNum" sz="quarter" idx="12"/>
+          </p:nvPr>
+        </p:nvSpPr>
+        <p:spPr/>
+        <p:txBody>
+          <a:bodyPr/>
+          <a:lstStyle/>
+          <a:p>
+            <a:fld id="{871F4C9F-061D-468D-90C1-298C9849AF70}" type="slidenum">
+              <a:rPr lang="ru-RU" smtClean="0"/>
+              <a:pPr/>
+              <a:t>5</a:t>
+            </a:fld>
+            <a:r>
+              <a:rPr lang="en-US"/>
+              <a:t>/18</a:t>
+            </a:r>
+            <a:endParaRPr lang="ru-RU" dirty="0"/>
+          </a:p>
+        </p:txBody>
+      </p:sp>
     </p:spTree>
     <p:extLst>
       <p:ext uri="{BB962C8B-B14F-4D97-AF65-F5344CB8AC3E}">
@@ -16038,13 +15427,7 @@
       </p:sp>
       <p:sp>
         <p:nvSpPr>
-          <p:cNvPr id="7" name="Номер слайда 6">
-            <a:extLst>
-              <a:ext uri="{FF2B5EF4-FFF2-40B4-BE49-F238E27FC236}">
-                <a16:creationId xmlns:a16="http://schemas.microsoft.com/office/drawing/2014/main" id="{5C6E3E59-AAC9-4EF1-B58B-39319714207D}"/>
-              </a:ext>
-            </a:extLst>
-          </p:cNvPr>
+          <p:cNvPr id="3" name="Номер слайда 2"/>
           <p:cNvSpPr>
             <a:spLocks noGrp="1"/>
           </p:cNvSpPr>
@@ -16064,11 +15447,7 @@
             </a:fld>
             <a:r>
               <a:rPr lang="en-US"/>
-              <a:t>/</a:t>
-            </a:r>
-            <a:r>
-              <a:rPr lang="ru-RU"/>
-              <a:t>20</a:t>
+              <a:t>/18</a:t>
             </a:r>
             <a:endParaRPr lang="ru-RU" dirty="0"/>
           </a:p>
@@ -16134,8 +15513,8 @@
           </a:p>
         </p:txBody>
       </p:sp>
-      <mc:AlternateContent xmlns:mc="http://schemas.openxmlformats.org/markup-compatibility/2006" xmlns:a14="http://schemas.microsoft.com/office/drawing/2010/main">
-        <mc:Choice Requires="a14">
+      <mc:AlternateContent xmlns:mc="http://schemas.openxmlformats.org/markup-compatibility/2006">
+        <mc:Choice xmlns:a14="http://schemas.microsoft.com/office/drawing/2010/main" Requires="a14">
           <p:sp>
             <p:nvSpPr>
               <p:cNvPr id="3" name="Объект 2"/>
@@ -16154,7 +15533,7 @@
             </p:spPr>
             <p:txBody>
               <a:bodyPr anchor="t">
-                <a:normAutofit/>
+                <a:normAutofit lnSpcReduction="10000"/>
               </a:bodyPr>
               <a:lstStyle/>
               <a:p>
@@ -16162,12 +15541,20 @@
                   <a:buNone/>
                 </a:pPr>
                 <a:r>
+                  <a:rPr lang="ru-RU" sz="2000" u="sng" dirty="0">
+                    <a:solidFill>
+                      <a:schemeClr val="tx1"/>
+                    </a:solidFill>
+                  </a:rPr>
+                  <a:t>Формат данных </a:t>
+                </a:r>
+                <a:r>
                   <a:rPr lang="ru-RU" sz="2000" dirty="0">
                     <a:solidFill>
                       <a:schemeClr val="tx1"/>
                     </a:solidFill>
                   </a:rPr>
-                  <a:t>Данные представляют из себя аудиофайлы формата </a:t>
+                  <a:t>- аудиофайлы формата </a:t>
                 </a:r>
                 <a:r>
                   <a:rPr lang="en-US" sz="2000" dirty="0">
@@ -16183,7 +15570,7 @@
                       <a:schemeClr val="tx1"/>
                     </a:solidFill>
                   </a:rPr>
-                  <a:t> с информации  о частоте/высоте тона, времени появления и времени окончания/длительности каждой ноты в секундах.</a:t>
+                  <a:t> (моно-сигналы) + информация  о частоте, времени появления и времени окончания каждой ноты в секундах.</a:t>
                 </a:r>
               </a:p>
               <a:p>
@@ -16308,21 +15695,8 @@
                       <a:schemeClr val="tx1"/>
                     </a:solidFill>
                   </a:rPr>
-                  <a:t>,					</a:t>
-                </a:r>
-                <a:r>
-                  <a:rPr lang="ru-RU" sz="2000" dirty="0" smtClean="0">
-                    <a:solidFill>
-                      <a:schemeClr val="tx1"/>
-                    </a:solidFill>
-                  </a:rPr>
-                  <a:t>(4)</a:t>
-                </a:r>
-                <a:endParaRPr lang="ru-RU" sz="2000" dirty="0">
-                  <a:solidFill>
-                    <a:schemeClr val="tx1"/>
-                  </a:solidFill>
-                </a:endParaRPr>
+                  <a:t>,					(4)</a:t>
+                </a:r>
               </a:p>
               <a:p>
                 <a:pPr marL="0" indent="0">
@@ -16587,7 +15961,7 @@
                   <a:t>,						</a:t>
                 </a:r>
                 <a:r>
-                  <a:rPr lang="en-US" sz="2000" dirty="0" smtClean="0">
+                  <a:rPr lang="en-US" sz="2000" dirty="0">
                     <a:solidFill>
                       <a:schemeClr val="tx1"/>
                     </a:solidFill>
@@ -16595,7 +15969,7 @@
                   <a:t>(</a:t>
                 </a:r>
                 <a:r>
-                  <a:rPr lang="ru-RU" sz="2000" dirty="0" smtClean="0">
+                  <a:rPr lang="ru-RU" sz="2000" dirty="0">
                     <a:solidFill>
                       <a:schemeClr val="tx1"/>
                     </a:solidFill>
@@ -16678,7 +16052,31 @@
                       <a:schemeClr val="tx1"/>
                     </a:solidFill>
                   </a:rPr>
-                  <a:t>Стандартная частота мелодии - </a:t>
+                  <a:t>Стандартная частота </a:t>
+                </a:r>
+                <a:r>
+                  <a:rPr lang="ru-RU" sz="2000" dirty="0" smtClean="0">
+                    <a:solidFill>
+                      <a:schemeClr val="tx1"/>
+                    </a:solidFill>
+                  </a:rPr>
+                  <a:t>дискретизации </a:t>
+                </a:r>
+                <a:r>
+                  <a:rPr lang="ru-RU" sz="2000" dirty="0" smtClean="0">
+                    <a:solidFill>
+                      <a:schemeClr val="tx1"/>
+                    </a:solidFill>
+                  </a:rPr>
+                  <a:t>мелодии </a:t>
+                </a:r>
+                <a:r>
+                  <a:rPr lang="ru-RU" sz="2000" dirty="0">
+                    <a:solidFill>
+                      <a:schemeClr val="tx1"/>
+                    </a:solidFill>
+                  </a:rPr>
+                  <a:t>- </a:t>
                 </a:r>
                 <a14:m>
                   <m:oMath xmlns:m="http://schemas.openxmlformats.org/officeDocument/2006/math">
@@ -16707,7 +16105,7 @@
                       <a:schemeClr val="tx1"/>
                     </a:solidFill>
                   </a:rPr>
-                  <a:t>кГц. Значит, формула перевода времени в отсчеты – </a:t>
+                  <a:t>кГц. Значит, формула перевода секунд в отсчеты – </a:t>
                 </a:r>
               </a:p>
               <a:p>
@@ -16783,15 +16181,7 @@
                       <a:schemeClr val="tx1"/>
                     </a:solidFill>
                   </a:rPr>
-                  <a:t>,					</a:t>
-                </a:r>
-                <a:r>
-                  <a:rPr lang="ru-RU" sz="2000" dirty="0" smtClean="0">
-                    <a:solidFill>
-                      <a:schemeClr val="tx1"/>
-                    </a:solidFill>
-                  </a:rPr>
-                  <a:t>(6)</a:t>
+                  <a:t>,					(6)</a:t>
                 </a:r>
                 <a:endParaRPr lang="en-US" sz="2000" dirty="0">
                   <a:solidFill>
@@ -16907,7 +16297,7 @@
             </p:txBody>
           </p:sp>
         </mc:Choice>
-        <mc:Fallback xmlns="">
+        <mc:Fallback>
           <p:sp>
             <p:nvSpPr>
               <p:cNvPr id="3" name="Объект 2"/>
@@ -16926,7 +16316,7 @@
               <a:blipFill>
                 <a:blip r:embed="rId2"/>
                 <a:stretch>
-                  <a:fillRect l="-638" t="-1211" r="-580"/>
+                  <a:fillRect l="-638" t="-1695" r="-580"/>
                 </a:stretch>
               </a:blipFill>
             </p:spPr>
@@ -16947,13 +16337,7 @@
       </mc:AlternateContent>
       <p:sp>
         <p:nvSpPr>
-          <p:cNvPr id="8" name="Номер слайда 7">
-            <a:extLst>
-              <a:ext uri="{FF2B5EF4-FFF2-40B4-BE49-F238E27FC236}">
-                <a16:creationId xmlns:a16="http://schemas.microsoft.com/office/drawing/2014/main" id="{C83AF18B-709E-41A1-BECB-6725221E2B81}"/>
-              </a:ext>
-            </a:extLst>
-          </p:cNvPr>
+          <p:cNvPr id="4" name="Номер слайда 3"/>
           <p:cNvSpPr>
             <a:spLocks noGrp="1"/>
           </p:cNvSpPr>
@@ -16973,11 +16357,7 @@
             </a:fld>
             <a:r>
               <a:rPr lang="en-US"/>
-              <a:t>/</a:t>
-            </a:r>
-            <a:r>
-              <a:rPr lang="ru-RU"/>
-              <a:t>20</a:t>
+              <a:t>/18</a:t>
             </a:r>
             <a:endParaRPr lang="ru-RU" dirty="0"/>
           </a:p>
@@ -17251,13 +16631,7 @@
       </p:sp>
       <p:sp>
         <p:nvSpPr>
-          <p:cNvPr id="10" name="Номер слайда 9">
-            <a:extLst>
-              <a:ext uri="{FF2B5EF4-FFF2-40B4-BE49-F238E27FC236}">
-                <a16:creationId xmlns:a16="http://schemas.microsoft.com/office/drawing/2014/main" id="{C52608AE-E4EF-46FB-B383-832AA7AD83DA}"/>
-              </a:ext>
-            </a:extLst>
-          </p:cNvPr>
+          <p:cNvPr id="4" name="Номер слайда 3"/>
           <p:cNvSpPr>
             <a:spLocks noGrp="1"/>
           </p:cNvSpPr>
@@ -17277,11 +16651,7 @@
             </a:fld>
             <a:r>
               <a:rPr lang="en-US"/>
-              <a:t>/</a:t>
-            </a:r>
-            <a:r>
-              <a:rPr lang="ru-RU"/>
-              <a:t>20</a:t>
+              <a:t>/18</a:t>
             </a:r>
             <a:endParaRPr lang="ru-RU" dirty="0"/>
           </a:p>
@@ -17289,13 +16659,7 @@
       </p:sp>
       <p:sp>
         <p:nvSpPr>
-          <p:cNvPr id="12" name="Нижний колонтитул 11">
-            <a:extLst>
-              <a:ext uri="{FF2B5EF4-FFF2-40B4-BE49-F238E27FC236}">
-                <a16:creationId xmlns:a16="http://schemas.microsoft.com/office/drawing/2014/main" id="{3B1CE6AC-25B6-4F6B-83B1-5E6470785768}"/>
-              </a:ext>
-            </a:extLst>
-          </p:cNvPr>
+          <p:cNvPr id="6" name="Нижний колонтитул 5"/>
           <p:cNvSpPr>
             <a:spLocks noGrp="1"/>
           </p:cNvSpPr>
@@ -17305,28 +16669,18 @@
         </p:nvSpPr>
         <p:spPr>
           <a:xfrm>
-            <a:off x="838200" y="5733288"/>
-            <a:ext cx="9777984" cy="855665"/>
+            <a:off x="958119" y="5881270"/>
+            <a:ext cx="9348109" cy="1050240"/>
           </a:xfrm>
         </p:spPr>
         <p:txBody>
           <a:bodyPr/>
           <a:lstStyle/>
           <a:p>
-            <a:pPr lvl="0" algn="just">
-              <a:lnSpc>
-                <a:spcPct val="115000"/>
-              </a:lnSpc>
-              <a:spcAft>
-                <a:spcPts val="600"/>
-              </a:spcAft>
-            </a:pPr>
             <a:r>
               <a:rPr lang="en-US" sz="1200" dirty="0">
                 <a:solidFill>
-                  <a:schemeClr val="accent1">
-                    <a:lumMod val="75000"/>
-                  </a:schemeClr>
+                  <a:schemeClr val="accent1"/>
                 </a:solidFill>
               </a:rPr>
               <a:t>[1] E. A. Cantos, J. M. I. </a:t>
@@ -17334,9 +16688,7 @@
             <a:r>
               <a:rPr lang="en-US" sz="1200" dirty="0" err="1">
                 <a:solidFill>
-                  <a:schemeClr val="accent1">
-                    <a:lumMod val="75000"/>
-                  </a:schemeClr>
+                  <a:schemeClr val="accent1"/>
                 </a:solidFill>
               </a:rPr>
               <a:t>Quereda</a:t>
@@ -17344,9 +16696,7 @@
             <a:r>
               <a:rPr lang="en-US" sz="1200" dirty="0">
                 <a:solidFill>
-                  <a:schemeClr val="accent1">
-                    <a:lumMod val="75000"/>
-                  </a:schemeClr>
+                  <a:schemeClr val="accent1"/>
                 </a:solidFill>
               </a:rPr>
               <a:t>, J. J. V. Mas. Flute audio labelled database for Automatic Music Transcription // </a:t>
@@ -17354,9 +16704,7 @@
             <a:r>
               <a:rPr lang="en-US" sz="1200" dirty="0" err="1">
                 <a:solidFill>
-                  <a:schemeClr val="accent1">
-                    <a:lumMod val="75000"/>
-                  </a:schemeClr>
+                  <a:schemeClr val="accent1"/>
                 </a:solidFill>
               </a:rPr>
               <a:t>Zenodo</a:t>
@@ -17364,46 +16712,17 @@
             <a:r>
               <a:rPr lang="en-US" sz="1200" dirty="0">
                 <a:solidFill>
-                  <a:schemeClr val="accent1">
-                    <a:lumMod val="75000"/>
-                  </a:schemeClr>
+                  <a:schemeClr val="accent1"/>
                 </a:solidFill>
               </a:rPr>
               <a:t>, September 4, 2018.</a:t>
             </a:r>
-            <a:r>
-              <a:rPr lang="ru-RU" sz="1200" dirty="0">
-                <a:solidFill>
-                  <a:schemeClr val="accent1">
-                    <a:lumMod val="75000"/>
-                  </a:schemeClr>
-                </a:solidFill>
-              </a:rPr>
-              <a:t> </a:t>
-            </a:r>
-            <a:endParaRPr lang="en-US" sz="1200" dirty="0">
-              <a:solidFill>
-                <a:schemeClr val="accent1">
-                  <a:lumMod val="75000"/>
-                </a:schemeClr>
-              </a:solidFill>
-            </a:endParaRPr>
-          </a:p>
-          <a:p>
-            <a:pPr lvl="0" algn="just">
-              <a:lnSpc>
-                <a:spcPct val="115000"/>
-              </a:lnSpc>
-              <a:spcAft>
-                <a:spcPts val="600"/>
-              </a:spcAft>
-            </a:pPr>
+          </a:p>
+          <a:p>
             <a:r>
               <a:rPr lang="en-US" sz="1200" dirty="0">
                 <a:solidFill>
-                  <a:schemeClr val="accent1">
-                    <a:lumMod val="75000"/>
-                  </a:schemeClr>
+                  <a:schemeClr val="accent1"/>
                 </a:solidFill>
               </a:rPr>
               <a:t>[2] S. Choi, W. Kim, S. Park, S. Yong, J. Nam. CSD: Children’s Song Dataset for Singing Voice Research (1.0) // International Society for Music Information Retrieval (ISMIR), </a:t>
@@ -17411,9 +16730,7 @@
             <a:r>
               <a:rPr lang="en-US" sz="1200" dirty="0" err="1">
                 <a:solidFill>
-                  <a:schemeClr val="accent1">
-                    <a:lumMod val="75000"/>
-                  </a:schemeClr>
+                  <a:schemeClr val="accent1"/>
                 </a:solidFill>
               </a:rPr>
               <a:t>Zenodo</a:t>
@@ -17421,27 +16738,14 @@
             <a:r>
               <a:rPr lang="en-US" sz="1200" dirty="0">
                 <a:solidFill>
-                  <a:schemeClr val="accent1">
-                    <a:lumMod val="75000"/>
-                  </a:schemeClr>
+                  <a:schemeClr val="accent1"/>
                 </a:solidFill>
               </a:rPr>
-              <a:t>, May 25, 2021.</a:t>
+              <a:t>, May 25, 2021</a:t>
             </a:r>
             <a:endParaRPr lang="ru-RU" sz="1200" dirty="0">
               <a:solidFill>
-                <a:schemeClr val="accent1">
-                  <a:lumMod val="75000"/>
-                </a:schemeClr>
-              </a:solidFill>
-            </a:endParaRPr>
-          </a:p>
-          <a:p>
-            <a:endParaRPr lang="ru-RU" sz="1200" dirty="0">
-              <a:solidFill>
-                <a:schemeClr val="accent1">
-                  <a:lumMod val="75000"/>
-                </a:schemeClr>
+                <a:schemeClr val="accent1"/>
               </a:solidFill>
             </a:endParaRPr>
           </a:p>
@@ -17693,21 +16997,8 @@
                       <a:schemeClr val="tx1"/>
                     </a:solidFill>
                   </a:rPr>
-                  <a:t>				</a:t>
-                </a:r>
-                <a:r>
-                  <a:rPr lang="ru-RU" sz="2000" dirty="0" smtClean="0">
-                    <a:solidFill>
-                      <a:schemeClr val="tx1"/>
-                    </a:solidFill>
-                  </a:rPr>
-                  <a:t>(7)</a:t>
-                </a:r>
-                <a:endParaRPr lang="ru-RU" sz="2000" dirty="0">
-                  <a:solidFill>
-                    <a:schemeClr val="tx1"/>
-                  </a:solidFill>
-                </a:endParaRPr>
+                  <a:t>				(7)</a:t>
+                </a:r>
               </a:p>
               <a:p>
                 <a:pPr marL="0" indent="0">
@@ -18194,26 +17485,18 @@
                       <a:schemeClr val="tx1"/>
                     </a:solidFill>
                   </a:rPr>
-                  <a:t>				</a:t>
-                </a:r>
-                <a:r>
-                  <a:rPr lang="en-US" sz="2000" dirty="0" smtClean="0">
+                  <a:t>				(</a:t>
+                </a:r>
+                <a:r>
+                  <a:rPr lang="ru-RU" sz="2000" dirty="0">
                     <a:solidFill>
                       <a:schemeClr val="tx1"/>
                     </a:solidFill>
                   </a:rPr>
-                  <a:t>(</a:t>
-                </a:r>
-                <a:r>
-                  <a:rPr lang="ru-RU" sz="2000" dirty="0" smtClean="0">
-                    <a:solidFill>
-                      <a:schemeClr val="tx1"/>
-                    </a:solidFill>
-                  </a:rPr>
                   <a:t>8</a:t>
                 </a:r>
                 <a:r>
-                  <a:rPr lang="en-US" sz="2000" dirty="0" smtClean="0">
+                  <a:rPr lang="en-US" sz="2000" dirty="0">
                     <a:solidFill>
                       <a:schemeClr val="tx1"/>
                     </a:solidFill>
@@ -18435,37 +17718,24 @@
                       <a:schemeClr val="tx1"/>
                     </a:solidFill>
                   </a:rPr>
-                  <a:t>		</a:t>
-                </a:r>
-                <a:r>
-                  <a:rPr lang="en-US" sz="2000" dirty="0" smtClean="0">
+                  <a:t>		(</a:t>
+                </a:r>
+                <a:r>
+                  <a:rPr lang="ru-RU" sz="2000" dirty="0">
                     <a:solidFill>
                       <a:schemeClr val="tx1"/>
                     </a:solidFill>
                   </a:rPr>
-                  <a:t>(</a:t>
-                </a:r>
-                <a:r>
-                  <a:rPr lang="ru-RU" sz="2000" dirty="0" smtClean="0">
+                  <a:t>9</a:t>
+                </a:r>
+                <a:r>
+                  <a:rPr lang="en-US" sz="2000" dirty="0">
                     <a:solidFill>
                       <a:schemeClr val="tx1"/>
                     </a:solidFill>
                   </a:rPr>
-                  <a:t>9</a:t>
-                </a:r>
-                <a:r>
-                  <a:rPr lang="en-US" sz="2000" dirty="0" smtClean="0">
-                    <a:solidFill>
-                      <a:schemeClr val="tx1"/>
-                    </a:solidFill>
-                  </a:rPr>
                   <a:t>)</a:t>
                 </a:r>
-                <a:endParaRPr lang="en-US" sz="2000" dirty="0">
-                  <a:solidFill>
-                    <a:schemeClr val="tx1"/>
-                  </a:solidFill>
-                </a:endParaRPr>
               </a:p>
               <a:p>
                 <a:pPr marL="0" indent="0">
@@ -19988,13 +19258,7 @@
       </p:sp>
       <p:sp>
         <p:nvSpPr>
-          <p:cNvPr id="10" name="Номер слайда 9">
-            <a:extLst>
-              <a:ext uri="{FF2B5EF4-FFF2-40B4-BE49-F238E27FC236}">
-                <a16:creationId xmlns:a16="http://schemas.microsoft.com/office/drawing/2014/main" id="{124825E0-211D-4A9B-A576-813FE626AD37}"/>
-              </a:ext>
-            </a:extLst>
-          </p:cNvPr>
+          <p:cNvPr id="4" name="Номер слайда 3"/>
           <p:cNvSpPr>
             <a:spLocks noGrp="1"/>
           </p:cNvSpPr>
@@ -20014,11 +19278,7 @@
             </a:fld>
             <a:r>
               <a:rPr lang="en-US"/>
-              <a:t>/</a:t>
-            </a:r>
-            <a:r>
-              <a:rPr lang="ru-RU"/>
-              <a:t>20</a:t>
+              <a:t>/18</a:t>
             </a:r>
             <a:endParaRPr lang="ru-RU" dirty="0"/>
           </a:p>
